--- a/basic_new/Module 06 -  Regular Expressions.pptx
+++ b/basic_new/Module 06 -  Regular Expressions.pptx
@@ -8,7 +8,7 @@
     <p:notesMasterId r:id="rId26"/>
   </p:notesMasterIdLst>
   <p:sldIdLst>
-    <p:sldId id="256" r:id="rId2"/>
+    <p:sldId id="336" r:id="rId2"/>
     <p:sldId id="257" r:id="rId3"/>
     <p:sldId id="259" r:id="rId4"/>
     <p:sldId id="345" r:id="rId5"/>
@@ -380,7 +380,7 @@
           <a:p>
             <a:fld id="{1D43D096-46E8-4CA0-A14E-854711339DA5}" type="datetimeFigureOut">
               <a:rPr lang="he-IL" smtClean="0"/>
-              <a:t>ט"ז/תמוז/תשפ"ג</a:t>
+              <a:t>כ'/תמוז/תשפ"ג</a:t>
             </a:fld>
             <a:endParaRPr lang="he-IL"/>
           </a:p>
@@ -649,11 +649,11 @@
 </file>
 
 <file path=ppt/notesSlides/notesSlide1.xml><?xml version="1.0" encoding="utf-8"?>
-<p:notes xmlns:a="http://schemas.openxmlformats.org/drawingml/2006/main" xmlns:r="http://schemas.openxmlformats.org/officeDocument/2006/relationships" xmlns:p="http://schemas.openxmlformats.org/presentationml/2006/main">
+<p:notes xmlns:a="http://schemas.openxmlformats.org/drawingml/2006/main" xmlns:r="http://schemas.openxmlformats.org/officeDocument/2006/relationships" xmlns:p="http://schemas.openxmlformats.org/presentationml/2006/main" showMasterSp="0" showMasterPhAnim="0">
   <p:cSld>
     <p:spTree>
       <p:nvGrpSpPr>
-        <p:cNvPr id="1" name=""/>
+        <p:cNvPr id="1" name="Shape 158"/>
         <p:cNvGrpSpPr/>
         <p:nvPr/>
       </p:nvGrpSpPr>
@@ -667,145 +667,84 @@
       </p:grpSpPr>
       <p:sp>
         <p:nvSpPr>
-          <p:cNvPr id="2" name="Slide Image Placeholder 1"/>
-          <p:cNvSpPr>
-            <a:spLocks noGrp="1" noRot="1" noChangeAspect="1"/>
-          </p:cNvSpPr>
-          <p:nvPr>
-            <p:ph type="sldImg"/>
-          </p:nvPr>
-        </p:nvSpPr>
-        <p:spPr/>
-      </p:sp>
-      <p:sp>
-        <p:nvSpPr>
-          <p:cNvPr id="3" name="Notes Placeholder 2"/>
-          <p:cNvSpPr>
+          <p:cNvPr id="159" name="Google Shape;159;p3:notes"/>
+          <p:cNvSpPr txBox="1">
             <a:spLocks noGrp="1"/>
           </p:cNvSpPr>
           <p:nvPr>
             <p:ph type="body" idx="1"/>
           </p:nvPr>
         </p:nvSpPr>
-        <p:spPr/>
+        <p:spPr>
+          <a:xfrm>
+            <a:off x="685800" y="4400550"/>
+            <a:ext cx="5486400" cy="3600450"/>
+          </a:xfrm>
+          <a:prstGeom prst="rect">
+            <a:avLst/>
+          </a:prstGeom>
+        </p:spPr>
         <p:txBody>
-          <a:bodyPr/>
+          <a:bodyPr spcFirstLastPara="1" wrap="square" lIns="91425" tIns="45700" rIns="91425" bIns="45700" anchor="t" anchorCtr="0">
+            <a:noAutofit/>
+          </a:bodyPr>
           <a:lstStyle/>
           <a:p>
-            <a:pPr eaLnBrk="1" hangingPunct="1">
+            <a:pPr marL="0" lvl="0" indent="0" algn="l" rtl="0">
               <a:spcBef>
-                <a:spcPct val="0"/>
+                <a:spcPts val="0"/>
               </a:spcBef>
+              <a:spcAft>
+                <a:spcPts val="0"/>
+              </a:spcAft>
+              <a:buNone/>
             </a:pPr>
-            <a:r>
-              <a:rPr lang="en-US" dirty="0">
-                <a:solidFill>
-                  <a:schemeClr val="tx1"/>
-                </a:solidFill>
-              </a:rPr>
-              <a:t>This is</a:t>
-            </a:r>
-            <a:r>
-              <a:rPr lang="en-US" baseline="0" dirty="0">
-                <a:solidFill>
-                  <a:schemeClr val="tx1"/>
-                </a:solidFill>
-              </a:rPr>
-              <a:t> a straightforward solution for calculating the average of 2 numbers.</a:t>
-            </a:r>
-          </a:p>
-          <a:p>
-            <a:pPr eaLnBrk="1" hangingPunct="1">
-              <a:spcBef>
-                <a:spcPct val="0"/>
-              </a:spcBef>
-            </a:pPr>
-            <a:r>
-              <a:rPr lang="en-US" baseline="0" dirty="0">
-                <a:solidFill>
-                  <a:schemeClr val="tx1"/>
-                </a:solidFill>
-              </a:rPr>
-              <a:t>Notice the code in lines </a:t>
-            </a:r>
-            <a:r>
-              <a:rPr lang="en-US" dirty="0"/>
-              <a:t>3-5</a:t>
-            </a:r>
-            <a:r>
-              <a:rPr lang="en-US" baseline="0" dirty="0">
-                <a:solidFill>
-                  <a:schemeClr val="tx1"/>
-                </a:solidFill>
-              </a:rPr>
-              <a:t>, </a:t>
-            </a:r>
-            <a:r>
-              <a:rPr lang="en-US" b="1" baseline="0" dirty="0">
-                <a:solidFill>
-                  <a:schemeClr val="tx1"/>
-                </a:solidFill>
-              </a:rPr>
-              <a:t>repeated </a:t>
-            </a:r>
-            <a:r>
-              <a:rPr lang="en-US" baseline="0" dirty="0">
-                <a:solidFill>
-                  <a:schemeClr val="tx1"/>
-                </a:solidFill>
-              </a:rPr>
-              <a:t>in lines </a:t>
-            </a:r>
-            <a:r>
-              <a:rPr lang="en-US" dirty="0"/>
-              <a:t>7-9</a:t>
-            </a:r>
-            <a:r>
-              <a:rPr lang="en-US" baseline="0" dirty="0">
-                <a:solidFill>
-                  <a:schemeClr val="tx1"/>
-                </a:solidFill>
-              </a:rPr>
-              <a:t>.</a:t>
-            </a:r>
-            <a:endParaRPr lang="he-IL" dirty="0">
-              <a:solidFill>
-                <a:schemeClr val="tx1"/>
-              </a:solidFill>
-            </a:endParaRPr>
+            <a:endParaRPr/>
           </a:p>
         </p:txBody>
       </p:sp>
       <p:sp>
         <p:nvSpPr>
-          <p:cNvPr id="4" name="Slide Number Placeholder 3"/>
+          <p:cNvPr id="160" name="Google Shape;160;p3:notes"/>
           <p:cNvSpPr>
-            <a:spLocks noGrp="1"/>
+            <a:spLocks noGrp="1" noRot="1" noChangeAspect="1"/>
           </p:cNvSpPr>
           <p:nvPr>
-            <p:ph type="sldNum" sz="quarter" idx="10"/>
+            <p:ph type="sldImg" idx="2"/>
           </p:nvPr>
         </p:nvSpPr>
-        <p:spPr/>
-        <p:txBody>
-          <a:bodyPr/>
-          <a:lstStyle/>
-          <a:p>
-            <a:fld id="{C18343ED-3762-4D46-A439-B4D407E13EF8}" type="slidenum">
-              <a:rPr lang="en-US" smtClean="0"/>
-              <a:pPr/>
-              <a:t>3</a:t>
-            </a:fld>
-            <a:endParaRPr lang="en-US"/>
-          </a:p>
-        </p:txBody>
+        <p:spPr>
+          <a:xfrm>
+            <a:off x="685800" y="1143000"/>
+            <a:ext cx="5486400" cy="3086100"/>
+          </a:xfrm>
+          <a:custGeom>
+            <a:avLst/>
+            <a:gdLst/>
+            <a:ahLst/>
+            <a:cxnLst/>
+            <a:rect l="l" t="t" r="r" b="b"/>
+            <a:pathLst>
+              <a:path w="120000" h="120000" extrusionOk="0">
+                <a:moveTo>
+                  <a:pt x="0" y="0"/>
+                </a:moveTo>
+                <a:lnTo>
+                  <a:pt x="120000" y="0"/>
+                </a:lnTo>
+                <a:lnTo>
+                  <a:pt x="120000" y="120000"/>
+                </a:lnTo>
+                <a:lnTo>
+                  <a:pt x="0" y="120000"/>
+                </a:lnTo>
+                <a:close/>
+              </a:path>
+            </a:pathLst>
+          </a:custGeom>
+        </p:spPr>
       </p:sp>
     </p:spTree>
-    <p:extLst>
-      <p:ext uri="{BB962C8B-B14F-4D97-AF65-F5344CB8AC3E}">
-        <p14:creationId xmlns:p14="http://schemas.microsoft.com/office/powerpoint/2010/main" val="3476799917"/>
-      </p:ext>
-    </p:extLst>
   </p:cSld>
   <p:clrMapOvr>
     <a:masterClrMapping/>
@@ -866,15 +805,11 @@
             </a:pPr>
             <a:r>
               <a:rPr lang="en-US" dirty="0"/>
-              <a:t>In this case, the while loop will iterate as many times as there are digits in </a:t>
-            </a:r>
-            <a:r>
-              <a:rPr lang="en-US" b="1" dirty="0"/>
-              <a:t>num</a:t>
-            </a:r>
-            <a:r>
-              <a:rPr lang="en-US" dirty="0"/>
-              <a:t>.</a:t>
+              <a:t>In this example, a</a:t>
+            </a:r>
+            <a:r>
+              <a:rPr lang="en-US" baseline="0" dirty="0"/>
+              <a:t> while loop is used for input-range check.</a:t>
             </a:r>
           </a:p>
           <a:p>
@@ -884,40 +819,24 @@
               </a:spcBef>
             </a:pPr>
             <a:r>
+              <a:rPr lang="en-US" baseline="0" dirty="0"/>
+              <a:t>The calculation that starts in line </a:t>
+            </a:r>
+            <a:r>
               <a:rPr lang="en-US" dirty="0"/>
-              <a:t>This is because the operation </a:t>
-            </a:r>
-            <a:r>
-              <a:rPr lang="en-US" b="1" dirty="0" err="1"/>
-              <a:t>num</a:t>
-            </a:r>
-            <a:r>
-              <a:rPr lang="en-US" b="1" dirty="0"/>
-              <a:t> = </a:t>
-            </a:r>
-            <a:r>
-              <a:rPr lang="en-US" b="1" dirty="0" err="1"/>
-              <a:t>num</a:t>
-            </a:r>
-            <a:r>
-              <a:rPr lang="en-US" b="1" dirty="0"/>
-              <a:t> / 10</a:t>
+              <a:t>3</a:t>
             </a:r>
             <a:r>
               <a:rPr lang="en-US" baseline="0" dirty="0"/>
-              <a:t> (line11) effectively eliminates </a:t>
-            </a:r>
-            <a:r>
-              <a:rPr lang="en-US" b="1" baseline="0" dirty="0" err="1"/>
-              <a:t>num</a:t>
-            </a:r>
-            <a:r>
-              <a:rPr lang="en-US" baseline="0" dirty="0" err="1"/>
-              <a:t>’s</a:t>
+              <a:t> assumes that the </a:t>
+            </a:r>
+            <a:r>
+              <a:rPr lang="en-US" b="1" baseline="0" dirty="0"/>
+              <a:t>score</a:t>
             </a:r>
             <a:r>
               <a:rPr lang="en-US" baseline="0" dirty="0"/>
-              <a:t> least significant digit.</a:t>
+              <a:t> is within a certain range (0..100).</a:t>
             </a:r>
           </a:p>
           <a:p>
@@ -928,16 +847,77 @@
             </a:pPr>
             <a:r>
               <a:rPr lang="en-US" baseline="0" dirty="0"/>
-              <a:t>This will continue until </a:t>
-            </a:r>
-            <a:r>
-              <a:rPr lang="en-US" b="1" baseline="0" dirty="0" err="1"/>
-              <a:t>num</a:t>
+              <a:t>What if the input (line </a:t>
+            </a:r>
+            <a:r>
+              <a:rPr lang="en-US" dirty="0"/>
+              <a:t>2</a:t>
             </a:r>
             <a:r>
               <a:rPr lang="en-US" baseline="0" dirty="0"/>
-              <a:t> has “no more digits”, meaning has the value of 0 (zero).</a:t>
-            </a:r>
+              <a:t>) is outside that range, say </a:t>
+            </a:r>
+            <a:r>
+              <a:rPr lang="en-US" b="1" baseline="0" dirty="0"/>
+              <a:t>score = -5</a:t>
+            </a:r>
+            <a:r>
+              <a:rPr lang="en-US" baseline="0" dirty="0"/>
+              <a:t>?</a:t>
+            </a:r>
+          </a:p>
+          <a:p>
+            <a:pPr eaLnBrk="1" hangingPunct="1">
+              <a:spcBef>
+                <a:spcPct val="0"/>
+              </a:spcBef>
+            </a:pPr>
+            <a:r>
+              <a:rPr lang="en-US" baseline="0" dirty="0"/>
+              <a:t>What is the meaning of line </a:t>
+            </a:r>
+            <a:r>
+              <a:rPr lang="en-US" dirty="0"/>
+              <a:t>6</a:t>
+            </a:r>
+            <a:r>
+              <a:rPr lang="en-US" baseline="0" dirty="0"/>
+              <a:t> then?</a:t>
+            </a:r>
+            <a:endParaRPr lang="en-US" baseline="0" dirty="0">
+              <a:cs typeface="Calibri"/>
+            </a:endParaRPr>
+          </a:p>
+          <a:p>
+            <a:pPr eaLnBrk="1" hangingPunct="1">
+              <a:spcBef>
+                <a:spcPct val="0"/>
+              </a:spcBef>
+            </a:pPr>
+            <a:r>
+              <a:rPr lang="en-US" baseline="0" dirty="0"/>
+              <a:t>In order to validate the intended processing which starts in line </a:t>
+            </a:r>
+            <a:r>
+              <a:rPr lang="en-US" dirty="0"/>
+              <a:t>7</a:t>
+            </a:r>
+            <a:r>
+              <a:rPr lang="en-US" baseline="0" dirty="0"/>
+              <a:t>, we use the while loop (lines </a:t>
+            </a:r>
+            <a:r>
+              <a:rPr lang="en-US" dirty="0"/>
+              <a:t>4-6</a:t>
+            </a:r>
+            <a:r>
+              <a:rPr lang="en-US" baseline="0" dirty="0"/>
+              <a:t>) to repeatedly receive inputs as long as it is invalid.</a:t>
+            </a:r>
+            <a:endParaRPr lang="he-IL" dirty="0"/>
+          </a:p>
+          <a:p>
+            <a:endParaRPr lang="en-US" dirty="0"/>
           </a:p>
         </p:txBody>
       </p:sp>
@@ -959,7 +939,7 @@
             <a:fld id="{C18343ED-3762-4D46-A439-B4D407E13EF8}" type="slidenum">
               <a:rPr lang="en-US" smtClean="0"/>
               <a:pPr/>
-              <a:t>15</a:t>
+              <a:t>14</a:t>
             </a:fld>
             <a:endParaRPr lang="en-US"/>
           </a:p>
@@ -968,7 +948,7 @@
     </p:spTree>
     <p:extLst>
       <p:ext uri="{BB962C8B-B14F-4D97-AF65-F5344CB8AC3E}">
-        <p14:creationId xmlns:p14="http://schemas.microsoft.com/office/powerpoint/2010/main" val="3780130357"/>
+        <p14:creationId xmlns:p14="http://schemas.microsoft.com/office/powerpoint/2010/main" val="2915812613"/>
       </p:ext>
     </p:extLst>
   </p:cSld>
@@ -1024,70 +1004,85 @@
           </a:bodyPr>
           <a:lstStyle/>
           <a:p>
-            <a:pPr eaLnBrk="1" hangingPunct="1"/>
-            <a:r>
-              <a:rPr lang="en-US" sz="1200" dirty="0"/>
-              <a:t>How do we limit the number of times the loop is executed?</a:t>
-            </a:r>
-          </a:p>
-          <a:p>
-            <a:pPr eaLnBrk="1" hangingPunct="1"/>
-            <a:r>
-              <a:rPr lang="en-US" sz="1200" dirty="0"/>
-              <a:t>In many</a:t>
-            </a:r>
-            <a:r>
-              <a:rPr lang="en-US" sz="1200" baseline="0" dirty="0"/>
-              <a:t> cases, like the one in this slide, w</a:t>
-            </a:r>
-            <a:r>
-              <a:rPr lang="en-US" sz="1200" dirty="0"/>
-              <a:t>e use a counter that increases with every iteration of the loop.</a:t>
-            </a:r>
-          </a:p>
-          <a:p>
-            <a:pPr eaLnBrk="1" hangingPunct="1"/>
-            <a:r>
-              <a:rPr lang="en-US" sz="1200" dirty="0"/>
-              <a:t>At</a:t>
-            </a:r>
-            <a:r>
-              <a:rPr lang="en-US" sz="1200" baseline="0" dirty="0"/>
-              <a:t> some point, the counter causes the loop condition to become false.</a:t>
-            </a:r>
-          </a:p>
-          <a:p>
-            <a:pPr eaLnBrk="1" hangingPunct="1"/>
-            <a:r>
-              <a:rPr lang="en-US" sz="1200" baseline="0" dirty="0"/>
-              <a:t>Is this a safe pattern?</a:t>
-            </a:r>
-          </a:p>
-          <a:p>
-            <a:pPr eaLnBrk="1" hangingPunct="1"/>
-            <a:r>
-              <a:rPr lang="en-US" sz="1200" baseline="0" dirty="0"/>
-              <a:t>What would happen if we forget to increment the counter?</a:t>
-            </a:r>
-          </a:p>
-          <a:p>
-            <a:pPr eaLnBrk="1" hangingPunct="1"/>
-            <a:r>
-              <a:rPr lang="en-US" sz="1200" baseline="0" dirty="0"/>
-              <a:t>The loop would iterate forever, and we will need to find that bug…</a:t>
-            </a:r>
-          </a:p>
-          <a:p>
-            <a:pPr eaLnBrk="1" hangingPunct="1"/>
-            <a:endParaRPr lang="en-US" sz="1200" baseline="0" dirty="0"/>
-          </a:p>
-          <a:p>
-            <a:pPr eaLnBrk="1" hangingPunct="1"/>
-            <a:r>
-              <a:rPr lang="en-US" sz="1200" baseline="0" dirty="0"/>
-              <a:t>Is this problem avoidable in a different way than “don’t forget to increase the counter”?</a:t>
-            </a:r>
-            <a:endParaRPr lang="en-US" sz="1200" dirty="0"/>
+            <a:pPr eaLnBrk="1" hangingPunct="1">
+              <a:spcBef>
+                <a:spcPct val="0"/>
+              </a:spcBef>
+            </a:pPr>
+            <a:r>
+              <a:rPr lang="en-US" dirty="0"/>
+              <a:t>In this case, the while loop will iterate as many times as there are digits in </a:t>
+            </a:r>
+            <a:r>
+              <a:rPr lang="en-US" b="1" dirty="0"/>
+              <a:t>num</a:t>
+            </a:r>
+            <a:r>
+              <a:rPr lang="en-US" dirty="0"/>
+              <a:t>.</a:t>
+            </a:r>
+          </a:p>
+          <a:p>
+            <a:pPr eaLnBrk="1" hangingPunct="1">
+              <a:spcBef>
+                <a:spcPct val="0"/>
+              </a:spcBef>
+            </a:pPr>
+            <a:r>
+              <a:rPr lang="en-US" dirty="0"/>
+              <a:t>This is because the operation </a:t>
+            </a:r>
+            <a:r>
+              <a:rPr lang="en-US" b="1" dirty="0" err="1"/>
+              <a:t>num</a:t>
+            </a:r>
+            <a:r>
+              <a:rPr lang="en-US" b="1" dirty="0"/>
+              <a:t> = </a:t>
+            </a:r>
+            <a:r>
+              <a:rPr lang="en-US" b="1" dirty="0" err="1"/>
+              <a:t>num</a:t>
+            </a:r>
+            <a:r>
+              <a:rPr lang="en-US" b="1" dirty="0"/>
+              <a:t> / 10</a:t>
+            </a:r>
+            <a:r>
+              <a:rPr lang="en-US" baseline="0" dirty="0"/>
+              <a:t> (line11) effectively eliminates </a:t>
+            </a:r>
+            <a:r>
+              <a:rPr lang="en-US" b="1" baseline="0" dirty="0" err="1"/>
+              <a:t>num</a:t>
+            </a:r>
+            <a:r>
+              <a:rPr lang="en-US" baseline="0" dirty="0" err="1"/>
+              <a:t>’s</a:t>
+            </a:r>
+            <a:r>
+              <a:rPr lang="en-US" baseline="0" dirty="0"/>
+              <a:t> least significant digit.</a:t>
+            </a:r>
+          </a:p>
+          <a:p>
+            <a:pPr eaLnBrk="1" hangingPunct="1">
+              <a:spcBef>
+                <a:spcPct val="0"/>
+              </a:spcBef>
+            </a:pPr>
+            <a:r>
+              <a:rPr lang="en-US" baseline="0" dirty="0"/>
+              <a:t>This will continue until </a:t>
+            </a:r>
+            <a:r>
+              <a:rPr lang="en-US" b="1" baseline="0" dirty="0" err="1"/>
+              <a:t>num</a:t>
+            </a:r>
+            <a:r>
+              <a:rPr lang="en-US" baseline="0" dirty="0"/>
+              <a:t> has “no more digits”, meaning has the value of 0 (zero).</a:t>
+            </a:r>
           </a:p>
         </p:txBody>
       </p:sp>
@@ -1109,7 +1104,7 @@
             <a:fld id="{C18343ED-3762-4D46-A439-B4D407E13EF8}" type="slidenum">
               <a:rPr lang="en-US" smtClean="0"/>
               <a:pPr/>
-              <a:t>17</a:t>
+              <a:t>15</a:t>
             </a:fld>
             <a:endParaRPr lang="en-US"/>
           </a:p>
@@ -1118,7 +1113,7 @@
     </p:spTree>
     <p:extLst>
       <p:ext uri="{BB962C8B-B14F-4D97-AF65-F5344CB8AC3E}">
-        <p14:creationId xmlns:p14="http://schemas.microsoft.com/office/powerpoint/2010/main" val="4166924798"/>
+        <p14:creationId xmlns:p14="http://schemas.microsoft.com/office/powerpoint/2010/main" val="3780130357"/>
       </p:ext>
     </p:extLst>
   </p:cSld>
@@ -1169,156 +1164,75 @@
         </p:nvSpPr>
         <p:spPr/>
         <p:txBody>
-          <a:bodyPr/>
+          <a:bodyPr>
+            <a:normAutofit/>
+          </a:bodyPr>
           <a:lstStyle/>
           <a:p>
-            <a:pPr eaLnBrk="1" hangingPunct="1">
-              <a:spcBef>
-                <a:spcPct val="0"/>
-              </a:spcBef>
-            </a:pPr>
-            <a:r>
-              <a:rPr lang="en-US" dirty="0"/>
-              <a:t>For this purpose we can use a more suitable loop type</a:t>
-            </a:r>
-            <a:r>
-              <a:rPr lang="en-US" baseline="0" dirty="0"/>
-              <a:t> – </a:t>
-            </a:r>
-            <a:r>
-              <a:rPr lang="en-US" dirty="0"/>
-              <a:t>the </a:t>
-            </a:r>
-            <a:r>
-              <a:rPr lang="en-US" b="1" i="0" dirty="0"/>
-              <a:t>for</a:t>
-            </a:r>
-            <a:r>
-              <a:rPr lang="en-US" dirty="0"/>
-              <a:t> loop.</a:t>
-            </a:r>
-          </a:p>
-          <a:p>
-            <a:pPr>
-              <a:spcBef>
-                <a:spcPct val="0"/>
-              </a:spcBef>
-            </a:pPr>
-            <a:r>
-              <a:rPr lang="en-US" dirty="0"/>
-              <a:t>In the </a:t>
-            </a:r>
-            <a:r>
-              <a:rPr lang="en-US" b="1" i="0" dirty="0"/>
-              <a:t>for </a:t>
-            </a:r>
-            <a:r>
-              <a:rPr lang="en-US" i="0" dirty="0"/>
-              <a:t>structure, we write the</a:t>
-            </a:r>
-            <a:r>
-              <a:rPr lang="en-US" i="0" baseline="0" dirty="0"/>
-              <a:t> initial state (count </a:t>
-            </a:r>
-            <a:r>
-              <a:rPr lang="en-US" dirty="0"/>
-              <a:t>in x</a:t>
-            </a:r>
-            <a:r>
-              <a:rPr lang="en-US" i="0" baseline="0" dirty="0"/>
-              <a:t>), the loop condition (count </a:t>
-            </a:r>
-            <a:r>
-              <a:rPr lang="en-US" dirty="0"/>
-              <a:t>&lt;</a:t>
-            </a:r>
-            <a:r>
-              <a:rPr lang="en-US" i="0" baseline="0" dirty="0"/>
-              <a:t> </a:t>
-            </a:r>
-            <a:r>
-              <a:rPr lang="en-US" dirty="0"/>
-              <a:t>x</a:t>
-            </a:r>
-            <a:r>
-              <a:rPr lang="en-US" i="0" baseline="0" dirty="0"/>
-              <a:t>), and the iteration change (count++) all in one line.</a:t>
-            </a:r>
-            <a:endParaRPr lang="en-US" i="0" baseline="0" dirty="0">
-              <a:cs typeface="Calibri"/>
-            </a:endParaRPr>
-          </a:p>
-          <a:p>
-            <a:pPr eaLnBrk="1" hangingPunct="1">
-              <a:spcBef>
-                <a:spcPct val="0"/>
-              </a:spcBef>
-            </a:pPr>
-            <a:r>
-              <a:rPr lang="en-US" i="0" baseline="0" dirty="0"/>
-              <a:t>This makes all the elements of the loop mechanism more visible.</a:t>
-            </a:r>
-          </a:p>
-          <a:p>
-            <a:pPr eaLnBrk="1" hangingPunct="1">
-              <a:spcBef>
-                <a:spcPct val="0"/>
-              </a:spcBef>
-            </a:pPr>
-            <a:endParaRPr lang="en-US" i="0" baseline="0" dirty="0"/>
-          </a:p>
-          <a:p>
-            <a:pPr eaLnBrk="1" hangingPunct="1">
-              <a:spcBef>
-                <a:spcPct val="0"/>
-              </a:spcBef>
-            </a:pPr>
-            <a:r>
-              <a:rPr lang="en-US" i="0" u="sng" baseline="0" dirty="0"/>
-              <a:t>Note</a:t>
-            </a:r>
-          </a:p>
-          <a:p>
-            <a:pPr eaLnBrk="1" hangingPunct="1">
-              <a:spcBef>
-                <a:spcPct val="0"/>
-              </a:spcBef>
-            </a:pPr>
-            <a:r>
-              <a:rPr lang="en-US" i="0" u="none" baseline="0" dirty="0"/>
-              <a:t>There is no difference in functionality between the </a:t>
-            </a:r>
-            <a:r>
-              <a:rPr lang="en-US" b="1" i="0" u="none" baseline="0" dirty="0"/>
-              <a:t>while </a:t>
-            </a:r>
-            <a:r>
-              <a:rPr lang="en-US" i="0" u="none" baseline="0" dirty="0"/>
-              <a:t>and the </a:t>
-            </a:r>
-            <a:r>
-              <a:rPr lang="en-US" b="1" i="0" u="none" baseline="0" dirty="0"/>
-              <a:t>for </a:t>
-            </a:r>
-            <a:r>
-              <a:rPr lang="en-US" i="0" u="none" baseline="0" dirty="0"/>
-              <a:t>loops.</a:t>
-            </a:r>
-          </a:p>
-          <a:p>
-            <a:pPr eaLnBrk="1" hangingPunct="1">
-              <a:spcBef>
-                <a:spcPct val="0"/>
-              </a:spcBef>
-            </a:pPr>
-            <a:r>
-              <a:rPr lang="en-US" i="0" u="none" baseline="0" dirty="0"/>
-              <a:t>The only difference between them is in the way we write them.</a:t>
-            </a:r>
-            <a:endParaRPr lang="en-US" i="1" u="none" dirty="0"/>
-          </a:p>
-          <a:p>
-            <a:endParaRPr lang="en-US" dirty="0"/>
+            <a:pPr eaLnBrk="1" hangingPunct="1"/>
+            <a:r>
+              <a:rPr lang="en-US" sz="1200" dirty="0"/>
+              <a:t>How do we limit the number of times the loop is executed?</a:t>
+            </a:r>
+          </a:p>
+          <a:p>
+            <a:pPr eaLnBrk="1" hangingPunct="1"/>
+            <a:r>
+              <a:rPr lang="en-US" sz="1200" dirty="0"/>
+              <a:t>In many</a:t>
+            </a:r>
+            <a:r>
+              <a:rPr lang="en-US" sz="1200" baseline="0" dirty="0"/>
+              <a:t> cases, like the one in this slide, w</a:t>
+            </a:r>
+            <a:r>
+              <a:rPr lang="en-US" sz="1200" dirty="0"/>
+              <a:t>e use a counter that increases with every iteration of the loop.</a:t>
+            </a:r>
+          </a:p>
+          <a:p>
+            <a:pPr eaLnBrk="1" hangingPunct="1"/>
+            <a:r>
+              <a:rPr lang="en-US" sz="1200" dirty="0"/>
+              <a:t>At</a:t>
+            </a:r>
+            <a:r>
+              <a:rPr lang="en-US" sz="1200" baseline="0" dirty="0"/>
+              <a:t> some point, the counter causes the loop condition to become false.</a:t>
+            </a:r>
+          </a:p>
+          <a:p>
+            <a:pPr eaLnBrk="1" hangingPunct="1"/>
+            <a:r>
+              <a:rPr lang="en-US" sz="1200" baseline="0" dirty="0"/>
+              <a:t>Is this a safe pattern?</a:t>
+            </a:r>
+          </a:p>
+          <a:p>
+            <a:pPr eaLnBrk="1" hangingPunct="1"/>
+            <a:r>
+              <a:rPr lang="en-US" sz="1200" baseline="0" dirty="0"/>
+              <a:t>What would happen if we forget to increment the counter?</a:t>
+            </a:r>
+          </a:p>
+          <a:p>
+            <a:pPr eaLnBrk="1" hangingPunct="1"/>
+            <a:r>
+              <a:rPr lang="en-US" sz="1200" baseline="0" dirty="0"/>
+              <a:t>The loop would iterate forever, and we will need to find that bug…</a:t>
+            </a:r>
+          </a:p>
+          <a:p>
+            <a:pPr eaLnBrk="1" hangingPunct="1"/>
+            <a:endParaRPr lang="en-US" sz="1200" baseline="0" dirty="0"/>
+          </a:p>
+          <a:p>
+            <a:pPr eaLnBrk="1" hangingPunct="1"/>
+            <a:r>
+              <a:rPr lang="en-US" sz="1200" baseline="0" dirty="0"/>
+              <a:t>Is this problem avoidable in a different way than “don’t forget to increase the counter”?</a:t>
+            </a:r>
+            <a:endParaRPr lang="en-US" sz="1200" dirty="0"/>
           </a:p>
         </p:txBody>
       </p:sp>
@@ -1340,7 +1254,7 @@
             <a:fld id="{C18343ED-3762-4D46-A439-B4D407E13EF8}" type="slidenum">
               <a:rPr lang="en-US" smtClean="0"/>
               <a:pPr/>
-              <a:t>18</a:t>
+              <a:t>17</a:t>
             </a:fld>
             <a:endParaRPr lang="en-US"/>
           </a:p>
@@ -1349,7 +1263,7 @@
     </p:spTree>
     <p:extLst>
       <p:ext uri="{BB962C8B-B14F-4D97-AF65-F5344CB8AC3E}">
-        <p14:creationId xmlns:p14="http://schemas.microsoft.com/office/powerpoint/2010/main" val="3748038171"/>
+        <p14:creationId xmlns:p14="http://schemas.microsoft.com/office/powerpoint/2010/main" val="4166924798"/>
       </p:ext>
     </p:extLst>
   </p:cSld>
@@ -1403,139 +1317,153 @@
           <a:bodyPr/>
           <a:lstStyle/>
           <a:p>
-            <a:pPr marL="0" marR="0" indent="0" algn="l" defTabSz="914400" rtl="0" eaLnBrk="1" fontAlgn="base" latinLnBrk="0" hangingPunct="1">
-              <a:lnSpc>
-                <a:spcPct val="100000"/>
-              </a:lnSpc>
+            <a:pPr eaLnBrk="1" hangingPunct="1">
               <a:spcBef>
                 <a:spcPct val="0"/>
               </a:spcBef>
-              <a:spcAft>
-                <a:spcPct val="0"/>
-              </a:spcAft>
-              <a:buClrTx/>
-              <a:buSzTx/>
-              <a:buFontTx/>
-              <a:buNone/>
-              <a:tabLst/>
-              <a:defRPr/>
             </a:pPr>
             <a:r>
-              <a:rPr lang="en-US" u="sng" dirty="0"/>
-              <a:t>Notice in “for (expr1 ; expr2 ; expr3)”:</a:t>
-            </a:r>
-          </a:p>
-          <a:p>
-            <a:pPr marL="171450" marR="0" indent="-171450" algn="l" defTabSz="914400" rtl="0" eaLnBrk="1" fontAlgn="base" latinLnBrk="0" hangingPunct="1">
-              <a:lnSpc>
-                <a:spcPct val="100000"/>
-              </a:lnSpc>
+              <a:rPr lang="en-US" dirty="0"/>
+              <a:t>For this purpose we can use a more suitable loop type</a:t>
+            </a:r>
+            <a:r>
+              <a:rPr lang="en-US" baseline="0" dirty="0"/>
+              <a:t> – </a:t>
+            </a:r>
+            <a:r>
+              <a:rPr lang="en-US" dirty="0"/>
+              <a:t>the </a:t>
+            </a:r>
+            <a:r>
+              <a:rPr lang="en-US" b="1" i="0" dirty="0"/>
+              <a:t>for</a:t>
+            </a:r>
+            <a:r>
+              <a:rPr lang="en-US" dirty="0"/>
+              <a:t> loop.</a:t>
+            </a:r>
+          </a:p>
+          <a:p>
+            <a:pPr>
               <a:spcBef>
                 <a:spcPct val="0"/>
               </a:spcBef>
-              <a:spcAft>
-                <a:spcPct val="0"/>
-              </a:spcAft>
-              <a:buClrTx/>
-              <a:buSzTx/>
-              <a:buFont typeface="Arial" pitchFamily="34" charset="0"/>
-              <a:buChar char="•"/>
-              <a:tabLst/>
-              <a:defRPr/>
             </a:pPr>
             <a:r>
               <a:rPr lang="en-US" dirty="0"/>
-              <a:t>expr1 is performed prior to the first iteration and only once during the entire execution of the loop.</a:t>
-            </a:r>
-          </a:p>
-          <a:p>
-            <a:pPr marL="171450" marR="0" indent="-171450" algn="l" defTabSz="914400" rtl="0" eaLnBrk="1" fontAlgn="base" latinLnBrk="0" hangingPunct="1">
-              <a:lnSpc>
-                <a:spcPct val="100000"/>
-              </a:lnSpc>
+              <a:t>In the </a:t>
+            </a:r>
+            <a:r>
+              <a:rPr lang="en-US" b="1" i="0" dirty="0"/>
+              <a:t>for </a:t>
+            </a:r>
+            <a:r>
+              <a:rPr lang="en-US" i="0" dirty="0"/>
+              <a:t>structure, we write the</a:t>
+            </a:r>
+            <a:r>
+              <a:rPr lang="en-US" i="0" baseline="0" dirty="0"/>
+              <a:t> initial state (count </a:t>
+            </a:r>
+            <a:r>
+              <a:rPr lang="en-US" dirty="0"/>
+              <a:t>in x</a:t>
+            </a:r>
+            <a:r>
+              <a:rPr lang="en-US" i="0" baseline="0" dirty="0"/>
+              <a:t>), the loop condition (count </a:t>
+            </a:r>
+            <a:r>
+              <a:rPr lang="en-US" dirty="0"/>
+              <a:t>&lt;</a:t>
+            </a:r>
+            <a:r>
+              <a:rPr lang="en-US" i="0" baseline="0" dirty="0"/>
+              <a:t> </a:t>
+            </a:r>
+            <a:r>
+              <a:rPr lang="en-US" dirty="0"/>
+              <a:t>x</a:t>
+            </a:r>
+            <a:r>
+              <a:rPr lang="en-US" i="0" baseline="0" dirty="0"/>
+              <a:t>), and the iteration change (count++) all in one line.</a:t>
+            </a:r>
+            <a:endParaRPr lang="en-US" i="0" baseline="0" dirty="0">
+              <a:cs typeface="Calibri"/>
+            </a:endParaRPr>
+          </a:p>
+          <a:p>
+            <a:pPr eaLnBrk="1" hangingPunct="1">
               <a:spcBef>
                 <a:spcPct val="0"/>
               </a:spcBef>
-              <a:spcAft>
-                <a:spcPct val="0"/>
-              </a:spcAft>
-              <a:buClrTx/>
-              <a:buSzTx/>
-              <a:buFont typeface="Arial" pitchFamily="34" charset="0"/>
-              <a:buChar char="•"/>
-              <a:tabLst/>
-              <a:defRPr/>
             </a:pPr>
             <a:r>
-              <a:rPr lang="en-US" dirty="0"/>
-              <a:t>expr2 is evaluated before the beginning of every iteration.</a:t>
-            </a:r>
-          </a:p>
-          <a:p>
-            <a:pPr marL="171450" marR="0" indent="-171450" algn="l" defTabSz="914400" rtl="0" eaLnBrk="1" fontAlgn="base" latinLnBrk="0" hangingPunct="1">
-              <a:lnSpc>
-                <a:spcPct val="100000"/>
-              </a:lnSpc>
+              <a:rPr lang="en-US" i="0" baseline="0" dirty="0"/>
+              <a:t>This makes all the elements of the loop mechanism more visible.</a:t>
+            </a:r>
+          </a:p>
+          <a:p>
+            <a:pPr eaLnBrk="1" hangingPunct="1">
               <a:spcBef>
                 <a:spcPct val="0"/>
               </a:spcBef>
-              <a:spcAft>
-                <a:spcPct val="0"/>
-              </a:spcAft>
-              <a:buClrTx/>
-              <a:buSzTx/>
-              <a:buFont typeface="Arial" pitchFamily="34" charset="0"/>
-              <a:buChar char="•"/>
-              <a:tabLst/>
-              <a:defRPr/>
             </a:pPr>
-            <a:r>
-              <a:rPr lang="en-US" dirty="0"/>
-              <a:t>expr3 is performed after the completion of every iteration.</a:t>
-            </a:r>
-          </a:p>
-          <a:p>
-            <a:pPr marL="0" marR="0" indent="0" algn="l" defTabSz="914400" rtl="0" eaLnBrk="1" fontAlgn="base" latinLnBrk="0" hangingPunct="1">
-              <a:lnSpc>
-                <a:spcPct val="100000"/>
-              </a:lnSpc>
+            <a:endParaRPr lang="en-US" i="0" baseline="0" dirty="0"/>
+          </a:p>
+          <a:p>
+            <a:pPr eaLnBrk="1" hangingPunct="1">
               <a:spcBef>
                 <a:spcPct val="0"/>
               </a:spcBef>
-              <a:spcAft>
-                <a:spcPct val="0"/>
-              </a:spcAft>
-              <a:buClrTx/>
-              <a:buSzTx/>
-              <a:buFont typeface="Arial" pitchFamily="34" charset="0"/>
-              <a:buChar char="•"/>
-              <a:tabLst/>
-              <a:defRPr/>
             </a:pPr>
-            <a:endParaRPr lang="en-US" dirty="0"/>
-          </a:p>
-          <a:p>
-            <a:pPr marL="0" marR="0" indent="0" algn="l" defTabSz="914400" rtl="0" eaLnBrk="1" fontAlgn="base" latinLnBrk="0" hangingPunct="1">
-              <a:lnSpc>
-                <a:spcPct val="100000"/>
-              </a:lnSpc>
+            <a:r>
+              <a:rPr lang="en-US" i="0" u="sng" baseline="0" dirty="0"/>
+              <a:t>Note</a:t>
+            </a:r>
+          </a:p>
+          <a:p>
+            <a:pPr eaLnBrk="1" hangingPunct="1">
               <a:spcBef>
                 <a:spcPct val="0"/>
               </a:spcBef>
-              <a:spcAft>
+            </a:pPr>
+            <a:r>
+              <a:rPr lang="en-US" i="0" u="none" baseline="0" dirty="0"/>
+              <a:t>There is no difference in functionality between the </a:t>
+            </a:r>
+            <a:r>
+              <a:rPr lang="en-US" b="1" i="0" u="none" baseline="0" dirty="0"/>
+              <a:t>while </a:t>
+            </a:r>
+            <a:r>
+              <a:rPr lang="en-US" i="0" u="none" baseline="0" dirty="0"/>
+              <a:t>and the </a:t>
+            </a:r>
+            <a:r>
+              <a:rPr lang="en-US" b="1" i="0" u="none" baseline="0" dirty="0"/>
+              <a:t>for </a:t>
+            </a:r>
+            <a:r>
+              <a:rPr lang="en-US" i="0" u="none" baseline="0" dirty="0"/>
+              <a:t>loops.</a:t>
+            </a:r>
+          </a:p>
+          <a:p>
+            <a:pPr eaLnBrk="1" hangingPunct="1">
+              <a:spcBef>
                 <a:spcPct val="0"/>
-              </a:spcAft>
-              <a:buClrTx/>
-              <a:buSzTx/>
-              <a:buFont typeface="Arial" pitchFamily="34" charset="0"/>
-              <a:buNone/>
-              <a:tabLst/>
-              <a:defRPr/>
+              </a:spcBef>
             </a:pPr>
             <a:r>
-              <a:rPr lang="en-US" dirty="0"/>
-              <a:t>The loop ends when expr2 is evaluated as false.</a:t>
-            </a:r>
+              <a:rPr lang="en-US" i="0" u="none" baseline="0" dirty="0"/>
+              <a:t>The only difference between them is in the way we write them.</a:t>
+            </a:r>
+            <a:endParaRPr lang="en-US" i="1" u="none" dirty="0"/>
+          </a:p>
+          <a:p>
+            <a:endParaRPr lang="en-US" dirty="0"/>
           </a:p>
         </p:txBody>
       </p:sp>
@@ -1557,7 +1485,7 @@
             <a:fld id="{C18343ED-3762-4D46-A439-B4D407E13EF8}" type="slidenum">
               <a:rPr lang="en-US" smtClean="0"/>
               <a:pPr/>
-              <a:t>19</a:t>
+              <a:t>18</a:t>
             </a:fld>
             <a:endParaRPr lang="en-US"/>
           </a:p>
@@ -1566,7 +1494,7 @@
     </p:spTree>
     <p:extLst>
       <p:ext uri="{BB962C8B-B14F-4D97-AF65-F5344CB8AC3E}">
-        <p14:creationId xmlns:p14="http://schemas.microsoft.com/office/powerpoint/2010/main" val="1181050936"/>
+        <p14:creationId xmlns:p14="http://schemas.microsoft.com/office/powerpoint/2010/main" val="3748038171"/>
       </p:ext>
     </p:extLst>
   </p:cSld>
@@ -1620,6 +1548,223 @@
           <a:bodyPr/>
           <a:lstStyle/>
           <a:p>
+            <a:pPr marL="0" marR="0" indent="0" algn="l" defTabSz="914400" rtl="0" eaLnBrk="1" fontAlgn="base" latinLnBrk="0" hangingPunct="1">
+              <a:lnSpc>
+                <a:spcPct val="100000"/>
+              </a:lnSpc>
+              <a:spcBef>
+                <a:spcPct val="0"/>
+              </a:spcBef>
+              <a:spcAft>
+                <a:spcPct val="0"/>
+              </a:spcAft>
+              <a:buClrTx/>
+              <a:buSzTx/>
+              <a:buFontTx/>
+              <a:buNone/>
+              <a:tabLst/>
+              <a:defRPr/>
+            </a:pPr>
+            <a:r>
+              <a:rPr lang="en-US" u="sng" dirty="0"/>
+              <a:t>Notice in “for (expr1 ; expr2 ; expr3)”:</a:t>
+            </a:r>
+          </a:p>
+          <a:p>
+            <a:pPr marL="171450" marR="0" indent="-171450" algn="l" defTabSz="914400" rtl="0" eaLnBrk="1" fontAlgn="base" latinLnBrk="0" hangingPunct="1">
+              <a:lnSpc>
+                <a:spcPct val="100000"/>
+              </a:lnSpc>
+              <a:spcBef>
+                <a:spcPct val="0"/>
+              </a:spcBef>
+              <a:spcAft>
+                <a:spcPct val="0"/>
+              </a:spcAft>
+              <a:buClrTx/>
+              <a:buSzTx/>
+              <a:buFont typeface="Arial" pitchFamily="34" charset="0"/>
+              <a:buChar char="•"/>
+              <a:tabLst/>
+              <a:defRPr/>
+            </a:pPr>
+            <a:r>
+              <a:rPr lang="en-US" dirty="0"/>
+              <a:t>expr1 is performed prior to the first iteration and only once during the entire execution of the loop.</a:t>
+            </a:r>
+          </a:p>
+          <a:p>
+            <a:pPr marL="171450" marR="0" indent="-171450" algn="l" defTabSz="914400" rtl="0" eaLnBrk="1" fontAlgn="base" latinLnBrk="0" hangingPunct="1">
+              <a:lnSpc>
+                <a:spcPct val="100000"/>
+              </a:lnSpc>
+              <a:spcBef>
+                <a:spcPct val="0"/>
+              </a:spcBef>
+              <a:spcAft>
+                <a:spcPct val="0"/>
+              </a:spcAft>
+              <a:buClrTx/>
+              <a:buSzTx/>
+              <a:buFont typeface="Arial" pitchFamily="34" charset="0"/>
+              <a:buChar char="•"/>
+              <a:tabLst/>
+              <a:defRPr/>
+            </a:pPr>
+            <a:r>
+              <a:rPr lang="en-US" dirty="0"/>
+              <a:t>expr2 is evaluated before the beginning of every iteration.</a:t>
+            </a:r>
+          </a:p>
+          <a:p>
+            <a:pPr marL="171450" marR="0" indent="-171450" algn="l" defTabSz="914400" rtl="0" eaLnBrk="1" fontAlgn="base" latinLnBrk="0" hangingPunct="1">
+              <a:lnSpc>
+                <a:spcPct val="100000"/>
+              </a:lnSpc>
+              <a:spcBef>
+                <a:spcPct val="0"/>
+              </a:spcBef>
+              <a:spcAft>
+                <a:spcPct val="0"/>
+              </a:spcAft>
+              <a:buClrTx/>
+              <a:buSzTx/>
+              <a:buFont typeface="Arial" pitchFamily="34" charset="0"/>
+              <a:buChar char="•"/>
+              <a:tabLst/>
+              <a:defRPr/>
+            </a:pPr>
+            <a:r>
+              <a:rPr lang="en-US" dirty="0"/>
+              <a:t>expr3 is performed after the completion of every iteration.</a:t>
+            </a:r>
+          </a:p>
+          <a:p>
+            <a:pPr marL="0" marR="0" indent="0" algn="l" defTabSz="914400" rtl="0" eaLnBrk="1" fontAlgn="base" latinLnBrk="0" hangingPunct="1">
+              <a:lnSpc>
+                <a:spcPct val="100000"/>
+              </a:lnSpc>
+              <a:spcBef>
+                <a:spcPct val="0"/>
+              </a:spcBef>
+              <a:spcAft>
+                <a:spcPct val="0"/>
+              </a:spcAft>
+              <a:buClrTx/>
+              <a:buSzTx/>
+              <a:buFont typeface="Arial" pitchFamily="34" charset="0"/>
+              <a:buChar char="•"/>
+              <a:tabLst/>
+              <a:defRPr/>
+            </a:pPr>
+            <a:endParaRPr lang="en-US" dirty="0"/>
+          </a:p>
+          <a:p>
+            <a:pPr marL="0" marR="0" indent="0" algn="l" defTabSz="914400" rtl="0" eaLnBrk="1" fontAlgn="base" latinLnBrk="0" hangingPunct="1">
+              <a:lnSpc>
+                <a:spcPct val="100000"/>
+              </a:lnSpc>
+              <a:spcBef>
+                <a:spcPct val="0"/>
+              </a:spcBef>
+              <a:spcAft>
+                <a:spcPct val="0"/>
+              </a:spcAft>
+              <a:buClrTx/>
+              <a:buSzTx/>
+              <a:buFont typeface="Arial" pitchFamily="34" charset="0"/>
+              <a:buNone/>
+              <a:tabLst/>
+              <a:defRPr/>
+            </a:pPr>
+            <a:r>
+              <a:rPr lang="en-US" dirty="0"/>
+              <a:t>The loop ends when expr2 is evaluated as false.</a:t>
+            </a:r>
+          </a:p>
+        </p:txBody>
+      </p:sp>
+      <p:sp>
+        <p:nvSpPr>
+          <p:cNvPr id="4" name="Slide Number Placeholder 3"/>
+          <p:cNvSpPr>
+            <a:spLocks noGrp="1"/>
+          </p:cNvSpPr>
+          <p:nvPr>
+            <p:ph type="sldNum" sz="quarter" idx="10"/>
+          </p:nvPr>
+        </p:nvSpPr>
+        <p:spPr/>
+        <p:txBody>
+          <a:bodyPr/>
+          <a:lstStyle/>
+          <a:p>
+            <a:fld id="{C18343ED-3762-4D46-A439-B4D407E13EF8}" type="slidenum">
+              <a:rPr lang="en-US" smtClean="0"/>
+              <a:pPr/>
+              <a:t>19</a:t>
+            </a:fld>
+            <a:endParaRPr lang="en-US"/>
+          </a:p>
+        </p:txBody>
+      </p:sp>
+    </p:spTree>
+    <p:extLst>
+      <p:ext uri="{BB962C8B-B14F-4D97-AF65-F5344CB8AC3E}">
+        <p14:creationId xmlns:p14="http://schemas.microsoft.com/office/powerpoint/2010/main" val="1181050936"/>
+      </p:ext>
+    </p:extLst>
+  </p:cSld>
+  <p:clrMapOvr>
+    <a:masterClrMapping/>
+  </p:clrMapOvr>
+</p:notes>
+</file>
+
+<file path=ppt/notesSlides/notesSlide15.xml><?xml version="1.0" encoding="utf-8"?>
+<p:notes xmlns:a="http://schemas.openxmlformats.org/drawingml/2006/main" xmlns:r="http://schemas.openxmlformats.org/officeDocument/2006/relationships" xmlns:p="http://schemas.openxmlformats.org/presentationml/2006/main">
+  <p:cSld>
+    <p:spTree>
+      <p:nvGrpSpPr>
+        <p:cNvPr id="1" name=""/>
+        <p:cNvGrpSpPr/>
+        <p:nvPr/>
+      </p:nvGrpSpPr>
+      <p:grpSpPr>
+        <a:xfrm>
+          <a:off x="0" y="0"/>
+          <a:ext cx="0" cy="0"/>
+          <a:chOff x="0" y="0"/>
+          <a:chExt cx="0" cy="0"/>
+        </a:xfrm>
+      </p:grpSpPr>
+      <p:sp>
+        <p:nvSpPr>
+          <p:cNvPr id="2" name="Slide Image Placeholder 1"/>
+          <p:cNvSpPr>
+            <a:spLocks noGrp="1" noRot="1" noChangeAspect="1"/>
+          </p:cNvSpPr>
+          <p:nvPr>
+            <p:ph type="sldImg"/>
+          </p:nvPr>
+        </p:nvSpPr>
+        <p:spPr/>
+      </p:sp>
+      <p:sp>
+        <p:nvSpPr>
+          <p:cNvPr id="3" name="Notes Placeholder 2"/>
+          <p:cNvSpPr>
+            <a:spLocks noGrp="1"/>
+          </p:cNvSpPr>
+          <p:nvPr>
+            <p:ph type="body" idx="1"/>
+          </p:nvPr>
+        </p:nvSpPr>
+        <p:spPr/>
+        <p:txBody>
+          <a:bodyPr/>
+          <a:lstStyle/>
+          <a:p>
             <a:pPr marL="0" marR="0" indent="0" algn="l" defTabSz="914400" rtl="0" eaLnBrk="1" fontAlgn="auto" latinLnBrk="0" hangingPunct="1">
               <a:lnSpc>
                 <a:spcPct val="100000"/>
@@ -1694,7 +1839,7 @@
 </p:notes>
 </file>
 
-<file path=ppt/notesSlides/notesSlide15.xml><?xml version="1.0" encoding="utf-8"?>
+<file path=ppt/notesSlides/notesSlide16.xml><?xml version="1.0" encoding="utf-8"?>
 <p:notes xmlns:a="http://schemas.openxmlformats.org/drawingml/2006/main" xmlns:r="http://schemas.openxmlformats.org/officeDocument/2006/relationships" xmlns:p="http://schemas.openxmlformats.org/presentationml/2006/main">
   <p:cSld>
     <p:spTree>
@@ -2096,7 +2241,7 @@
             <a:fld id="{C18343ED-3762-4D46-A439-B4D407E13EF8}" type="slidenum">
               <a:rPr lang="en-US" smtClean="0"/>
               <a:pPr/>
-              <a:t>4</a:t>
+              <a:t>3</a:t>
             </a:fld>
             <a:endParaRPr lang="en-US"/>
           </a:p>
@@ -2105,7 +2250,7 @@
     </p:spTree>
     <p:extLst>
       <p:ext uri="{BB962C8B-B14F-4D97-AF65-F5344CB8AC3E}">
-        <p14:creationId xmlns:p14="http://schemas.microsoft.com/office/powerpoint/2010/main" val="3455769483"/>
+        <p14:creationId xmlns:p14="http://schemas.microsoft.com/office/powerpoint/2010/main" val="3476799917"/>
       </p:ext>
     </p:extLst>
   </p:cSld>
@@ -2159,14 +2304,10 @@
           <a:bodyPr/>
           <a:lstStyle/>
           <a:p>
-            <a:pPr eaLnBrk="1" fontAlgn="auto" hangingPunct="1">
+            <a:pPr eaLnBrk="1" hangingPunct="1">
               <a:spcBef>
-                <a:spcPts val="0"/>
+                <a:spcPct val="0"/>
               </a:spcBef>
-              <a:spcAft>
-                <a:spcPts val="0"/>
-              </a:spcAft>
-              <a:defRPr/>
             </a:pPr>
             <a:r>
               <a:rPr lang="en-US" dirty="0">
@@ -2174,303 +2315,76 @@
                   <a:schemeClr val="tx1"/>
                 </a:solidFill>
               </a:rPr>
-              <a:t>This is a straight forward solution for calculating the average of 10 numbers.</a:t>
-            </a:r>
-          </a:p>
-          <a:p>
-            <a:pPr>
-              <a:defRPr/>
+              <a:t>This is</a:t>
+            </a:r>
+            <a:r>
+              <a:rPr lang="en-US" baseline="0" dirty="0">
+                <a:solidFill>
+                  <a:schemeClr val="tx1"/>
+                </a:solidFill>
+              </a:rPr>
+              <a:t> a straightforward solution for calculating the average of 2 numbers.</a:t>
+            </a:r>
+          </a:p>
+          <a:p>
+            <a:pPr eaLnBrk="1" hangingPunct="1">
+              <a:spcBef>
+                <a:spcPct val="0"/>
+              </a:spcBef>
             </a:pPr>
             <a:r>
-              <a:rPr lang="en-US" dirty="0">
+              <a:rPr lang="en-US" baseline="0" dirty="0">
                 <a:solidFill>
                   <a:schemeClr val="tx1"/>
                 </a:solidFill>
               </a:rPr>
-              <a:t>Notice now the code in lines </a:t>
+              <a:t>Notice the code in lines </a:t>
             </a:r>
             <a:r>
               <a:rPr lang="en-US" dirty="0"/>
-              <a:t>4-6 </a:t>
-            </a:r>
-            <a:r>
-              <a:rPr lang="en-US" b="1" dirty="0"/>
-              <a:t>repeated</a:t>
-            </a:r>
-            <a:r>
-              <a:rPr lang="en-US" dirty="0">
+              <a:t>3-5</a:t>
+            </a:r>
+            <a:r>
+              <a:rPr lang="en-US" baseline="0" dirty="0">
                 <a:solidFill>
                   <a:schemeClr val="tx1"/>
                 </a:solidFill>
               </a:rPr>
-              <a:t> more than once (</a:t>
+              <a:t>, </a:t>
+            </a:r>
+            <a:r>
+              <a:rPr lang="en-US" b="1" baseline="0" dirty="0">
+                <a:solidFill>
+                  <a:schemeClr val="tx1"/>
+                </a:solidFill>
+              </a:rPr>
+              <a:t>repeated </a:t>
+            </a:r>
+            <a:r>
+              <a:rPr lang="en-US" baseline="0" dirty="0">
+                <a:solidFill>
+                  <a:schemeClr val="tx1"/>
+                </a:solidFill>
+              </a:rPr>
+              <a:t>in lines </a:t>
             </a:r>
             <a:r>
               <a:rPr lang="en-US" dirty="0"/>
-              <a:t>3</a:t>
-            </a:r>
-            <a:r>
-              <a:rPr lang="en-US" dirty="0">
+              <a:t>7-9</a:t>
+            </a:r>
+            <a:r>
+              <a:rPr lang="en-US" baseline="0" dirty="0">
                 <a:solidFill>
                   <a:schemeClr val="tx1"/>
                 </a:solidFill>
               </a:rPr>
-              <a:t> times to be exact).</a:t>
-            </a:r>
-            <a:endParaRPr lang="en-US" dirty="0">
-              <a:solidFill>
-                <a:schemeClr val="tx1"/>
-              </a:solidFill>
-              <a:cs typeface="Calibri"/>
-            </a:endParaRPr>
-          </a:p>
-          <a:p>
-            <a:pPr eaLnBrk="1" fontAlgn="auto" hangingPunct="1">
-              <a:spcBef>
-                <a:spcPts val="0"/>
-              </a:spcBef>
-              <a:spcAft>
-                <a:spcPts val="0"/>
-              </a:spcAft>
-              <a:defRPr/>
-            </a:pPr>
-            <a:endParaRPr lang="en-US" dirty="0">
+              <a:t>.</a:t>
+            </a:r>
+            <a:endParaRPr lang="he-IL" dirty="0">
               <a:solidFill>
                 <a:schemeClr val="tx1"/>
               </a:solidFill>
             </a:endParaRPr>
-          </a:p>
-          <a:p>
-            <a:pPr eaLnBrk="1" fontAlgn="auto" hangingPunct="1">
-              <a:spcBef>
-                <a:spcPts val="0"/>
-              </a:spcBef>
-              <a:spcAft>
-                <a:spcPts val="0"/>
-              </a:spcAft>
-              <a:defRPr/>
-            </a:pPr>
-            <a:r>
-              <a:rPr lang="en-US" dirty="0">
-                <a:solidFill>
-                  <a:schemeClr val="tx1"/>
-                </a:solidFill>
-              </a:rPr>
-              <a:t>In real life, the size of data that programs deal with, is generally huge.</a:t>
-            </a:r>
-          </a:p>
-          <a:p>
-            <a:pPr eaLnBrk="1" fontAlgn="auto" hangingPunct="1">
-              <a:spcBef>
-                <a:spcPts val="0"/>
-              </a:spcBef>
-              <a:spcAft>
-                <a:spcPts val="0"/>
-              </a:spcAft>
-              <a:defRPr/>
-            </a:pPr>
-            <a:r>
-              <a:rPr lang="en-US" dirty="0">
-                <a:solidFill>
-                  <a:schemeClr val="tx1"/>
-                </a:solidFill>
-              </a:rPr>
-              <a:t>For example:</a:t>
-            </a:r>
-          </a:p>
-          <a:p>
-            <a:pPr marL="171450" indent="-171450" eaLnBrk="1" fontAlgn="auto" hangingPunct="1">
-              <a:spcBef>
-                <a:spcPts val="0"/>
-              </a:spcBef>
-              <a:spcAft>
-                <a:spcPts val="0"/>
-              </a:spcAft>
-              <a:buFont typeface="Arial" pitchFamily="34" charset="0"/>
-              <a:buChar char="•"/>
-              <a:defRPr/>
-            </a:pPr>
-            <a:r>
-              <a:rPr lang="en-US" dirty="0">
-                <a:solidFill>
-                  <a:schemeClr val="tx1"/>
-                </a:solidFill>
-              </a:rPr>
-              <a:t>Bank system calculations</a:t>
-            </a:r>
-          </a:p>
-          <a:p>
-            <a:pPr marL="171450" indent="-171450" eaLnBrk="1" fontAlgn="auto" hangingPunct="1">
-              <a:spcBef>
-                <a:spcPts val="0"/>
-              </a:spcBef>
-              <a:spcAft>
-                <a:spcPts val="0"/>
-              </a:spcAft>
-              <a:buFont typeface="Arial" pitchFamily="34" charset="0"/>
-              <a:buChar char="•"/>
-              <a:defRPr/>
-            </a:pPr>
-            <a:r>
-              <a:rPr lang="en-US" dirty="0">
-                <a:solidFill>
-                  <a:schemeClr val="tx1"/>
-                </a:solidFill>
-              </a:rPr>
-              <a:t>Seeking information on the web.</a:t>
-            </a:r>
-          </a:p>
-          <a:p>
-            <a:pPr marL="171450" indent="-171450" eaLnBrk="1" fontAlgn="auto" hangingPunct="1">
-              <a:spcBef>
-                <a:spcPts val="0"/>
-              </a:spcBef>
-              <a:spcAft>
-                <a:spcPts val="0"/>
-              </a:spcAft>
-              <a:buFont typeface="Arial" pitchFamily="34" charset="0"/>
-              <a:buChar char="•"/>
-              <a:defRPr/>
-            </a:pPr>
-            <a:r>
-              <a:rPr lang="en-US" dirty="0">
-                <a:solidFill>
-                  <a:schemeClr val="tx1"/>
-                </a:solidFill>
-              </a:rPr>
-              <a:t>Image processing </a:t>
-            </a:r>
-          </a:p>
-          <a:p>
-            <a:pPr marL="171450" indent="-171450" eaLnBrk="1" fontAlgn="auto" hangingPunct="1">
-              <a:spcBef>
-                <a:spcPts val="0"/>
-              </a:spcBef>
-              <a:spcAft>
-                <a:spcPts val="0"/>
-              </a:spcAft>
-              <a:buFont typeface="Arial" pitchFamily="34" charset="0"/>
-              <a:buChar char="•"/>
-              <a:defRPr/>
-            </a:pPr>
-            <a:r>
-              <a:rPr lang="en-US" dirty="0">
-                <a:solidFill>
-                  <a:schemeClr val="tx1"/>
-                </a:solidFill>
-              </a:rPr>
-              <a:t>Network traffic monitoring </a:t>
-            </a:r>
-          </a:p>
-          <a:p>
-            <a:pPr marL="171450" indent="-171450" eaLnBrk="1" fontAlgn="auto" hangingPunct="1">
-              <a:spcBef>
-                <a:spcPts val="0"/>
-              </a:spcBef>
-              <a:spcAft>
-                <a:spcPts val="0"/>
-              </a:spcAft>
-              <a:buFont typeface="Arial" pitchFamily="34" charset="0"/>
-              <a:buChar char="•"/>
-              <a:defRPr/>
-            </a:pPr>
-            <a:r>
-              <a:rPr lang="en-US" dirty="0">
-                <a:solidFill>
-                  <a:schemeClr val="tx1"/>
-                </a:solidFill>
-              </a:rPr>
-              <a:t>etc…</a:t>
-            </a:r>
-          </a:p>
-          <a:p>
-            <a:pPr eaLnBrk="1" fontAlgn="auto" hangingPunct="1">
-              <a:spcBef>
-                <a:spcPts val="0"/>
-              </a:spcBef>
-              <a:spcAft>
-                <a:spcPts val="0"/>
-              </a:spcAft>
-              <a:defRPr/>
-            </a:pPr>
-            <a:endParaRPr lang="en-US" dirty="0">
-              <a:solidFill>
-                <a:schemeClr val="tx1"/>
-              </a:solidFill>
-            </a:endParaRPr>
-          </a:p>
-          <a:p>
-            <a:pPr eaLnBrk="1" fontAlgn="auto" hangingPunct="1">
-              <a:spcBef>
-                <a:spcPts val="0"/>
-              </a:spcBef>
-              <a:spcAft>
-                <a:spcPts val="0"/>
-              </a:spcAft>
-              <a:defRPr/>
-            </a:pPr>
-            <a:r>
-              <a:rPr lang="en-US" dirty="0">
-                <a:solidFill>
-                  <a:schemeClr val="tx1"/>
-                </a:solidFill>
-              </a:rPr>
-              <a:t>It would be impractical to repeat the same few commands dozens, or hundreds or thousands of times.</a:t>
-            </a:r>
-          </a:p>
-          <a:p>
-            <a:pPr eaLnBrk="1" fontAlgn="auto" hangingPunct="1">
-              <a:spcBef>
-                <a:spcPts val="0"/>
-              </a:spcBef>
-              <a:spcAft>
-                <a:spcPts val="0"/>
-              </a:spcAft>
-              <a:defRPr/>
-            </a:pPr>
-            <a:r>
-              <a:rPr lang="en-US" dirty="0">
-                <a:solidFill>
-                  <a:schemeClr val="tx1"/>
-                </a:solidFill>
-              </a:rPr>
-              <a:t>Programs would become unreadable, error-prone and hard to fix.</a:t>
-            </a:r>
-          </a:p>
-          <a:p>
-            <a:pPr eaLnBrk="1" fontAlgn="auto" hangingPunct="1">
-              <a:spcBef>
-                <a:spcPts val="0"/>
-              </a:spcBef>
-              <a:spcAft>
-                <a:spcPts val="0"/>
-              </a:spcAft>
-              <a:defRPr/>
-            </a:pPr>
-            <a:endParaRPr lang="en-US" dirty="0">
-              <a:solidFill>
-                <a:schemeClr val="tx1"/>
-              </a:solidFill>
-            </a:endParaRPr>
-          </a:p>
-          <a:p>
-            <a:pPr eaLnBrk="1" fontAlgn="auto" hangingPunct="1">
-              <a:spcBef>
-                <a:spcPts val="0"/>
-              </a:spcBef>
-              <a:spcAft>
-                <a:spcPts val="0"/>
-              </a:spcAft>
-              <a:defRPr/>
-            </a:pPr>
-            <a:r>
-              <a:rPr lang="en-US" dirty="0">
-                <a:solidFill>
-                  <a:schemeClr val="tx1"/>
-                </a:solidFill>
-              </a:rPr>
-              <a:t>There must be another solution for the repetition-of-similar-or-same-code problem!</a:t>
-            </a:r>
           </a:p>
         </p:txBody>
       </p:sp>
@@ -2492,7 +2406,7 @@
             <a:fld id="{C18343ED-3762-4D46-A439-B4D407E13EF8}" type="slidenum">
               <a:rPr lang="en-US" smtClean="0"/>
               <a:pPr/>
-              <a:t>5</a:t>
+              <a:t>4</a:t>
             </a:fld>
             <a:endParaRPr lang="en-US"/>
           </a:p>
@@ -2501,7 +2415,7 @@
     </p:spTree>
     <p:extLst>
       <p:ext uri="{BB962C8B-B14F-4D97-AF65-F5344CB8AC3E}">
-        <p14:creationId xmlns:p14="http://schemas.microsoft.com/office/powerpoint/2010/main" val="3658059896"/>
+        <p14:creationId xmlns:p14="http://schemas.microsoft.com/office/powerpoint/2010/main" val="3455769483"/>
       </p:ext>
     </p:extLst>
   </p:cSld>
@@ -2555,242 +2469,318 @@
           <a:bodyPr/>
           <a:lstStyle/>
           <a:p>
-            <a:pPr eaLnBrk="1" hangingPunct="1"/>
-            <a:r>
-              <a:rPr lang="en-US" sz="1200" i="0" dirty="0">
+            <a:pPr eaLnBrk="1" fontAlgn="auto" hangingPunct="1">
+              <a:spcBef>
+                <a:spcPts val="0"/>
+              </a:spcBef>
+              <a:spcAft>
+                <a:spcPts val="0"/>
+              </a:spcAft>
+              <a:defRPr/>
+            </a:pPr>
+            <a:r>
+              <a:rPr lang="en-US" dirty="0">
                 <a:solidFill>
                   <a:schemeClr val="tx1"/>
                 </a:solidFill>
               </a:rPr>
-              <a:t>A </a:t>
-            </a:r>
-            <a:r>
-              <a:rPr lang="en-US" sz="1200" b="1" i="0" dirty="0">
+              <a:t>This is a straight forward solution for calculating the average of 10 numbers.</a:t>
+            </a:r>
+          </a:p>
+          <a:p>
+            <a:pPr>
+              <a:defRPr/>
+            </a:pPr>
+            <a:r>
+              <a:rPr lang="en-US" dirty="0">
                 <a:solidFill>
                   <a:schemeClr val="tx1"/>
                 </a:solidFill>
               </a:rPr>
-              <a:t>loop</a:t>
-            </a:r>
-            <a:r>
-              <a:rPr lang="en-US" sz="1200" b="1" i="0" baseline="0" dirty="0">
+              <a:t>Notice now the code in lines </a:t>
+            </a:r>
+            <a:r>
+              <a:rPr lang="en-US" dirty="0"/>
+              <a:t>4-6 </a:t>
+            </a:r>
+            <a:r>
+              <a:rPr lang="en-US" b="1" dirty="0"/>
+              <a:t>repeated</a:t>
+            </a:r>
+            <a:r>
+              <a:rPr lang="en-US" dirty="0">
                 <a:solidFill>
                   <a:schemeClr val="tx1"/>
                 </a:solidFill>
               </a:rPr>
-              <a:t> </a:t>
-            </a:r>
-            <a:r>
-              <a:rPr lang="en-US" sz="1200" i="0" baseline="0" dirty="0">
+              <a:t> more than once (</a:t>
+            </a:r>
+            <a:r>
+              <a:rPr lang="en-US" dirty="0"/>
+              <a:t>3</a:t>
+            </a:r>
+            <a:r>
+              <a:rPr lang="en-US" dirty="0">
                 <a:solidFill>
                   <a:schemeClr val="tx1"/>
                 </a:solidFill>
               </a:rPr>
-              <a:t>is a mechanism for </a:t>
-            </a:r>
-            <a:r>
-              <a:rPr lang="en-US" sz="1200" dirty="0">
-                <a:solidFill>
-                  <a:schemeClr val="tx1"/>
-                </a:solidFill>
-              </a:rPr>
-              <a:t>defining</a:t>
-            </a:r>
-            <a:r>
-              <a:rPr lang="en-US" sz="1200" baseline="0" dirty="0">
-                <a:solidFill>
-                  <a:schemeClr val="tx1"/>
-                </a:solidFill>
-              </a:rPr>
-              <a:t> the repetition of a</a:t>
-            </a:r>
-            <a:r>
-              <a:rPr lang="en-US" sz="1200" dirty="0">
-                <a:solidFill>
-                  <a:schemeClr val="tx1"/>
-                </a:solidFill>
-              </a:rPr>
-              <a:t> code segment.</a:t>
-            </a:r>
-          </a:p>
-          <a:p>
-            <a:pPr rtl="0" eaLnBrk="1" hangingPunct="1"/>
-            <a:r>
-              <a:rPr lang="en-US" sz="1200" dirty="0">
-                <a:solidFill>
-                  <a:schemeClr val="tx1"/>
-                </a:solidFill>
-              </a:rPr>
-              <a:t>Each repetition is called an </a:t>
-            </a:r>
-            <a:r>
-              <a:rPr lang="en-US" sz="1200" b="1" i="0" dirty="0">
-                <a:solidFill>
-                  <a:schemeClr val="tx1"/>
-                </a:solidFill>
-              </a:rPr>
-              <a:t>Iteration</a:t>
-            </a:r>
-            <a:r>
-              <a:rPr lang="en-US" sz="1200" b="0" i="0" dirty="0">
-                <a:solidFill>
-                  <a:schemeClr val="tx1"/>
-                </a:solidFill>
-              </a:rPr>
-              <a:t>.</a:t>
-            </a:r>
-          </a:p>
-          <a:p>
-            <a:pPr eaLnBrk="1" hangingPunct="1"/>
-            <a:endParaRPr lang="en-US" sz="1200" i="1" dirty="0">
+              <a:t> times to be exact).</a:t>
+            </a:r>
+            <a:endParaRPr lang="en-US" dirty="0">
+              <a:solidFill>
+                <a:schemeClr val="tx1"/>
+              </a:solidFill>
+              <a:cs typeface="Calibri"/>
+            </a:endParaRPr>
+          </a:p>
+          <a:p>
+            <a:pPr eaLnBrk="1" fontAlgn="auto" hangingPunct="1">
+              <a:spcBef>
+                <a:spcPts val="0"/>
+              </a:spcBef>
+              <a:spcAft>
+                <a:spcPts val="0"/>
+              </a:spcAft>
+              <a:defRPr/>
+            </a:pPr>
+            <a:endParaRPr lang="en-US" dirty="0">
               <a:solidFill>
                 <a:schemeClr val="tx1"/>
               </a:solidFill>
             </a:endParaRPr>
           </a:p>
           <a:p>
-            <a:pPr eaLnBrk="1" hangingPunct="1"/>
-            <a:r>
-              <a:rPr lang="en-US" sz="1200" i="0" dirty="0">
+            <a:pPr eaLnBrk="1" fontAlgn="auto" hangingPunct="1">
+              <a:spcBef>
+                <a:spcPts val="0"/>
+              </a:spcBef>
+              <a:spcAft>
+                <a:spcPts val="0"/>
+              </a:spcAft>
+              <a:defRPr/>
+            </a:pPr>
+            <a:r>
+              <a:rPr lang="en-US" dirty="0">
                 <a:solidFill>
                   <a:schemeClr val="tx1"/>
                 </a:solidFill>
               </a:rPr>
-              <a:t>In</a:t>
-            </a:r>
-            <a:r>
-              <a:rPr lang="en-US" sz="1200" i="0" baseline="0" dirty="0">
+              <a:t>In real life, the size of data that programs deal with, is generally huge.</a:t>
+            </a:r>
+          </a:p>
+          <a:p>
+            <a:pPr eaLnBrk="1" fontAlgn="auto" hangingPunct="1">
+              <a:spcBef>
+                <a:spcPts val="0"/>
+              </a:spcBef>
+              <a:spcAft>
+                <a:spcPts val="0"/>
+              </a:spcAft>
+              <a:defRPr/>
+            </a:pPr>
+            <a:r>
+              <a:rPr lang="en-US" dirty="0">
                 <a:solidFill>
                   <a:schemeClr val="tx1"/>
                 </a:solidFill>
               </a:rPr>
-              <a:t> this chapter we will learn about the following loop types:</a:t>
-            </a:r>
-          </a:p>
-          <a:p>
-            <a:pPr eaLnBrk="1" hangingPunct="1">
+              <a:t>For example:</a:t>
+            </a:r>
+          </a:p>
+          <a:p>
+            <a:pPr marL="171450" indent="-171450" eaLnBrk="1" fontAlgn="auto" hangingPunct="1">
+              <a:spcBef>
+                <a:spcPts val="0"/>
+              </a:spcBef>
+              <a:spcAft>
+                <a:spcPts val="0"/>
+              </a:spcAft>
               <a:buFont typeface="Arial" pitchFamily="34" charset="0"/>
               <a:buChar char="•"/>
+              <a:defRPr/>
             </a:pPr>
             <a:r>
-              <a:rPr lang="en-US" sz="1200" i="0" baseline="0" dirty="0">
+              <a:rPr lang="en-US" dirty="0">
                 <a:solidFill>
                   <a:schemeClr val="tx1"/>
                 </a:solidFill>
               </a:rPr>
-              <a:t>The </a:t>
-            </a:r>
-            <a:r>
-              <a:rPr lang="en-US" sz="1200" b="1" i="0" baseline="0" dirty="0">
-                <a:solidFill>
-                  <a:schemeClr val="tx1"/>
-                </a:solidFill>
-              </a:rPr>
-              <a:t>while</a:t>
-            </a:r>
-            <a:r>
-              <a:rPr lang="en-US" sz="1200" i="1" baseline="0" dirty="0">
-                <a:solidFill>
-                  <a:schemeClr val="tx1"/>
-                </a:solidFill>
-              </a:rPr>
-              <a:t> </a:t>
-            </a:r>
-            <a:r>
-              <a:rPr lang="en-US" sz="1200" i="0" baseline="0" dirty="0">
-                <a:solidFill>
-                  <a:schemeClr val="tx1"/>
-                </a:solidFill>
-              </a:rPr>
-              <a:t>loop</a:t>
-            </a:r>
-          </a:p>
-          <a:p>
-            <a:pPr eaLnBrk="1" hangingPunct="1">
+              <a:t>Bank system calculations</a:t>
+            </a:r>
+          </a:p>
+          <a:p>
+            <a:pPr marL="171450" indent="-171450" eaLnBrk="1" fontAlgn="auto" hangingPunct="1">
+              <a:spcBef>
+                <a:spcPts val="0"/>
+              </a:spcBef>
+              <a:spcAft>
+                <a:spcPts val="0"/>
+              </a:spcAft>
               <a:buFont typeface="Arial" pitchFamily="34" charset="0"/>
               <a:buChar char="•"/>
+              <a:defRPr/>
             </a:pPr>
             <a:r>
-              <a:rPr lang="en-US" sz="1200" i="0" baseline="0" dirty="0">
+              <a:rPr lang="en-US" dirty="0">
                 <a:solidFill>
                   <a:schemeClr val="tx1"/>
                 </a:solidFill>
               </a:rPr>
-              <a:t>The </a:t>
-            </a:r>
-            <a:r>
-              <a:rPr lang="en-US" sz="1200" b="1" i="0" baseline="0" dirty="0">
-                <a:solidFill>
-                  <a:schemeClr val="tx1"/>
-                </a:solidFill>
-              </a:rPr>
-              <a:t>for</a:t>
-            </a:r>
-            <a:r>
-              <a:rPr lang="en-US" sz="1200" i="1" baseline="0" dirty="0">
-                <a:solidFill>
-                  <a:schemeClr val="tx1"/>
-                </a:solidFill>
-              </a:rPr>
-              <a:t> </a:t>
-            </a:r>
-            <a:r>
-              <a:rPr lang="en-US" sz="1200" i="0" baseline="0" dirty="0">
-                <a:solidFill>
-                  <a:schemeClr val="tx1"/>
-                </a:solidFill>
-              </a:rPr>
-              <a:t>loop</a:t>
-            </a:r>
-            <a:endParaRPr lang="en-US" sz="1200" i="0" baseline="0" dirty="0">
-              <a:solidFill>
-                <a:schemeClr val="tx1"/>
-              </a:solidFill>
-              <a:cs typeface="Calibri" panose="020F0502020204030204"/>
-            </a:endParaRPr>
-          </a:p>
-          <a:p>
-            <a:pPr eaLnBrk="1" hangingPunct="1">
+              <a:t>Seeking information on the web.</a:t>
+            </a:r>
+          </a:p>
+          <a:p>
+            <a:pPr marL="171450" indent="-171450" eaLnBrk="1" fontAlgn="auto" hangingPunct="1">
+              <a:spcBef>
+                <a:spcPts val="0"/>
+              </a:spcBef>
+              <a:spcAft>
+                <a:spcPts val="0"/>
+              </a:spcAft>
               <a:buFont typeface="Arial" pitchFamily="34" charset="0"/>
               <a:buChar char="•"/>
+              <a:defRPr/>
             </a:pPr>
-            <a:endParaRPr lang="en-US" sz="1200" i="0" baseline="0" dirty="0">
-              <a:solidFill>
-                <a:schemeClr val="tx1"/>
-              </a:solidFill>
-              <a:cs typeface="Calibri" panose="020F0502020204030204"/>
-            </a:endParaRPr>
-          </a:p>
-          <a:p>
-            <a:pPr eaLnBrk="1" hangingPunct="1">
+            <a:r>
+              <a:rPr lang="en-US" dirty="0">
+                <a:solidFill>
+                  <a:schemeClr val="tx1"/>
+                </a:solidFill>
+              </a:rPr>
+              <a:t>Image processing </a:t>
+            </a:r>
+          </a:p>
+          <a:p>
+            <a:pPr marL="171450" indent="-171450" eaLnBrk="1" fontAlgn="auto" hangingPunct="1">
+              <a:spcBef>
+                <a:spcPts val="0"/>
+              </a:spcBef>
+              <a:spcAft>
+                <a:spcPts val="0"/>
+              </a:spcAft>
               <a:buFont typeface="Arial" pitchFamily="34" charset="0"/>
-              <a:buNone/>
+              <a:buChar char="•"/>
+              <a:defRPr/>
             </a:pPr>
             <a:r>
-              <a:rPr lang="en-US" sz="1200" i="0" baseline="0" dirty="0">
+              <a:rPr lang="en-US" dirty="0">
                 <a:solidFill>
                   <a:schemeClr val="tx1"/>
                 </a:solidFill>
               </a:rPr>
-              <a:t>These are not the only loop types in </a:t>
-            </a:r>
-            <a:r>
-              <a:rPr lang="en-US" dirty="0"/>
-              <a:t>Python,</a:t>
-            </a:r>
-            <a:r>
-              <a:rPr lang="en-US" sz="1200" i="0" baseline="0" dirty="0">
+              <a:t>Network traffic monitoring </a:t>
+            </a:r>
+          </a:p>
+          <a:p>
+            <a:pPr marL="171450" indent="-171450" eaLnBrk="1" fontAlgn="auto" hangingPunct="1">
+              <a:spcBef>
+                <a:spcPts val="0"/>
+              </a:spcBef>
+              <a:spcAft>
+                <a:spcPts val="0"/>
+              </a:spcAft>
+              <a:buFont typeface="Arial" pitchFamily="34" charset="0"/>
+              <a:buChar char="•"/>
+              <a:defRPr/>
+            </a:pPr>
+            <a:r>
+              <a:rPr lang="en-US" dirty="0">
                 <a:solidFill>
                   <a:schemeClr val="tx1"/>
                 </a:solidFill>
               </a:rPr>
-              <a:t> but they are very common in most programming languages.</a:t>
-            </a:r>
-            <a:endParaRPr lang="en-US" sz="1200" i="1" dirty="0">
+              <a:t>etc…</a:t>
+            </a:r>
+          </a:p>
+          <a:p>
+            <a:pPr eaLnBrk="1" fontAlgn="auto" hangingPunct="1">
+              <a:spcBef>
+                <a:spcPts val="0"/>
+              </a:spcBef>
+              <a:spcAft>
+                <a:spcPts val="0"/>
+              </a:spcAft>
+              <a:defRPr/>
+            </a:pPr>
+            <a:endParaRPr lang="en-US" dirty="0">
               <a:solidFill>
                 <a:schemeClr val="tx1"/>
               </a:solidFill>
             </a:endParaRPr>
+          </a:p>
+          <a:p>
+            <a:pPr eaLnBrk="1" fontAlgn="auto" hangingPunct="1">
+              <a:spcBef>
+                <a:spcPts val="0"/>
+              </a:spcBef>
+              <a:spcAft>
+                <a:spcPts val="0"/>
+              </a:spcAft>
+              <a:defRPr/>
+            </a:pPr>
+            <a:r>
+              <a:rPr lang="en-US" dirty="0">
+                <a:solidFill>
+                  <a:schemeClr val="tx1"/>
+                </a:solidFill>
+              </a:rPr>
+              <a:t>It would be impractical to repeat the same few commands dozens, or hundreds or thousands of times.</a:t>
+            </a:r>
+          </a:p>
+          <a:p>
+            <a:pPr eaLnBrk="1" fontAlgn="auto" hangingPunct="1">
+              <a:spcBef>
+                <a:spcPts val="0"/>
+              </a:spcBef>
+              <a:spcAft>
+                <a:spcPts val="0"/>
+              </a:spcAft>
+              <a:defRPr/>
+            </a:pPr>
+            <a:r>
+              <a:rPr lang="en-US" dirty="0">
+                <a:solidFill>
+                  <a:schemeClr val="tx1"/>
+                </a:solidFill>
+              </a:rPr>
+              <a:t>Programs would become unreadable, error-prone and hard to fix.</a:t>
+            </a:r>
+          </a:p>
+          <a:p>
+            <a:pPr eaLnBrk="1" fontAlgn="auto" hangingPunct="1">
+              <a:spcBef>
+                <a:spcPts val="0"/>
+              </a:spcBef>
+              <a:spcAft>
+                <a:spcPts val="0"/>
+              </a:spcAft>
+              <a:defRPr/>
+            </a:pPr>
+            <a:endParaRPr lang="en-US" dirty="0">
+              <a:solidFill>
+                <a:schemeClr val="tx1"/>
+              </a:solidFill>
+            </a:endParaRPr>
+          </a:p>
+          <a:p>
+            <a:pPr eaLnBrk="1" fontAlgn="auto" hangingPunct="1">
+              <a:spcBef>
+                <a:spcPts val="0"/>
+              </a:spcBef>
+              <a:spcAft>
+                <a:spcPts val="0"/>
+              </a:spcAft>
+              <a:defRPr/>
+            </a:pPr>
+            <a:r>
+              <a:rPr lang="en-US" dirty="0">
+                <a:solidFill>
+                  <a:schemeClr val="tx1"/>
+                </a:solidFill>
+              </a:rPr>
+              <a:t>There must be another solution for the repetition-of-similar-or-same-code problem!</a:t>
+            </a:r>
           </a:p>
         </p:txBody>
       </p:sp>
@@ -2812,7 +2802,7 @@
             <a:fld id="{C18343ED-3762-4D46-A439-B4D407E13EF8}" type="slidenum">
               <a:rPr lang="en-US" smtClean="0"/>
               <a:pPr/>
-              <a:t>7</a:t>
+              <a:t>5</a:t>
             </a:fld>
             <a:endParaRPr lang="en-US"/>
           </a:p>
@@ -2821,7 +2811,7 @@
     </p:spTree>
     <p:extLst>
       <p:ext uri="{BB962C8B-B14F-4D97-AF65-F5344CB8AC3E}">
-        <p14:creationId xmlns:p14="http://schemas.microsoft.com/office/powerpoint/2010/main" val="814324575"/>
+        <p14:creationId xmlns:p14="http://schemas.microsoft.com/office/powerpoint/2010/main" val="3658059896"/>
       </p:ext>
     </p:extLst>
   </p:cSld>
@@ -2875,203 +2865,241 @@
           <a:bodyPr/>
           <a:lstStyle/>
           <a:p>
-            <a:pPr marL="342900" indent="-342900" algn="l" rtl="0">
-              <a:spcBef>
-                <a:spcPct val="20000"/>
-              </a:spcBef>
-              <a:buFont typeface="Arial" charset="0"/>
-              <a:buNone/>
-            </a:pPr>
+            <a:pPr eaLnBrk="1" hangingPunct="1"/>
+            <a:r>
+              <a:rPr lang="en-US" sz="1200" i="0" dirty="0">
+                <a:solidFill>
+                  <a:schemeClr val="tx1"/>
+                </a:solidFill>
+              </a:rPr>
+              <a:t>A </a:t>
+            </a:r>
+            <a:r>
+              <a:rPr lang="en-US" sz="1200" b="1" i="0" dirty="0">
+                <a:solidFill>
+                  <a:schemeClr val="tx1"/>
+                </a:solidFill>
+              </a:rPr>
+              <a:t>loop</a:t>
+            </a:r>
+            <a:r>
+              <a:rPr lang="en-US" sz="1200" b="1" i="0" baseline="0" dirty="0">
+                <a:solidFill>
+                  <a:schemeClr val="tx1"/>
+                </a:solidFill>
+              </a:rPr>
+              <a:t> </a:t>
+            </a:r>
+            <a:r>
+              <a:rPr lang="en-US" sz="1200" i="0" baseline="0" dirty="0">
+                <a:solidFill>
+                  <a:schemeClr val="tx1"/>
+                </a:solidFill>
+              </a:rPr>
+              <a:t>is a mechanism for </a:t>
+            </a:r>
             <a:r>
               <a:rPr lang="en-US" sz="1200" dirty="0">
                 <a:solidFill>
                   <a:schemeClr val="tx1"/>
                 </a:solidFill>
-                <a:latin typeface="Tahoma" pitchFamily="34" charset="0"/>
-                <a:cs typeface="Tahoma" pitchFamily="34" charset="0"/>
-              </a:rPr>
-              <a:t>The</a:t>
+              </a:rPr>
+              <a:t>defining</a:t>
             </a:r>
             <a:r>
               <a:rPr lang="en-US" sz="1200" baseline="0" dirty="0">
                 <a:solidFill>
                   <a:schemeClr val="tx1"/>
                 </a:solidFill>
-                <a:latin typeface="Tahoma" pitchFamily="34" charset="0"/>
-                <a:cs typeface="Tahoma" pitchFamily="34" charset="0"/>
-              </a:rPr>
-              <a:t> </a:t>
-            </a:r>
-            <a:r>
-              <a:rPr lang="en-US" sz="1200" b="1" i="0" baseline="0" dirty="0">
+              </a:rPr>
+              <a:t> the repetition of a</a:t>
+            </a:r>
+            <a:r>
+              <a:rPr lang="en-US" sz="1200" dirty="0">
                 <a:solidFill>
                   <a:schemeClr val="tx1"/>
                 </a:solidFill>
-                <a:latin typeface="Tahoma" pitchFamily="34" charset="0"/>
-                <a:cs typeface="Tahoma" pitchFamily="34" charset="0"/>
-              </a:rPr>
-              <a:t>while</a:t>
-            </a:r>
-            <a:r>
-              <a:rPr lang="en-US" sz="1200" b="0" i="0" baseline="0" dirty="0">
+              </a:rPr>
+              <a:t> code segment.</a:t>
+            </a:r>
+          </a:p>
+          <a:p>
+            <a:pPr rtl="0" eaLnBrk="1" hangingPunct="1"/>
+            <a:r>
+              <a:rPr lang="en-US" sz="1200" dirty="0">
                 <a:solidFill>
                   <a:schemeClr val="tx1"/>
                 </a:solidFill>
-                <a:latin typeface="Tahoma" pitchFamily="34" charset="0"/>
-                <a:cs typeface="Tahoma" pitchFamily="34" charset="0"/>
-              </a:rPr>
-              <a:t> keyword </a:t>
-            </a:r>
-            <a:r>
-              <a:rPr lang="en-US" sz="1200" i="0" baseline="0" dirty="0">
+              </a:rPr>
+              <a:t>Each repetition is called an </a:t>
+            </a:r>
+            <a:r>
+              <a:rPr lang="en-US" sz="1200" b="1" i="0" dirty="0">
                 <a:solidFill>
                   <a:schemeClr val="tx1"/>
                 </a:solidFill>
-                <a:latin typeface="Tahoma" pitchFamily="34" charset="0"/>
-                <a:cs typeface="Tahoma" pitchFamily="34" charset="0"/>
-              </a:rPr>
-              <a:t>indicates the use of the </a:t>
-            </a:r>
-            <a:r>
-              <a:rPr lang="en-US" sz="1200" b="1" i="0" baseline="0" dirty="0">
+              </a:rPr>
+              <a:t>Iteration</a:t>
+            </a:r>
+            <a:r>
+              <a:rPr lang="en-US" sz="1200" b="0" i="0" dirty="0">
                 <a:solidFill>
                   <a:schemeClr val="tx1"/>
                 </a:solidFill>
-                <a:latin typeface="Tahoma" pitchFamily="34" charset="0"/>
-                <a:cs typeface="Tahoma" pitchFamily="34" charset="0"/>
-              </a:rPr>
-              <a:t>while loop</a:t>
-            </a:r>
-            <a:r>
-              <a:rPr lang="en-US" sz="1200" i="1" baseline="0" dirty="0">
-                <a:solidFill>
-                  <a:schemeClr val="tx1"/>
-                </a:solidFill>
-                <a:latin typeface="Tahoma" pitchFamily="34" charset="0"/>
-                <a:cs typeface="Tahoma" pitchFamily="34" charset="0"/>
               </a:rPr>
               <a:t>.</a:t>
             </a:r>
           </a:p>
           <a:p>
-            <a:pPr marL="342900" indent="-342900" algn="l" rtl="0">
-              <a:spcBef>
-                <a:spcPct val="20000"/>
-              </a:spcBef>
-              <a:buFont typeface="Arial" charset="0"/>
-              <a:buNone/>
-            </a:pPr>
-            <a:r>
-              <a:rPr lang="en-US" sz="1200" i="0" baseline="0" dirty="0">
-                <a:solidFill>
-                  <a:schemeClr val="tx1"/>
-                </a:solidFill>
-                <a:latin typeface="Tahoma" pitchFamily="34" charset="0"/>
-                <a:cs typeface="Tahoma" pitchFamily="34" charset="0"/>
-              </a:rPr>
-              <a:t>A condition is checked.</a:t>
-            </a:r>
-          </a:p>
-          <a:p>
-            <a:pPr marL="342900" indent="-342900" algn="l" rtl="0">
-              <a:spcBef>
-                <a:spcPct val="20000"/>
-              </a:spcBef>
-              <a:buFont typeface="Arial" charset="0"/>
-              <a:buNone/>
-            </a:pPr>
-            <a:r>
-              <a:rPr lang="en-US" sz="1200" i="0" baseline="0" dirty="0">
-                <a:solidFill>
-                  <a:schemeClr val="tx1"/>
-                </a:solidFill>
-                <a:latin typeface="Tahoma" pitchFamily="34" charset="0"/>
-                <a:cs typeface="Tahoma" pitchFamily="34" charset="0"/>
-              </a:rPr>
-              <a:t>If the condition evaluates to true, a block of commands (enclosed in braces) is executed.</a:t>
-            </a:r>
-          </a:p>
-          <a:p>
-            <a:pPr marL="342900" indent="-342900" algn="l" rtl="0">
-              <a:spcBef>
-                <a:spcPct val="20000"/>
-              </a:spcBef>
-              <a:buFont typeface="Arial" charset="0"/>
-              <a:buNone/>
-            </a:pPr>
-            <a:r>
-              <a:rPr lang="en-US" sz="1200" i="0" baseline="0" dirty="0">
-                <a:solidFill>
-                  <a:schemeClr val="tx1"/>
-                </a:solidFill>
-                <a:latin typeface="Tahoma" pitchFamily="34" charset="0"/>
-                <a:cs typeface="Tahoma" pitchFamily="34" charset="0"/>
-              </a:rPr>
-              <a:t>When the program is done executing the block, the condition is checked again.</a:t>
-            </a:r>
-          </a:p>
-          <a:p>
-            <a:pPr marL="342900" indent="-342900" algn="l" rtl="0">
-              <a:spcBef>
-                <a:spcPct val="20000"/>
-              </a:spcBef>
-              <a:buFont typeface="Arial" charset="0"/>
-              <a:buNone/>
-            </a:pPr>
-            <a:r>
-              <a:rPr lang="en-US" sz="1200" i="0" baseline="0" dirty="0">
-                <a:solidFill>
-                  <a:schemeClr val="tx1"/>
-                </a:solidFill>
-                <a:latin typeface="Tahoma" pitchFamily="34" charset="0"/>
-                <a:cs typeface="Tahoma" pitchFamily="34" charset="0"/>
-              </a:rPr>
-              <a:t>The block will be executed again and again, as long as the condition </a:t>
-            </a:r>
-          </a:p>
-          <a:p>
-            <a:pPr marL="342900" indent="-342900" algn="l" rtl="0">
-              <a:spcBef>
-                <a:spcPct val="20000"/>
-              </a:spcBef>
-              <a:buFont typeface="Arial" charset="0"/>
-              <a:buNone/>
-            </a:pPr>
-            <a:r>
-              <a:rPr lang="en-US" sz="1200" i="0" baseline="0" dirty="0">
-                <a:solidFill>
-                  <a:schemeClr val="tx1"/>
-                </a:solidFill>
-                <a:latin typeface="Tahoma" pitchFamily="34" charset="0"/>
-                <a:cs typeface="Tahoma" pitchFamily="34" charset="0"/>
-              </a:rPr>
-              <a:t>evaluates to true.</a:t>
-            </a:r>
-          </a:p>
-          <a:p>
-            <a:pPr marL="342900" indent="-342900" algn="l" rtl="0">
-              <a:spcBef>
-                <a:spcPct val="20000"/>
-              </a:spcBef>
-              <a:buFont typeface="Arial" charset="0"/>
-              <a:buNone/>
-            </a:pPr>
-            <a:r>
-              <a:rPr lang="en-US" sz="1200" i="0" baseline="0" dirty="0">
-                <a:solidFill>
-                  <a:schemeClr val="tx1"/>
-                </a:solidFill>
-                <a:latin typeface="Tahoma" pitchFamily="34" charset="0"/>
-                <a:cs typeface="Tahoma" pitchFamily="34" charset="0"/>
-              </a:rPr>
-              <a:t>As soon as the condition turns to false the block is skipped.</a:t>
-            </a:r>
-            <a:endParaRPr lang="en-US" sz="1200" i="0" dirty="0">
+            <a:pPr eaLnBrk="1" hangingPunct="1"/>
+            <a:endParaRPr lang="en-US" sz="1200" i="1" dirty="0">
               <a:solidFill>
                 <a:schemeClr val="tx1"/>
               </a:solidFill>
-              <a:latin typeface="Tahoma" pitchFamily="34" charset="0"/>
-              <a:cs typeface="Tahoma" pitchFamily="34" charset="0"/>
+            </a:endParaRPr>
+          </a:p>
+          <a:p>
+            <a:pPr eaLnBrk="1" hangingPunct="1"/>
+            <a:r>
+              <a:rPr lang="en-US" sz="1200" i="0" dirty="0">
+                <a:solidFill>
+                  <a:schemeClr val="tx1"/>
+                </a:solidFill>
+              </a:rPr>
+              <a:t>In</a:t>
+            </a:r>
+            <a:r>
+              <a:rPr lang="en-US" sz="1200" i="0" baseline="0" dirty="0">
+                <a:solidFill>
+                  <a:schemeClr val="tx1"/>
+                </a:solidFill>
+              </a:rPr>
+              <a:t> this chapter we will learn about the following loop types:</a:t>
+            </a:r>
+          </a:p>
+          <a:p>
+            <a:pPr eaLnBrk="1" hangingPunct="1">
+              <a:buFont typeface="Arial" pitchFamily="34" charset="0"/>
+              <a:buChar char="•"/>
+            </a:pPr>
+            <a:r>
+              <a:rPr lang="en-US" sz="1200" i="0" baseline="0" dirty="0">
+                <a:solidFill>
+                  <a:schemeClr val="tx1"/>
+                </a:solidFill>
+              </a:rPr>
+              <a:t>The </a:t>
+            </a:r>
+            <a:r>
+              <a:rPr lang="en-US" sz="1200" b="1" i="0" baseline="0" dirty="0">
+                <a:solidFill>
+                  <a:schemeClr val="tx1"/>
+                </a:solidFill>
+              </a:rPr>
+              <a:t>while</a:t>
+            </a:r>
+            <a:r>
+              <a:rPr lang="en-US" sz="1200" i="1" baseline="0" dirty="0">
+                <a:solidFill>
+                  <a:schemeClr val="tx1"/>
+                </a:solidFill>
+              </a:rPr>
+              <a:t> </a:t>
+            </a:r>
+            <a:r>
+              <a:rPr lang="en-US" sz="1200" i="0" baseline="0" dirty="0">
+                <a:solidFill>
+                  <a:schemeClr val="tx1"/>
+                </a:solidFill>
+              </a:rPr>
+              <a:t>loop</a:t>
+            </a:r>
+          </a:p>
+          <a:p>
+            <a:pPr eaLnBrk="1" hangingPunct="1">
+              <a:buFont typeface="Arial" pitchFamily="34" charset="0"/>
+              <a:buChar char="•"/>
+            </a:pPr>
+            <a:r>
+              <a:rPr lang="en-US" sz="1200" i="0" baseline="0" dirty="0">
+                <a:solidFill>
+                  <a:schemeClr val="tx1"/>
+                </a:solidFill>
+              </a:rPr>
+              <a:t>The </a:t>
+            </a:r>
+            <a:r>
+              <a:rPr lang="en-US" sz="1200" b="1" i="0" baseline="0" dirty="0">
+                <a:solidFill>
+                  <a:schemeClr val="tx1"/>
+                </a:solidFill>
+              </a:rPr>
+              <a:t>for</a:t>
+            </a:r>
+            <a:r>
+              <a:rPr lang="en-US" sz="1200" i="1" baseline="0" dirty="0">
+                <a:solidFill>
+                  <a:schemeClr val="tx1"/>
+                </a:solidFill>
+              </a:rPr>
+              <a:t> </a:t>
+            </a:r>
+            <a:r>
+              <a:rPr lang="en-US" sz="1200" i="0" baseline="0" dirty="0">
+                <a:solidFill>
+                  <a:schemeClr val="tx1"/>
+                </a:solidFill>
+              </a:rPr>
+              <a:t>loop</a:t>
+            </a:r>
+            <a:endParaRPr lang="en-US" sz="1200" i="0" baseline="0" dirty="0">
+              <a:solidFill>
+                <a:schemeClr val="tx1"/>
+              </a:solidFill>
+              <a:cs typeface="Calibri" panose="020F0502020204030204"/>
+            </a:endParaRPr>
+          </a:p>
+          <a:p>
+            <a:pPr eaLnBrk="1" hangingPunct="1">
+              <a:buFont typeface="Arial" pitchFamily="34" charset="0"/>
+              <a:buChar char="•"/>
+            </a:pPr>
+            <a:endParaRPr lang="en-US" sz="1200" i="0" baseline="0" dirty="0">
+              <a:solidFill>
+                <a:schemeClr val="tx1"/>
+              </a:solidFill>
+              <a:cs typeface="Calibri" panose="020F0502020204030204"/>
+            </a:endParaRPr>
+          </a:p>
+          <a:p>
+            <a:pPr eaLnBrk="1" hangingPunct="1">
+              <a:buFont typeface="Arial" pitchFamily="34" charset="0"/>
+              <a:buNone/>
+            </a:pPr>
+            <a:r>
+              <a:rPr lang="en-US" sz="1200" i="0" baseline="0" dirty="0">
+                <a:solidFill>
+                  <a:schemeClr val="tx1"/>
+                </a:solidFill>
+              </a:rPr>
+              <a:t>These are not the only loop types in </a:t>
+            </a:r>
+            <a:r>
+              <a:rPr lang="en-US" dirty="0"/>
+              <a:t>Python,</a:t>
+            </a:r>
+            <a:r>
+              <a:rPr lang="en-US" sz="1200" i="0" baseline="0" dirty="0">
+                <a:solidFill>
+                  <a:schemeClr val="tx1"/>
+                </a:solidFill>
+              </a:rPr>
+              <a:t> but they are very common in most programming languages.</a:t>
+            </a:r>
+            <a:endParaRPr lang="en-US" sz="1200" i="1" dirty="0">
+              <a:solidFill>
+                <a:schemeClr val="tx1"/>
+              </a:solidFill>
             </a:endParaRPr>
           </a:p>
         </p:txBody>
@@ -3094,7 +3122,7 @@
             <a:fld id="{C18343ED-3762-4D46-A439-B4D407E13EF8}" type="slidenum">
               <a:rPr lang="en-US" smtClean="0"/>
               <a:pPr/>
-              <a:t>8</a:t>
+              <a:t>7</a:t>
             </a:fld>
             <a:endParaRPr lang="en-US"/>
           </a:p>
@@ -3103,7 +3131,7 @@
     </p:spTree>
     <p:extLst>
       <p:ext uri="{BB962C8B-B14F-4D97-AF65-F5344CB8AC3E}">
-        <p14:creationId xmlns:p14="http://schemas.microsoft.com/office/powerpoint/2010/main" val="2973526227"/>
+        <p14:creationId xmlns:p14="http://schemas.microsoft.com/office/powerpoint/2010/main" val="814324575"/>
       </p:ext>
     </p:extLst>
   </p:cSld>
@@ -3154,9 +3182,7 @@
         </p:nvSpPr>
         <p:spPr/>
         <p:txBody>
-          <a:bodyPr>
-            <a:normAutofit fontScale="85000" lnSpcReduction="10000"/>
-          </a:bodyPr>
+          <a:bodyPr/>
           <a:lstStyle/>
           <a:p>
             <a:pPr marL="342900" indent="-342900" algn="l" rtl="0">
@@ -3167,103 +3193,75 @@
               <a:buNone/>
             </a:pPr>
             <a:r>
-              <a:rPr lang="en-US" sz="1200" u="sng" dirty="0">
+              <a:rPr lang="en-US" sz="1200" dirty="0">
                 <a:solidFill>
                   <a:schemeClr val="tx1"/>
                 </a:solidFill>
                 <a:latin typeface="Tahoma" pitchFamily="34" charset="0"/>
                 <a:cs typeface="Tahoma" pitchFamily="34" charset="0"/>
               </a:rPr>
-              <a:t>Syntax</a:t>
-            </a:r>
-          </a:p>
-          <a:p>
-            <a:pPr marL="342900" indent="-342900">
-              <a:spcBef>
-                <a:spcPct val="20000"/>
-              </a:spcBef>
-            </a:pPr>
-            <a:r>
-              <a:rPr lang="en-US" sz="1200" b="1" i="0" u="none" dirty="0">
+              <a:t>The</a:t>
+            </a:r>
+            <a:r>
+              <a:rPr lang="en-US" sz="1200" baseline="0" dirty="0">
                 <a:solidFill>
                   <a:schemeClr val="tx1"/>
                 </a:solidFill>
-                <a:latin typeface="Tahoma"/>
-                <a:ea typeface="Tahoma"/>
-                <a:cs typeface="Tahoma"/>
+                <a:latin typeface="Tahoma" pitchFamily="34" charset="0"/>
+                <a:cs typeface="Tahoma" pitchFamily="34" charset="0"/>
+              </a:rPr>
+              <a:t> </a:t>
+            </a:r>
+            <a:r>
+              <a:rPr lang="en-US" sz="1200" b="1" i="0" baseline="0" dirty="0">
+                <a:solidFill>
+                  <a:schemeClr val="tx1"/>
+                </a:solidFill>
+                <a:latin typeface="Tahoma" pitchFamily="34" charset="0"/>
+                <a:cs typeface="Tahoma" pitchFamily="34" charset="0"/>
               </a:rPr>
               <a:t>while</a:t>
             </a:r>
             <a:r>
-              <a:rPr lang="en-US" dirty="0">
-                <a:latin typeface="Tahoma"/>
-                <a:ea typeface="Tahoma"/>
-                <a:cs typeface="Tahoma"/>
-              </a:rPr>
-              <a:t> 'condition'</a:t>
-            </a:r>
-            <a:r>
-              <a:rPr lang="en-US" b="1" dirty="0">
-                <a:latin typeface="Tahoma"/>
-                <a:ea typeface="Tahoma"/>
-                <a:cs typeface="Tahoma"/>
-              </a:rPr>
-              <a:t>: </a:t>
-            </a:r>
-            <a:r>
-              <a:rPr lang="en-US" dirty="0">
-                <a:latin typeface="Tahoma"/>
-                <a:ea typeface="Tahoma"/>
-                <a:cs typeface="Tahoma"/>
-              </a:rPr>
-              <a:t>    </a:t>
-            </a:r>
-            <a:r>
-              <a:rPr lang="en-US" sz="1200" i="0" u="none" baseline="0" dirty="0">
+              <a:rPr lang="en-US" sz="1200" b="0" i="0" baseline="0" dirty="0">
                 <a:solidFill>
                   <a:schemeClr val="tx1"/>
                 </a:solidFill>
-                <a:latin typeface="Tahoma"/>
-                <a:ea typeface="Tahoma"/>
-                <a:cs typeface="Tahoma"/>
-              </a:rPr>
-              <a:t> //</a:t>
-            </a:r>
-            <a:r>
-              <a:rPr lang="en-US" dirty="0">
-                <a:latin typeface="Tahoma"/>
-                <a:ea typeface="Tahoma"/>
-                <a:cs typeface="Tahoma"/>
-              </a:rPr>
-              <a:t>colons</a:t>
-            </a:r>
-            <a:r>
-              <a:rPr lang="en-US" sz="1200" i="0" u="none" baseline="0" dirty="0">
+                <a:latin typeface="Tahoma" pitchFamily="34" charset="0"/>
+                <a:cs typeface="Tahoma" pitchFamily="34" charset="0"/>
+              </a:rPr>
+              <a:t> keyword </a:t>
+            </a:r>
+            <a:r>
+              <a:rPr lang="en-US" sz="1200" i="0" baseline="0" dirty="0">
                 <a:solidFill>
                   <a:schemeClr val="tx1"/>
                 </a:solidFill>
-                <a:latin typeface="Tahoma"/>
-                <a:ea typeface="Tahoma"/>
-                <a:cs typeface="Tahoma"/>
-              </a:rPr>
-              <a:t> at the end of the line</a:t>
-            </a:r>
-            <a:r>
-              <a:rPr lang="en-US" dirty="0">
-                <a:latin typeface="Tahoma"/>
-                <a:ea typeface="Tahoma"/>
-                <a:cs typeface="Tahoma"/>
-              </a:rPr>
-              <a:t> to determine the beginning of the loop scope</a:t>
-            </a:r>
-            <a:endParaRPr lang="en-US" sz="1200" i="0" u="none" baseline="0" dirty="0">
-              <a:solidFill>
-                <a:schemeClr val="tx1"/>
-              </a:solidFill>
-              <a:latin typeface="Tahoma"/>
-              <a:ea typeface="Tahoma"/>
-              <a:cs typeface="Tahoma"/>
-            </a:endParaRPr>
+                <a:latin typeface="Tahoma" pitchFamily="34" charset="0"/>
+                <a:cs typeface="Tahoma" pitchFamily="34" charset="0"/>
+              </a:rPr>
+              <a:t>indicates the use of the </a:t>
+            </a:r>
+            <a:r>
+              <a:rPr lang="en-US" sz="1200" b="1" i="0" baseline="0" dirty="0">
+                <a:solidFill>
+                  <a:schemeClr val="tx1"/>
+                </a:solidFill>
+                <a:latin typeface="Tahoma" pitchFamily="34" charset="0"/>
+                <a:cs typeface="Tahoma" pitchFamily="34" charset="0"/>
+              </a:rPr>
+              <a:t>while loop</a:t>
+            </a:r>
+            <a:r>
+              <a:rPr lang="en-US" sz="1200" i="1" baseline="0" dirty="0">
+                <a:solidFill>
+                  <a:schemeClr val="tx1"/>
+                </a:solidFill>
+                <a:latin typeface="Tahoma" pitchFamily="34" charset="0"/>
+                <a:cs typeface="Tahoma" pitchFamily="34" charset="0"/>
+              </a:rPr>
+              <a:t>.</a:t>
+            </a:r>
           </a:p>
           <a:p>
             <a:pPr marL="342900" indent="-342900" algn="l" rtl="0">
@@ -3273,48 +3271,16 @@
               <a:buFont typeface="Arial" charset="0"/>
               <a:buNone/>
             </a:pPr>
-            <a:endParaRPr lang="en-US" sz="1200" i="0" u="none" baseline="0" dirty="0">
-              <a:solidFill>
-                <a:schemeClr val="tx1"/>
-              </a:solidFill>
-              <a:latin typeface="Tahoma" pitchFamily="34" charset="0"/>
-              <a:ea typeface="Tahoma"/>
-              <a:cs typeface="Tahoma" pitchFamily="34" charset="0"/>
-            </a:endParaRPr>
-          </a:p>
-          <a:p>
-            <a:pPr marL="342900" indent="-342900">
-              <a:spcBef>
-                <a:spcPct val="20000"/>
-              </a:spcBef>
-            </a:pPr>
-            <a:r>
-              <a:rPr lang="en-US" sz="1200" i="0" u="none" baseline="0" dirty="0">
+            <a:r>
+              <a:rPr lang="en-US" sz="1200" i="0" baseline="0" dirty="0">
                 <a:solidFill>
                   <a:schemeClr val="tx1"/>
                 </a:solidFill>
-                <a:latin typeface="Tahoma"/>
-                <a:ea typeface="Tahoma"/>
-                <a:cs typeface="Tahoma"/>
-              </a:rPr>
-              <a:t>	one or more commands</a:t>
-            </a:r>
-            <a:r>
-              <a:rPr lang="en-US" dirty="0">
-                <a:latin typeface="Tahoma"/>
-                <a:ea typeface="Tahoma"/>
-                <a:cs typeface="Tahoma"/>
-              </a:rPr>
-              <a:t> //in a slight indentation to the right </a:t>
-            </a:r>
-            <a:endParaRPr lang="en-US" sz="1200" i="0" u="none" baseline="0" dirty="0">
-              <a:solidFill>
-                <a:schemeClr val="tx1"/>
-              </a:solidFill>
-              <a:latin typeface="Tahoma" pitchFamily="34" charset="0"/>
-              <a:ea typeface="Tahoma"/>
-              <a:cs typeface="Tahoma" pitchFamily="34" charset="0"/>
-            </a:endParaRPr>
+                <a:latin typeface="Tahoma" pitchFamily="34" charset="0"/>
+                <a:cs typeface="Tahoma" pitchFamily="34" charset="0"/>
+              </a:rPr>
+              <a:t>A condition is checked.</a:t>
+            </a:r>
           </a:p>
           <a:p>
             <a:pPr marL="342900" indent="-342900" algn="l" rtl="0">
@@ -3325,14 +3291,14 @@
               <a:buNone/>
             </a:pPr>
             <a:r>
-              <a:rPr lang="en-US" sz="1200" i="0" u="none" baseline="0" dirty="0">
+              <a:rPr lang="en-US" sz="1200" i="0" baseline="0" dirty="0">
                 <a:solidFill>
                   <a:schemeClr val="tx1"/>
                 </a:solidFill>
                 <a:latin typeface="Tahoma" pitchFamily="34" charset="0"/>
                 <a:cs typeface="Tahoma" pitchFamily="34" charset="0"/>
               </a:rPr>
-              <a:t>	…</a:t>
+              <a:t>If the condition evaluates to true, a block of commands (enclosed in braces) is executed.</a:t>
             </a:r>
           </a:p>
           <a:p>
@@ -3343,14 +3309,16 @@
               <a:buFont typeface="Arial" charset="0"/>
               <a:buNone/>
             </a:pPr>
-            <a:endParaRPr lang="en-US" sz="1200" i="0" u="none" baseline="0" dirty="0">
-              <a:solidFill>
-                <a:schemeClr val="tx1"/>
-              </a:solidFill>
-              <a:latin typeface="Tahoma" pitchFamily="34" charset="0"/>
-              <a:ea typeface="Tahoma"/>
-              <a:cs typeface="Tahoma" pitchFamily="34" charset="0"/>
-            </a:endParaRPr>
+            <a:r>
+              <a:rPr lang="en-US" sz="1200" i="0" baseline="0" dirty="0">
+                <a:solidFill>
+                  <a:schemeClr val="tx1"/>
+                </a:solidFill>
+                <a:latin typeface="Tahoma" pitchFamily="34" charset="0"/>
+                <a:cs typeface="Tahoma" pitchFamily="34" charset="0"/>
+              </a:rPr>
+              <a:t>When the program is done executing the block, the condition is checked again.</a:t>
+            </a:r>
           </a:p>
           <a:p>
             <a:pPr marL="342900" indent="-342900" algn="l" rtl="0">
@@ -3360,66 +3328,16 @@
               <a:buFont typeface="Arial" charset="0"/>
               <a:buNone/>
             </a:pPr>
-            <a:endParaRPr lang="en-US" sz="1200" i="0" u="none" baseline="0" dirty="0">
-              <a:solidFill>
-                <a:schemeClr val="tx1"/>
-              </a:solidFill>
-              <a:latin typeface="Tahoma" pitchFamily="34" charset="0"/>
-              <a:cs typeface="Tahoma" pitchFamily="34" charset="0"/>
-            </a:endParaRPr>
-          </a:p>
-          <a:p>
-            <a:pPr marL="342900" indent="-342900">
-              <a:spcBef>
-                <a:spcPct val="20000"/>
-              </a:spcBef>
-            </a:pPr>
-            <a:r>
-              <a:rPr lang="en-US" sz="1200" i="0" u="none" baseline="0" dirty="0">
+            <a:r>
+              <a:rPr lang="en-US" sz="1200" i="0" baseline="0" dirty="0">
                 <a:solidFill>
                   <a:schemeClr val="tx1"/>
                 </a:solidFill>
-                <a:latin typeface="Tahoma"/>
-                <a:ea typeface="Tahoma"/>
-                <a:cs typeface="Tahoma"/>
-              </a:rPr>
-              <a:t>The </a:t>
-            </a:r>
-            <a:r>
-              <a:rPr lang="en-US" dirty="0">
-                <a:latin typeface="Tahoma"/>
-                <a:ea typeface="Tahoma"/>
-                <a:cs typeface="Tahoma"/>
-              </a:rPr>
-              <a:t>slight indentation to the right defines all the </a:t>
-            </a:r>
-            <a:r>
-              <a:rPr lang="en-US" sz="1200" i="0" u="none" baseline="0" dirty="0">
-                <a:solidFill>
-                  <a:schemeClr val="tx1"/>
-                </a:solidFill>
-                <a:latin typeface="Tahoma"/>
-                <a:ea typeface="Tahoma"/>
-                <a:cs typeface="Tahoma"/>
-              </a:rPr>
-              <a:t>commands meant for repetition into a</a:t>
-            </a:r>
-            <a:r>
-              <a:rPr lang="en-US" dirty="0">
-                <a:latin typeface="Tahoma"/>
-                <a:ea typeface="Tahoma"/>
-                <a:cs typeface="Tahoma"/>
-              </a:rPr>
-              <a:t> </a:t>
-            </a:r>
-            <a:endParaRPr lang="en-US" sz="1200" i="0" u="none" baseline="0" dirty="0">
-              <a:solidFill>
-                <a:schemeClr val="tx1"/>
-              </a:solidFill>
-              <a:latin typeface="Tahoma" pitchFamily="34" charset="0"/>
-              <a:ea typeface="Tahoma"/>
-              <a:cs typeface="Tahoma" pitchFamily="34" charset="0"/>
-            </a:endParaRPr>
+                <a:latin typeface="Tahoma" pitchFamily="34" charset="0"/>
+                <a:cs typeface="Tahoma" pitchFamily="34" charset="0"/>
+              </a:rPr>
+              <a:t>The block will be executed again and again, as long as the condition </a:t>
+            </a:r>
           </a:p>
           <a:p>
             <a:pPr marL="342900" indent="-342900" algn="l" rtl="0">
@@ -3430,62 +3348,15 @@
               <a:buNone/>
             </a:pPr>
             <a:r>
-              <a:rPr lang="en-US" sz="1200" i="0" u="none" baseline="0" dirty="0">
+              <a:rPr lang="en-US" sz="1200" i="0" baseline="0" dirty="0">
                 <a:solidFill>
                   <a:schemeClr val="tx1"/>
                 </a:solidFill>
                 <a:latin typeface="Tahoma" pitchFamily="34" charset="0"/>
                 <a:cs typeface="Tahoma" pitchFamily="34" charset="0"/>
               </a:rPr>
-              <a:t>repeating block called the </a:t>
-            </a:r>
-            <a:r>
-              <a:rPr lang="en-US" sz="1200" b="1" i="0" u="none" baseline="0" dirty="0">
-                <a:solidFill>
-                  <a:schemeClr val="tx1"/>
-                </a:solidFill>
-                <a:latin typeface="Tahoma" pitchFamily="34" charset="0"/>
-                <a:cs typeface="Tahoma" pitchFamily="34" charset="0"/>
-              </a:rPr>
-              <a:t>loop block </a:t>
-            </a:r>
-            <a:r>
-              <a:rPr lang="en-US" sz="1200" i="0" u="none" baseline="0" dirty="0">
-                <a:solidFill>
-                  <a:schemeClr val="tx1"/>
-                </a:solidFill>
-                <a:latin typeface="Tahoma" pitchFamily="34" charset="0"/>
-                <a:cs typeface="Tahoma" pitchFamily="34" charset="0"/>
-              </a:rPr>
-              <a:t>(also known as </a:t>
-            </a:r>
-            <a:r>
-              <a:rPr lang="en-US" sz="1200" b="1" i="0" u="none" baseline="0" dirty="0">
-                <a:solidFill>
-                  <a:schemeClr val="tx1"/>
-                </a:solidFill>
-                <a:latin typeface="Tahoma" pitchFamily="34" charset="0"/>
-                <a:cs typeface="Tahoma" pitchFamily="34" charset="0"/>
-              </a:rPr>
-              <a:t>loop body</a:t>
-            </a:r>
-            <a:r>
-              <a:rPr lang="en-US" sz="1200" i="0" u="none" baseline="0" dirty="0">
-                <a:solidFill>
-                  <a:schemeClr val="tx1"/>
-                </a:solidFill>
-                <a:latin typeface="Tahoma" pitchFamily="34" charset="0"/>
-                <a:cs typeface="Tahoma" pitchFamily="34" charset="0"/>
-              </a:rPr>
-              <a:t>).</a:t>
-            </a:r>
-            <a:endParaRPr lang="en-US" sz="1200" i="1" u="none" baseline="0" dirty="0">
-              <a:solidFill>
-                <a:schemeClr val="tx1"/>
-              </a:solidFill>
-              <a:latin typeface="Tahoma" pitchFamily="34" charset="0"/>
-              <a:cs typeface="Tahoma" pitchFamily="34" charset="0"/>
-            </a:endParaRPr>
+              <a:t>evaluates to true.</a:t>
+            </a:r>
           </a:p>
           <a:p>
             <a:pPr marL="342900" indent="-342900" algn="l" rtl="0">
@@ -3495,265 +3366,17 @@
               <a:buFont typeface="Arial" charset="0"/>
               <a:buNone/>
             </a:pPr>
-            <a:endParaRPr lang="en-US" sz="1200" i="0" u="none" baseline="0" dirty="0">
-              <a:solidFill>
-                <a:schemeClr val="tx1"/>
-              </a:solidFill>
-              <a:latin typeface="Tahoma" pitchFamily="34" charset="0"/>
-              <a:cs typeface="Tahoma" pitchFamily="34" charset="0"/>
-            </a:endParaRPr>
-          </a:p>
-          <a:p>
-            <a:pPr marL="342900" indent="-342900" algn="l" rtl="0">
-              <a:spcBef>
-                <a:spcPct val="20000"/>
-              </a:spcBef>
-              <a:buFont typeface="Arial" charset="0"/>
-              <a:buNone/>
-            </a:pPr>
-            <a:r>
-              <a:rPr lang="en-US" sz="1200" i="0" u="sng" baseline="0" dirty="0">
+            <a:r>
+              <a:rPr lang="en-US" sz="1200" i="0" baseline="0" dirty="0">
                 <a:solidFill>
                   <a:schemeClr val="tx1"/>
                 </a:solidFill>
                 <a:latin typeface="Tahoma" pitchFamily="34" charset="0"/>
                 <a:cs typeface="Tahoma" pitchFamily="34" charset="0"/>
               </a:rPr>
-              <a:t>Action</a:t>
-            </a:r>
-          </a:p>
-          <a:p>
-            <a:pPr marL="342900" indent="-342900" algn="l" rtl="0">
-              <a:spcBef>
-                <a:spcPct val="20000"/>
-              </a:spcBef>
-              <a:buFont typeface="Arial" charset="0"/>
-              <a:buNone/>
-            </a:pPr>
-            <a:r>
-              <a:rPr lang="en-US" sz="1200" dirty="0">
-                <a:solidFill>
-                  <a:schemeClr val="tx1"/>
-                </a:solidFill>
-                <a:latin typeface="Tahoma" pitchFamily="34" charset="0"/>
-                <a:cs typeface="Tahoma" pitchFamily="34" charset="0"/>
-              </a:rPr>
-              <a:t>The loop continues to iterate as long as the value of the condition is true.</a:t>
-            </a:r>
-          </a:p>
-          <a:p>
-            <a:pPr marL="342900" indent="-342900" algn="l" rtl="0">
-              <a:spcBef>
-                <a:spcPct val="20000"/>
-              </a:spcBef>
-              <a:buFont typeface="Arial" charset="0"/>
-              <a:buNone/>
-            </a:pPr>
-            <a:r>
-              <a:rPr lang="en-US" sz="1200" dirty="0">
-                <a:solidFill>
-                  <a:schemeClr val="tx1"/>
-                </a:solidFill>
-                <a:latin typeface="Tahoma" pitchFamily="34" charset="0"/>
-                <a:cs typeface="Tahoma" pitchFamily="34" charset="0"/>
-              </a:rPr>
-              <a:t>The condition is re-evaluated before each repetition</a:t>
-            </a:r>
-            <a:r>
-              <a:rPr lang="en-US" sz="1200" baseline="0" dirty="0">
-                <a:solidFill>
-                  <a:schemeClr val="tx1"/>
-                </a:solidFill>
-                <a:latin typeface="Tahoma" pitchFamily="34" charset="0"/>
-                <a:cs typeface="Tahoma" pitchFamily="34" charset="0"/>
-              </a:rPr>
-              <a:t> of the loop block.</a:t>
-            </a:r>
-            <a:endParaRPr lang="en-US" sz="1200" dirty="0">
-              <a:solidFill>
-                <a:schemeClr val="tx1"/>
-              </a:solidFill>
-              <a:latin typeface="Tahoma" pitchFamily="34" charset="0"/>
-              <a:cs typeface="Tahoma" pitchFamily="34" charset="0"/>
-            </a:endParaRPr>
-          </a:p>
-          <a:p>
-            <a:pPr marL="342900" indent="-342900" algn="l" rtl="0">
-              <a:spcBef>
-                <a:spcPct val="20000"/>
-              </a:spcBef>
-              <a:buFont typeface="Arial" charset="0"/>
-              <a:buNone/>
-            </a:pPr>
-            <a:r>
-              <a:rPr lang="en-US" sz="1200" dirty="0">
-                <a:solidFill>
-                  <a:schemeClr val="tx1"/>
-                </a:solidFill>
-                <a:latin typeface="Tahoma"/>
-                <a:ea typeface="Tahoma"/>
-                <a:cs typeface="Tahoma"/>
-              </a:rPr>
-              <a:t>In this case the condition is (number &lt; 1000) and the loop block is in lines </a:t>
-            </a:r>
-            <a:r>
-              <a:rPr lang="en-US" dirty="0">
-                <a:latin typeface="Tahoma"/>
-                <a:ea typeface="Tahoma"/>
-                <a:cs typeface="Tahoma"/>
-              </a:rPr>
-              <a:t>3-4</a:t>
-            </a:r>
-            <a:r>
-              <a:rPr lang="en-US" sz="1200" dirty="0">
-                <a:solidFill>
-                  <a:schemeClr val="tx1"/>
-                </a:solidFill>
-                <a:latin typeface="Tahoma"/>
-                <a:ea typeface="Tahoma"/>
-                <a:cs typeface="Tahoma"/>
-              </a:rPr>
-              <a:t>.</a:t>
-            </a:r>
-          </a:p>
-          <a:p>
-            <a:pPr marL="342900" indent="-342900" algn="l" rtl="0">
-              <a:spcBef>
-                <a:spcPct val="20000"/>
-              </a:spcBef>
-              <a:buFont typeface="Arial" charset="0"/>
-              <a:buNone/>
-            </a:pPr>
-            <a:endParaRPr lang="en-US" sz="1200" dirty="0">
-              <a:solidFill>
-                <a:schemeClr val="tx1"/>
-              </a:solidFill>
-              <a:latin typeface="Tahoma" pitchFamily="34" charset="0"/>
-              <a:cs typeface="Tahoma" pitchFamily="34" charset="0"/>
-            </a:endParaRPr>
-          </a:p>
-          <a:p>
-            <a:pPr marL="342900" indent="-342900" algn="l" rtl="0">
-              <a:spcBef>
-                <a:spcPct val="20000"/>
-              </a:spcBef>
-              <a:buFont typeface="Arial" charset="0"/>
-              <a:buNone/>
-            </a:pPr>
-            <a:r>
-              <a:rPr lang="en-US" sz="1200" b="1" u="sng" dirty="0">
-                <a:solidFill>
-                  <a:schemeClr val="tx1"/>
-                </a:solidFill>
-                <a:latin typeface="Tahoma" pitchFamily="34" charset="0"/>
-                <a:cs typeface="Tahoma" pitchFamily="34" charset="0"/>
-              </a:rPr>
-              <a:t>Important</a:t>
-            </a:r>
-          </a:p>
-          <a:p>
-            <a:pPr marL="342900" indent="-342900" algn="l" rtl="0">
-              <a:spcBef>
-                <a:spcPct val="20000"/>
-              </a:spcBef>
-              <a:buFont typeface="Arial" charset="0"/>
-              <a:buNone/>
-            </a:pPr>
-            <a:r>
-              <a:rPr lang="en-US" sz="1200" b="0" dirty="0">
-                <a:solidFill>
-                  <a:schemeClr val="tx1"/>
-                </a:solidFill>
-                <a:latin typeface="Tahoma" pitchFamily="34" charset="0"/>
-                <a:cs typeface="Tahoma" pitchFamily="34" charset="0"/>
-              </a:rPr>
-              <a:t>Consider a loop in action.</a:t>
-            </a:r>
-          </a:p>
-          <a:p>
-            <a:pPr marL="342900" indent="-342900" algn="l" rtl="0">
-              <a:spcBef>
-                <a:spcPct val="20000"/>
-              </a:spcBef>
-              <a:buFont typeface="Arial" charset="0"/>
-              <a:buNone/>
-            </a:pPr>
-            <a:r>
-              <a:rPr lang="en-US" sz="1200" dirty="0">
-                <a:solidFill>
-                  <a:schemeClr val="tx1"/>
-                </a:solidFill>
-                <a:latin typeface="Tahoma" pitchFamily="34" charset="0"/>
-                <a:cs typeface="Tahoma" pitchFamily="34" charset="0"/>
-              </a:rPr>
-              <a:t>What makes it stop?</a:t>
-            </a:r>
-          </a:p>
-          <a:p>
-            <a:pPr marL="342900" indent="-342900" algn="l" rtl="0">
-              <a:spcBef>
-                <a:spcPct val="20000"/>
-              </a:spcBef>
-              <a:buFont typeface="Arial" charset="0"/>
-              <a:buNone/>
-            </a:pPr>
-            <a:r>
-              <a:rPr lang="en-US" sz="1200" dirty="0">
-                <a:solidFill>
-                  <a:schemeClr val="tx1"/>
-                </a:solidFill>
-                <a:latin typeface="Tahoma" pitchFamily="34" charset="0"/>
-                <a:cs typeface="Tahoma" pitchFamily="34" charset="0"/>
-              </a:rPr>
-              <a:t>If</a:t>
-            </a:r>
-            <a:r>
-              <a:rPr lang="en-US" sz="1200" baseline="0" dirty="0">
-                <a:solidFill>
-                  <a:schemeClr val="tx1"/>
-                </a:solidFill>
-                <a:latin typeface="Tahoma" pitchFamily="34" charset="0"/>
-                <a:cs typeface="Tahoma" pitchFamily="34" charset="0"/>
-              </a:rPr>
-              <a:t> the program is executing the code in the loop, will it do so “forever”?</a:t>
-            </a:r>
-          </a:p>
-          <a:p>
-            <a:pPr marL="342900" indent="-342900" algn="l" rtl="0">
-              <a:spcBef>
-                <a:spcPct val="20000"/>
-              </a:spcBef>
-              <a:buFont typeface="Arial" charset="0"/>
-              <a:buNone/>
-            </a:pPr>
-            <a:r>
-              <a:rPr lang="en-US" sz="1200" baseline="0" dirty="0">
-                <a:solidFill>
-                  <a:schemeClr val="tx1"/>
-                </a:solidFill>
-                <a:latin typeface="Tahoma" pitchFamily="34" charset="0"/>
-                <a:cs typeface="Tahoma" pitchFamily="34" charset="0"/>
-              </a:rPr>
-              <a:t>For the program to eventually exit the loop the condition must be false at some </a:t>
-            </a:r>
-            <a:r>
-              <a:rPr lang="en-US" dirty="0">
-                <a:latin typeface="Tahoma" pitchFamily="34" charset="0"/>
-                <a:cs typeface="Tahoma" pitchFamily="34" charset="0"/>
-              </a:rPr>
-              <a:t>p</a:t>
-            </a:r>
-            <a:r>
-              <a:rPr lang="en-US" sz="1200" baseline="0" dirty="0">
-                <a:solidFill>
-                  <a:schemeClr val="tx1"/>
-                </a:solidFill>
-                <a:latin typeface="Tahoma" pitchFamily="34" charset="0"/>
-                <a:cs typeface="Tahoma" pitchFamily="34" charset="0"/>
-              </a:rPr>
-              <a:t>oint.</a:t>
-            </a:r>
-            <a:endParaRPr lang="en-US" sz="1200" dirty="0">
+              <a:t>As soon as the condition turns to false the block is skipped.</a:t>
+            </a:r>
+            <a:endParaRPr lang="en-US" sz="1200" i="0" dirty="0">
               <a:solidFill>
                 <a:schemeClr val="tx1"/>
               </a:solidFill>
@@ -3781,7 +3404,7 @@
             <a:fld id="{C18343ED-3762-4D46-A439-B4D407E13EF8}" type="slidenum">
               <a:rPr lang="en-US" smtClean="0"/>
               <a:pPr/>
-              <a:t>10</a:t>
+              <a:t>8</a:t>
             </a:fld>
             <a:endParaRPr lang="en-US"/>
           </a:p>
@@ -3790,7 +3413,7 @@
     </p:spTree>
     <p:extLst>
       <p:ext uri="{BB962C8B-B14F-4D97-AF65-F5344CB8AC3E}">
-        <p14:creationId xmlns:p14="http://schemas.microsoft.com/office/powerpoint/2010/main" val="1940927542"/>
+        <p14:creationId xmlns:p14="http://schemas.microsoft.com/office/powerpoint/2010/main" val="2973526227"/>
       </p:ext>
     </p:extLst>
   </p:cSld>
@@ -3842,139 +3465,611 @@
         <p:spPr/>
         <p:txBody>
           <a:bodyPr>
-            <a:normAutofit/>
+            <a:normAutofit fontScale="85000" lnSpcReduction="10000"/>
           </a:bodyPr>
           <a:lstStyle/>
           <a:p>
-            <a:pPr eaLnBrk="1" hangingPunct="1">
+            <a:pPr marL="342900" indent="-342900" algn="l" rtl="0">
               <a:spcBef>
-                <a:spcPct val="0"/>
+                <a:spcPct val="20000"/>
+              </a:spcBef>
+              <a:buFont typeface="Arial" charset="0"/>
+              <a:buNone/>
+            </a:pPr>
+            <a:r>
+              <a:rPr lang="en-US" sz="1200" u="sng" dirty="0">
+                <a:solidFill>
+                  <a:schemeClr val="tx1"/>
+                </a:solidFill>
+                <a:latin typeface="Tahoma" pitchFamily="34" charset="0"/>
+                <a:cs typeface="Tahoma" pitchFamily="34" charset="0"/>
+              </a:rPr>
+              <a:t>Syntax</a:t>
+            </a:r>
+          </a:p>
+          <a:p>
+            <a:pPr marL="342900" indent="-342900">
+              <a:spcBef>
+                <a:spcPct val="20000"/>
               </a:spcBef>
             </a:pPr>
             <a:r>
-              <a:rPr lang="en-US" dirty="0"/>
-              <a:t>The loop</a:t>
-            </a:r>
-            <a:r>
-              <a:rPr lang="en-US" baseline="0" dirty="0"/>
-              <a:t> block (lines </a:t>
-            </a:r>
-            <a:r>
-              <a:rPr lang="en-US" dirty="0"/>
-              <a:t>3-7</a:t>
-            </a:r>
-            <a:r>
-              <a:rPr lang="en-US" baseline="0" dirty="0"/>
-              <a:t>) consist of:</a:t>
-            </a:r>
-          </a:p>
-          <a:p>
-            <a:pPr marL="171450" indent="-171450" eaLnBrk="1" hangingPunct="1">
+              <a:rPr lang="en-US" sz="1200" b="1" i="0" u="none" dirty="0">
+                <a:solidFill>
+                  <a:schemeClr val="tx1"/>
+                </a:solidFill>
+                <a:latin typeface="Tahoma"/>
+                <a:ea typeface="Tahoma"/>
+                <a:cs typeface="Tahoma"/>
+              </a:rPr>
+              <a:t>while</a:t>
+            </a:r>
+            <a:r>
+              <a:rPr lang="en-US" dirty="0">
+                <a:latin typeface="Tahoma"/>
+                <a:ea typeface="Tahoma"/>
+                <a:cs typeface="Tahoma"/>
+              </a:rPr>
+              <a:t> 'condition'</a:t>
+            </a:r>
+            <a:r>
+              <a:rPr lang="en-US" b="1" dirty="0">
+                <a:latin typeface="Tahoma"/>
+                <a:ea typeface="Tahoma"/>
+                <a:cs typeface="Tahoma"/>
+              </a:rPr>
+              <a:t>: </a:t>
+            </a:r>
+            <a:r>
+              <a:rPr lang="en-US" dirty="0">
+                <a:latin typeface="Tahoma"/>
+                <a:ea typeface="Tahoma"/>
+                <a:cs typeface="Tahoma"/>
+              </a:rPr>
+              <a:t>    </a:t>
+            </a:r>
+            <a:r>
+              <a:rPr lang="en-US" sz="1200" i="0" u="none" baseline="0" dirty="0">
+                <a:solidFill>
+                  <a:schemeClr val="tx1"/>
+                </a:solidFill>
+                <a:latin typeface="Tahoma"/>
+                <a:ea typeface="Tahoma"/>
+                <a:cs typeface="Tahoma"/>
+              </a:rPr>
+              <a:t> //</a:t>
+            </a:r>
+            <a:r>
+              <a:rPr lang="en-US" dirty="0">
+                <a:latin typeface="Tahoma"/>
+                <a:ea typeface="Tahoma"/>
+                <a:cs typeface="Tahoma"/>
+              </a:rPr>
+              <a:t>colons</a:t>
+            </a:r>
+            <a:r>
+              <a:rPr lang="en-US" sz="1200" i="0" u="none" baseline="0" dirty="0">
+                <a:solidFill>
+                  <a:schemeClr val="tx1"/>
+                </a:solidFill>
+                <a:latin typeface="Tahoma"/>
+                <a:ea typeface="Tahoma"/>
+                <a:cs typeface="Tahoma"/>
+              </a:rPr>
+              <a:t> at the end of the line</a:t>
+            </a:r>
+            <a:r>
+              <a:rPr lang="en-US" dirty="0">
+                <a:latin typeface="Tahoma"/>
+                <a:ea typeface="Tahoma"/>
+                <a:cs typeface="Tahoma"/>
+              </a:rPr>
+              <a:t> to determine the beginning of the loop scope</a:t>
+            </a:r>
+            <a:endParaRPr lang="en-US" sz="1200" i="0" u="none" baseline="0" dirty="0">
+              <a:solidFill>
+                <a:schemeClr val="tx1"/>
+              </a:solidFill>
+              <a:latin typeface="Tahoma"/>
+              <a:ea typeface="Tahoma"/>
+              <a:cs typeface="Tahoma"/>
+            </a:endParaRPr>
+          </a:p>
+          <a:p>
+            <a:pPr marL="342900" indent="-342900" algn="l" rtl="0">
               <a:spcBef>
-                <a:spcPct val="0"/>
+                <a:spcPct val="20000"/>
               </a:spcBef>
-              <a:buFont typeface="Arial" pitchFamily="34" charset="0"/>
-              <a:buChar char="•"/>
-            </a:pPr>
-            <a:r>
-              <a:rPr lang="en-US" baseline="0" dirty="0"/>
-              <a:t>The commands the programmer wishes to repeat (lines </a:t>
-            </a:r>
-            <a:r>
-              <a:rPr lang="en-US" dirty="0"/>
-              <a:t>4-7</a:t>
-            </a:r>
-            <a:r>
-              <a:rPr lang="en-US" baseline="0" dirty="0"/>
-              <a:t>)</a:t>
-            </a:r>
-            <a:endParaRPr lang="en-US" baseline="0" dirty="0">
-              <a:cs typeface="Calibri"/>
-            </a:endParaRPr>
-          </a:p>
-          <a:p>
-            <a:pPr marL="171450" indent="-171450" eaLnBrk="1" hangingPunct="1">
-              <a:spcBef>
-                <a:spcPct val="0"/>
-              </a:spcBef>
-              <a:buFont typeface="Arial" pitchFamily="34" charset="0"/>
-              <a:buChar char="•"/>
-            </a:pPr>
-            <a:r>
-              <a:rPr lang="en-US" baseline="0" dirty="0"/>
-              <a:t>Commands to make changes that will eventually turn the condition from true to false (line </a:t>
-            </a:r>
-            <a:r>
-              <a:rPr lang="en-US" dirty="0"/>
-              <a:t>7</a:t>
-            </a:r>
-            <a:r>
-              <a:rPr lang="en-US" baseline="0" dirty="0"/>
-              <a:t>)</a:t>
-            </a:r>
-            <a:endParaRPr lang="en-US" baseline="0" dirty="0">
-              <a:cs typeface="Calibri" panose="020F0502020204030204"/>
-            </a:endParaRPr>
-          </a:p>
-          <a:p>
-            <a:pPr eaLnBrk="1" hangingPunct="1">
-              <a:spcBef>
-                <a:spcPct val="0"/>
-              </a:spcBef>
-              <a:buFont typeface="Arial" pitchFamily="34" charset="0"/>
-              <a:buChar char="•"/>
-            </a:pPr>
-            <a:endParaRPr lang="en-US" baseline="0" dirty="0"/>
-          </a:p>
-          <a:p>
-            <a:pPr eaLnBrk="1" hangingPunct="1">
-              <a:spcBef>
-                <a:spcPct val="0"/>
-              </a:spcBef>
-              <a:buFont typeface="Arial" pitchFamily="34" charset="0"/>
+              <a:buFont typeface="Arial" charset="0"/>
               <a:buNone/>
             </a:pPr>
-            <a:r>
-              <a:rPr lang="en-US" baseline="0" dirty="0"/>
-              <a:t>Now that we have the while loop in place, changing the number of times it is repeated (iterates) is very easy.</a:t>
-            </a:r>
-          </a:p>
-          <a:p>
-            <a:pPr eaLnBrk="1" hangingPunct="1">
+            <a:endParaRPr lang="en-US" sz="1200" i="0" u="none" baseline="0" dirty="0">
+              <a:solidFill>
+                <a:schemeClr val="tx1"/>
+              </a:solidFill>
+              <a:latin typeface="Tahoma" pitchFamily="34" charset="0"/>
+              <a:ea typeface="Tahoma"/>
+              <a:cs typeface="Tahoma" pitchFamily="34" charset="0"/>
+            </a:endParaRPr>
+          </a:p>
+          <a:p>
+            <a:pPr marL="342900" indent="-342900">
               <a:spcBef>
-                <a:spcPct val="0"/>
+                <a:spcPct val="20000"/>
               </a:spcBef>
-              <a:buFont typeface="Arial" pitchFamily="34" charset="0"/>
+            </a:pPr>
+            <a:r>
+              <a:rPr lang="en-US" sz="1200" i="0" u="none" baseline="0" dirty="0">
+                <a:solidFill>
+                  <a:schemeClr val="tx1"/>
+                </a:solidFill>
+                <a:latin typeface="Tahoma"/>
+                <a:ea typeface="Tahoma"/>
+                <a:cs typeface="Tahoma"/>
+              </a:rPr>
+              <a:t>	one or more commands</a:t>
+            </a:r>
+            <a:r>
+              <a:rPr lang="en-US" dirty="0">
+                <a:latin typeface="Tahoma"/>
+                <a:ea typeface="Tahoma"/>
+                <a:cs typeface="Tahoma"/>
+              </a:rPr>
+              <a:t> //in a slight indentation to the right </a:t>
+            </a:r>
+            <a:endParaRPr lang="en-US" sz="1200" i="0" u="none" baseline="0" dirty="0">
+              <a:solidFill>
+                <a:schemeClr val="tx1"/>
+              </a:solidFill>
+              <a:latin typeface="Tahoma" pitchFamily="34" charset="0"/>
+              <a:ea typeface="Tahoma"/>
+              <a:cs typeface="Tahoma" pitchFamily="34" charset="0"/>
+            </a:endParaRPr>
+          </a:p>
+          <a:p>
+            <a:pPr marL="342900" indent="-342900" algn="l" rtl="0">
+              <a:spcBef>
+                <a:spcPct val="20000"/>
+              </a:spcBef>
+              <a:buFont typeface="Arial" charset="0"/>
               <a:buNone/>
             </a:pPr>
             <a:r>
-              <a:rPr lang="en-US" baseline="0" dirty="0"/>
-              <a:t>All we need to do is the change the condition (in this case, line </a:t>
-            </a:r>
-            <a:r>
-              <a:rPr lang="en-US" dirty="0"/>
-              <a:t>3</a:t>
-            </a:r>
-            <a:r>
-              <a:rPr lang="en-US" baseline="0" dirty="0"/>
-              <a:t>) accordingly.</a:t>
-            </a:r>
-            <a:endParaRPr lang="en-US" baseline="0" dirty="0">
-              <a:cs typeface="Calibri"/>
-            </a:endParaRPr>
-          </a:p>
-          <a:p>
-            <a:pPr eaLnBrk="1" hangingPunct="1">
+              <a:rPr lang="en-US" sz="1200" i="0" u="none" baseline="0" dirty="0">
+                <a:solidFill>
+                  <a:schemeClr val="tx1"/>
+                </a:solidFill>
+                <a:latin typeface="Tahoma" pitchFamily="34" charset="0"/>
+                <a:cs typeface="Tahoma" pitchFamily="34" charset="0"/>
+              </a:rPr>
+              <a:t>	…</a:t>
+            </a:r>
+          </a:p>
+          <a:p>
+            <a:pPr marL="342900" indent="-342900" algn="l" rtl="0">
               <a:spcBef>
-                <a:spcPct val="0"/>
+                <a:spcPct val="20000"/>
               </a:spcBef>
-              <a:buFont typeface="Arial" pitchFamily="34" charset="0"/>
+              <a:buFont typeface="Arial" charset="0"/>
               <a:buNone/>
             </a:pPr>
-            <a:r>
-              <a:rPr lang="en-US" b="1" baseline="0" dirty="0"/>
-              <a:t>No change in the loop block is needed.</a:t>
-            </a:r>
+            <a:endParaRPr lang="en-US" sz="1200" i="0" u="none" baseline="0" dirty="0">
+              <a:solidFill>
+                <a:schemeClr val="tx1"/>
+              </a:solidFill>
+              <a:latin typeface="Tahoma" pitchFamily="34" charset="0"/>
+              <a:ea typeface="Tahoma"/>
+              <a:cs typeface="Tahoma" pitchFamily="34" charset="0"/>
+            </a:endParaRPr>
+          </a:p>
+          <a:p>
+            <a:pPr marL="342900" indent="-342900" algn="l" rtl="0">
+              <a:spcBef>
+                <a:spcPct val="20000"/>
+              </a:spcBef>
+              <a:buFont typeface="Arial" charset="0"/>
+              <a:buNone/>
+            </a:pPr>
+            <a:endParaRPr lang="en-US" sz="1200" i="0" u="none" baseline="0" dirty="0">
+              <a:solidFill>
+                <a:schemeClr val="tx1"/>
+              </a:solidFill>
+              <a:latin typeface="Tahoma" pitchFamily="34" charset="0"/>
+              <a:cs typeface="Tahoma" pitchFamily="34" charset="0"/>
+            </a:endParaRPr>
+          </a:p>
+          <a:p>
+            <a:pPr marL="342900" indent="-342900">
+              <a:spcBef>
+                <a:spcPct val="20000"/>
+              </a:spcBef>
+            </a:pPr>
+            <a:r>
+              <a:rPr lang="en-US" sz="1200" i="0" u="none" baseline="0" dirty="0">
+                <a:solidFill>
+                  <a:schemeClr val="tx1"/>
+                </a:solidFill>
+                <a:latin typeface="Tahoma"/>
+                <a:ea typeface="Tahoma"/>
+                <a:cs typeface="Tahoma"/>
+              </a:rPr>
+              <a:t>The </a:t>
+            </a:r>
+            <a:r>
+              <a:rPr lang="en-US" dirty="0">
+                <a:latin typeface="Tahoma"/>
+                <a:ea typeface="Tahoma"/>
+                <a:cs typeface="Tahoma"/>
+              </a:rPr>
+              <a:t>slight indentation to the right defines all the </a:t>
+            </a:r>
+            <a:r>
+              <a:rPr lang="en-US" sz="1200" i="0" u="none" baseline="0" dirty="0">
+                <a:solidFill>
+                  <a:schemeClr val="tx1"/>
+                </a:solidFill>
+                <a:latin typeface="Tahoma"/>
+                <a:ea typeface="Tahoma"/>
+                <a:cs typeface="Tahoma"/>
+              </a:rPr>
+              <a:t>commands meant for repetition into a</a:t>
+            </a:r>
+            <a:r>
+              <a:rPr lang="en-US" dirty="0">
+                <a:latin typeface="Tahoma"/>
+                <a:ea typeface="Tahoma"/>
+                <a:cs typeface="Tahoma"/>
+              </a:rPr>
+              <a:t> </a:t>
+            </a:r>
+            <a:endParaRPr lang="en-US" sz="1200" i="0" u="none" baseline="0" dirty="0">
+              <a:solidFill>
+                <a:schemeClr val="tx1"/>
+              </a:solidFill>
+              <a:latin typeface="Tahoma" pitchFamily="34" charset="0"/>
+              <a:ea typeface="Tahoma"/>
+              <a:cs typeface="Tahoma" pitchFamily="34" charset="0"/>
+            </a:endParaRPr>
+          </a:p>
+          <a:p>
+            <a:pPr marL="342900" indent="-342900" algn="l" rtl="0">
+              <a:spcBef>
+                <a:spcPct val="20000"/>
+              </a:spcBef>
+              <a:buFont typeface="Arial" charset="0"/>
+              <a:buNone/>
+            </a:pPr>
+            <a:r>
+              <a:rPr lang="en-US" sz="1200" i="0" u="none" baseline="0" dirty="0">
+                <a:solidFill>
+                  <a:schemeClr val="tx1"/>
+                </a:solidFill>
+                <a:latin typeface="Tahoma" pitchFamily="34" charset="0"/>
+                <a:cs typeface="Tahoma" pitchFamily="34" charset="0"/>
+              </a:rPr>
+              <a:t>repeating block called the </a:t>
+            </a:r>
+            <a:r>
+              <a:rPr lang="en-US" sz="1200" b="1" i="0" u="none" baseline="0" dirty="0">
+                <a:solidFill>
+                  <a:schemeClr val="tx1"/>
+                </a:solidFill>
+                <a:latin typeface="Tahoma" pitchFamily="34" charset="0"/>
+                <a:cs typeface="Tahoma" pitchFamily="34" charset="0"/>
+              </a:rPr>
+              <a:t>loop block </a:t>
+            </a:r>
+            <a:r>
+              <a:rPr lang="en-US" sz="1200" i="0" u="none" baseline="0" dirty="0">
+                <a:solidFill>
+                  <a:schemeClr val="tx1"/>
+                </a:solidFill>
+                <a:latin typeface="Tahoma" pitchFamily="34" charset="0"/>
+                <a:cs typeface="Tahoma" pitchFamily="34" charset="0"/>
+              </a:rPr>
+              <a:t>(also known as </a:t>
+            </a:r>
+            <a:r>
+              <a:rPr lang="en-US" sz="1200" b="1" i="0" u="none" baseline="0" dirty="0">
+                <a:solidFill>
+                  <a:schemeClr val="tx1"/>
+                </a:solidFill>
+                <a:latin typeface="Tahoma" pitchFamily="34" charset="0"/>
+                <a:cs typeface="Tahoma" pitchFamily="34" charset="0"/>
+              </a:rPr>
+              <a:t>loop body</a:t>
+            </a:r>
+            <a:r>
+              <a:rPr lang="en-US" sz="1200" i="0" u="none" baseline="0" dirty="0">
+                <a:solidFill>
+                  <a:schemeClr val="tx1"/>
+                </a:solidFill>
+                <a:latin typeface="Tahoma" pitchFamily="34" charset="0"/>
+                <a:cs typeface="Tahoma" pitchFamily="34" charset="0"/>
+              </a:rPr>
+              <a:t>).</a:t>
+            </a:r>
+            <a:endParaRPr lang="en-US" sz="1200" i="1" u="none" baseline="0" dirty="0">
+              <a:solidFill>
+                <a:schemeClr val="tx1"/>
+              </a:solidFill>
+              <a:latin typeface="Tahoma" pitchFamily="34" charset="0"/>
+              <a:cs typeface="Tahoma" pitchFamily="34" charset="0"/>
+            </a:endParaRPr>
+          </a:p>
+          <a:p>
+            <a:pPr marL="342900" indent="-342900" algn="l" rtl="0">
+              <a:spcBef>
+                <a:spcPct val="20000"/>
+              </a:spcBef>
+              <a:buFont typeface="Arial" charset="0"/>
+              <a:buNone/>
+            </a:pPr>
+            <a:endParaRPr lang="en-US" sz="1200" i="0" u="none" baseline="0" dirty="0">
+              <a:solidFill>
+                <a:schemeClr val="tx1"/>
+              </a:solidFill>
+              <a:latin typeface="Tahoma" pitchFamily="34" charset="0"/>
+              <a:cs typeface="Tahoma" pitchFamily="34" charset="0"/>
+            </a:endParaRPr>
+          </a:p>
+          <a:p>
+            <a:pPr marL="342900" indent="-342900" algn="l" rtl="0">
+              <a:spcBef>
+                <a:spcPct val="20000"/>
+              </a:spcBef>
+              <a:buFont typeface="Arial" charset="0"/>
+              <a:buNone/>
+            </a:pPr>
+            <a:r>
+              <a:rPr lang="en-US" sz="1200" i="0" u="sng" baseline="0" dirty="0">
+                <a:solidFill>
+                  <a:schemeClr val="tx1"/>
+                </a:solidFill>
+                <a:latin typeface="Tahoma" pitchFamily="34" charset="0"/>
+                <a:cs typeface="Tahoma" pitchFamily="34" charset="0"/>
+              </a:rPr>
+              <a:t>Action</a:t>
+            </a:r>
+          </a:p>
+          <a:p>
+            <a:pPr marL="342900" indent="-342900" algn="l" rtl="0">
+              <a:spcBef>
+                <a:spcPct val="20000"/>
+              </a:spcBef>
+              <a:buFont typeface="Arial" charset="0"/>
+              <a:buNone/>
+            </a:pPr>
+            <a:r>
+              <a:rPr lang="en-US" sz="1200" dirty="0">
+                <a:solidFill>
+                  <a:schemeClr val="tx1"/>
+                </a:solidFill>
+                <a:latin typeface="Tahoma" pitchFamily="34" charset="0"/>
+                <a:cs typeface="Tahoma" pitchFamily="34" charset="0"/>
+              </a:rPr>
+              <a:t>The loop continues to iterate as long as the value of the condition is true.</a:t>
+            </a:r>
+          </a:p>
+          <a:p>
+            <a:pPr marL="342900" indent="-342900" algn="l" rtl="0">
+              <a:spcBef>
+                <a:spcPct val="20000"/>
+              </a:spcBef>
+              <a:buFont typeface="Arial" charset="0"/>
+              <a:buNone/>
+            </a:pPr>
+            <a:r>
+              <a:rPr lang="en-US" sz="1200" dirty="0">
+                <a:solidFill>
+                  <a:schemeClr val="tx1"/>
+                </a:solidFill>
+                <a:latin typeface="Tahoma" pitchFamily="34" charset="0"/>
+                <a:cs typeface="Tahoma" pitchFamily="34" charset="0"/>
+              </a:rPr>
+              <a:t>The condition is re-evaluated before each repetition</a:t>
+            </a:r>
+            <a:r>
+              <a:rPr lang="en-US" sz="1200" baseline="0" dirty="0">
+                <a:solidFill>
+                  <a:schemeClr val="tx1"/>
+                </a:solidFill>
+                <a:latin typeface="Tahoma" pitchFamily="34" charset="0"/>
+                <a:cs typeface="Tahoma" pitchFamily="34" charset="0"/>
+              </a:rPr>
+              <a:t> of the loop block.</a:t>
+            </a:r>
+            <a:endParaRPr lang="en-US" sz="1200" dirty="0">
+              <a:solidFill>
+                <a:schemeClr val="tx1"/>
+              </a:solidFill>
+              <a:latin typeface="Tahoma" pitchFamily="34" charset="0"/>
+              <a:cs typeface="Tahoma" pitchFamily="34" charset="0"/>
+            </a:endParaRPr>
+          </a:p>
+          <a:p>
+            <a:pPr marL="342900" indent="-342900" algn="l" rtl="0">
+              <a:spcBef>
+                <a:spcPct val="20000"/>
+              </a:spcBef>
+              <a:buFont typeface="Arial" charset="0"/>
+              <a:buNone/>
+            </a:pPr>
+            <a:r>
+              <a:rPr lang="en-US" sz="1200" dirty="0">
+                <a:solidFill>
+                  <a:schemeClr val="tx1"/>
+                </a:solidFill>
+                <a:latin typeface="Tahoma"/>
+                <a:ea typeface="Tahoma"/>
+                <a:cs typeface="Tahoma"/>
+              </a:rPr>
+              <a:t>In this case the condition is (number &lt; 1000) and the loop block is in lines </a:t>
+            </a:r>
+            <a:r>
+              <a:rPr lang="en-US" dirty="0">
+                <a:latin typeface="Tahoma"/>
+                <a:ea typeface="Tahoma"/>
+                <a:cs typeface="Tahoma"/>
+              </a:rPr>
+              <a:t>3-4</a:t>
+            </a:r>
+            <a:r>
+              <a:rPr lang="en-US" sz="1200" dirty="0">
+                <a:solidFill>
+                  <a:schemeClr val="tx1"/>
+                </a:solidFill>
+                <a:latin typeface="Tahoma"/>
+                <a:ea typeface="Tahoma"/>
+                <a:cs typeface="Tahoma"/>
+              </a:rPr>
+              <a:t>.</a:t>
+            </a:r>
+          </a:p>
+          <a:p>
+            <a:pPr marL="342900" indent="-342900" algn="l" rtl="0">
+              <a:spcBef>
+                <a:spcPct val="20000"/>
+              </a:spcBef>
+              <a:buFont typeface="Arial" charset="0"/>
+              <a:buNone/>
+            </a:pPr>
+            <a:endParaRPr lang="en-US" sz="1200" dirty="0">
+              <a:solidFill>
+                <a:schemeClr val="tx1"/>
+              </a:solidFill>
+              <a:latin typeface="Tahoma" pitchFamily="34" charset="0"/>
+              <a:cs typeface="Tahoma" pitchFamily="34" charset="0"/>
+            </a:endParaRPr>
+          </a:p>
+          <a:p>
+            <a:pPr marL="342900" indent="-342900" algn="l" rtl="0">
+              <a:spcBef>
+                <a:spcPct val="20000"/>
+              </a:spcBef>
+              <a:buFont typeface="Arial" charset="0"/>
+              <a:buNone/>
+            </a:pPr>
+            <a:r>
+              <a:rPr lang="en-US" sz="1200" b="1" u="sng" dirty="0">
+                <a:solidFill>
+                  <a:schemeClr val="tx1"/>
+                </a:solidFill>
+                <a:latin typeface="Tahoma" pitchFamily="34" charset="0"/>
+                <a:cs typeface="Tahoma" pitchFamily="34" charset="0"/>
+              </a:rPr>
+              <a:t>Important</a:t>
+            </a:r>
+          </a:p>
+          <a:p>
+            <a:pPr marL="342900" indent="-342900" algn="l" rtl="0">
+              <a:spcBef>
+                <a:spcPct val="20000"/>
+              </a:spcBef>
+              <a:buFont typeface="Arial" charset="0"/>
+              <a:buNone/>
+            </a:pPr>
+            <a:r>
+              <a:rPr lang="en-US" sz="1200" b="0" dirty="0">
+                <a:solidFill>
+                  <a:schemeClr val="tx1"/>
+                </a:solidFill>
+                <a:latin typeface="Tahoma" pitchFamily="34" charset="0"/>
+                <a:cs typeface="Tahoma" pitchFamily="34" charset="0"/>
+              </a:rPr>
+              <a:t>Consider a loop in action.</a:t>
+            </a:r>
+          </a:p>
+          <a:p>
+            <a:pPr marL="342900" indent="-342900" algn="l" rtl="0">
+              <a:spcBef>
+                <a:spcPct val="20000"/>
+              </a:spcBef>
+              <a:buFont typeface="Arial" charset="0"/>
+              <a:buNone/>
+            </a:pPr>
+            <a:r>
+              <a:rPr lang="en-US" sz="1200" dirty="0">
+                <a:solidFill>
+                  <a:schemeClr val="tx1"/>
+                </a:solidFill>
+                <a:latin typeface="Tahoma" pitchFamily="34" charset="0"/>
+                <a:cs typeface="Tahoma" pitchFamily="34" charset="0"/>
+              </a:rPr>
+              <a:t>What makes it stop?</a:t>
+            </a:r>
+          </a:p>
+          <a:p>
+            <a:pPr marL="342900" indent="-342900" algn="l" rtl="0">
+              <a:spcBef>
+                <a:spcPct val="20000"/>
+              </a:spcBef>
+              <a:buFont typeface="Arial" charset="0"/>
+              <a:buNone/>
+            </a:pPr>
+            <a:r>
+              <a:rPr lang="en-US" sz="1200" dirty="0">
+                <a:solidFill>
+                  <a:schemeClr val="tx1"/>
+                </a:solidFill>
+                <a:latin typeface="Tahoma" pitchFamily="34" charset="0"/>
+                <a:cs typeface="Tahoma" pitchFamily="34" charset="0"/>
+              </a:rPr>
+              <a:t>If</a:t>
+            </a:r>
+            <a:r>
+              <a:rPr lang="en-US" sz="1200" baseline="0" dirty="0">
+                <a:solidFill>
+                  <a:schemeClr val="tx1"/>
+                </a:solidFill>
+                <a:latin typeface="Tahoma" pitchFamily="34" charset="0"/>
+                <a:cs typeface="Tahoma" pitchFamily="34" charset="0"/>
+              </a:rPr>
+              <a:t> the program is executing the code in the loop, will it do so “forever”?</a:t>
+            </a:r>
+          </a:p>
+          <a:p>
+            <a:pPr marL="342900" indent="-342900" algn="l" rtl="0">
+              <a:spcBef>
+                <a:spcPct val="20000"/>
+              </a:spcBef>
+              <a:buFont typeface="Arial" charset="0"/>
+              <a:buNone/>
+            </a:pPr>
+            <a:r>
+              <a:rPr lang="en-US" sz="1200" baseline="0" dirty="0">
+                <a:solidFill>
+                  <a:schemeClr val="tx1"/>
+                </a:solidFill>
+                <a:latin typeface="Tahoma" pitchFamily="34" charset="0"/>
+                <a:cs typeface="Tahoma" pitchFamily="34" charset="0"/>
+              </a:rPr>
+              <a:t>For the program to eventually exit the loop the condition must be false at some </a:t>
+            </a:r>
+            <a:r>
+              <a:rPr lang="en-US" dirty="0">
+                <a:latin typeface="Tahoma" pitchFamily="34" charset="0"/>
+                <a:cs typeface="Tahoma" pitchFamily="34" charset="0"/>
+              </a:rPr>
+              <a:t>p</a:t>
+            </a:r>
+            <a:r>
+              <a:rPr lang="en-US" sz="1200" baseline="0" dirty="0">
+                <a:solidFill>
+                  <a:schemeClr val="tx1"/>
+                </a:solidFill>
+                <a:latin typeface="Tahoma" pitchFamily="34" charset="0"/>
+                <a:cs typeface="Tahoma" pitchFamily="34" charset="0"/>
+              </a:rPr>
+              <a:t>oint.</a:t>
+            </a:r>
+            <a:endParaRPr lang="en-US" sz="1200" dirty="0">
+              <a:solidFill>
+                <a:schemeClr val="tx1"/>
+              </a:solidFill>
+              <a:latin typeface="Tahoma" pitchFamily="34" charset="0"/>
+              <a:cs typeface="Tahoma" pitchFamily="34" charset="0"/>
+            </a:endParaRPr>
           </a:p>
         </p:txBody>
       </p:sp>
@@ -3996,7 +4091,7 @@
             <a:fld id="{C18343ED-3762-4D46-A439-B4D407E13EF8}" type="slidenum">
               <a:rPr lang="en-US" smtClean="0"/>
               <a:pPr/>
-              <a:t>11</a:t>
+              <a:t>10</a:t>
             </a:fld>
             <a:endParaRPr lang="en-US"/>
           </a:p>
@@ -4005,7 +4100,7 @@
     </p:spTree>
     <p:extLst>
       <p:ext uri="{BB962C8B-B14F-4D97-AF65-F5344CB8AC3E}">
-        <p14:creationId xmlns:p14="http://schemas.microsoft.com/office/powerpoint/2010/main" val="3110746718"/>
+        <p14:creationId xmlns:p14="http://schemas.microsoft.com/office/powerpoint/2010/main" val="1940927542"/>
       </p:ext>
     </p:extLst>
   </p:cSld>
@@ -4068,139 +4163,127 @@
             </a:pPr>
             <a:r>
               <a:rPr lang="en-US" dirty="0"/>
-              <a:t>In line 8, the loop condition involves </a:t>
-            </a:r>
-            <a:r>
-              <a:rPr lang="en-US" b="1" dirty="0"/>
-              <a:t>size</a:t>
+              <a:t>The loop</a:t>
+            </a:r>
+            <a:r>
+              <a:rPr lang="en-US" baseline="0" dirty="0"/>
+              <a:t> block (lines </a:t>
             </a:r>
             <a:r>
               <a:rPr lang="en-US" dirty="0"/>
-              <a:t> which is known only during run-time.</a:t>
-            </a:r>
+              <a:t>3-7</a:t>
+            </a:r>
+            <a:r>
+              <a:rPr lang="en-US" baseline="0" dirty="0"/>
+              <a:t>) consist of:</a:t>
+            </a:r>
+          </a:p>
+          <a:p>
+            <a:pPr marL="171450" indent="-171450" eaLnBrk="1" hangingPunct="1">
+              <a:spcBef>
+                <a:spcPct val="0"/>
+              </a:spcBef>
+              <a:buFont typeface="Arial" pitchFamily="34" charset="0"/>
+              <a:buChar char="•"/>
+            </a:pPr>
+            <a:r>
+              <a:rPr lang="en-US" baseline="0" dirty="0"/>
+              <a:t>The commands the programmer wishes to repeat (lines </a:t>
+            </a:r>
+            <a:r>
+              <a:rPr lang="en-US" dirty="0"/>
+              <a:t>4-7</a:t>
+            </a:r>
+            <a:r>
+              <a:rPr lang="en-US" baseline="0" dirty="0"/>
+              <a:t>)</a:t>
+            </a:r>
+            <a:endParaRPr lang="en-US" baseline="0" dirty="0">
+              <a:cs typeface="Calibri"/>
+            </a:endParaRPr>
+          </a:p>
+          <a:p>
+            <a:pPr marL="171450" indent="-171450" eaLnBrk="1" hangingPunct="1">
+              <a:spcBef>
+                <a:spcPct val="0"/>
+              </a:spcBef>
+              <a:buFont typeface="Arial" pitchFamily="34" charset="0"/>
+              <a:buChar char="•"/>
+            </a:pPr>
+            <a:r>
+              <a:rPr lang="en-US" baseline="0" dirty="0"/>
+              <a:t>Commands to make changes that will eventually turn the condition from true to false (line </a:t>
+            </a:r>
+            <a:r>
+              <a:rPr lang="en-US" dirty="0"/>
+              <a:t>7</a:t>
+            </a:r>
+            <a:r>
+              <a:rPr lang="en-US" baseline="0" dirty="0"/>
+              <a:t>)</a:t>
+            </a:r>
+            <a:endParaRPr lang="en-US" baseline="0" dirty="0">
+              <a:cs typeface="Calibri" panose="020F0502020204030204"/>
+            </a:endParaRPr>
           </a:p>
           <a:p>
             <a:pPr eaLnBrk="1" hangingPunct="1">
               <a:spcBef>
                 <a:spcPct val="0"/>
               </a:spcBef>
+              <a:buFont typeface="Arial" pitchFamily="34" charset="0"/>
+              <a:buChar char="•"/>
             </a:pPr>
-            <a:r>
-              <a:rPr lang="en-US" dirty="0"/>
-              <a:t>Therefore, the</a:t>
-            </a:r>
-            <a:r>
-              <a:rPr lang="en-US" baseline="0" dirty="0"/>
-              <a:t> programmer has no knowledge how many iterations will actually take place.</a:t>
-            </a:r>
+            <a:endParaRPr lang="en-US" baseline="0" dirty="0"/>
           </a:p>
           <a:p>
             <a:pPr eaLnBrk="1" hangingPunct="1">
               <a:spcBef>
                 <a:spcPct val="0"/>
               </a:spcBef>
+              <a:buFont typeface="Arial" pitchFamily="34" charset="0"/>
+              <a:buNone/>
             </a:pPr>
-            <a:endParaRPr lang="en-US" baseline="0" dirty="0"/>
+            <a:r>
+              <a:rPr lang="en-US" baseline="0" dirty="0"/>
+              <a:t>Now that we have the while loop in place, changing the number of times it is repeated (iterates) is very easy.</a:t>
+            </a:r>
           </a:p>
           <a:p>
             <a:pPr eaLnBrk="1" hangingPunct="1">
               <a:spcBef>
                 <a:spcPct val="0"/>
               </a:spcBef>
+              <a:buFont typeface="Arial" pitchFamily="34" charset="0"/>
+              <a:buNone/>
             </a:pPr>
             <a:r>
-              <a:rPr lang="en-US" u="sng" baseline="0" dirty="0"/>
-              <a:t>Question</a:t>
-            </a:r>
+              <a:rPr lang="en-US" baseline="0" dirty="0"/>
+              <a:t>All we need to do is the change the condition (in this case, line </a:t>
+            </a:r>
+            <a:r>
+              <a:rPr lang="en-US" dirty="0"/>
+              <a:t>3</a:t>
+            </a:r>
+            <a:r>
+              <a:rPr lang="en-US" baseline="0" dirty="0"/>
+              <a:t>) accordingly.</a:t>
+            </a:r>
+            <a:endParaRPr lang="en-US" baseline="0" dirty="0">
+              <a:cs typeface="Calibri"/>
+            </a:endParaRPr>
           </a:p>
           <a:p>
             <a:pPr eaLnBrk="1" hangingPunct="1">
               <a:spcBef>
                 <a:spcPct val="0"/>
               </a:spcBef>
+              <a:buFont typeface="Arial" pitchFamily="34" charset="0"/>
+              <a:buNone/>
             </a:pPr>
             <a:r>
-              <a:rPr lang="en-US" u="none" baseline="0" dirty="0"/>
-              <a:t>How many iterations will the while repeat if 0 (zero) is entered as input for </a:t>
-            </a:r>
-            <a:r>
-              <a:rPr lang="en-US" b="1" u="none" baseline="0" dirty="0"/>
-              <a:t>size</a:t>
-            </a:r>
-            <a:r>
-              <a:rPr lang="en-US" u="none" baseline="0" dirty="0"/>
-              <a:t> (line </a:t>
-            </a:r>
-            <a:r>
-              <a:rPr lang="en-US" dirty="0"/>
-              <a:t>7</a:t>
-            </a:r>
-            <a:r>
-              <a:rPr lang="en-US" u="none" baseline="0" dirty="0"/>
-              <a:t>)?</a:t>
-            </a:r>
-            <a:endParaRPr lang="en-US" u="none" baseline="0" dirty="0">
-              <a:cs typeface="Calibri"/>
-            </a:endParaRPr>
-          </a:p>
-          <a:p>
-            <a:pPr eaLnBrk="1" hangingPunct="1">
-              <a:spcBef>
-                <a:spcPct val="0"/>
-              </a:spcBef>
-            </a:pPr>
-            <a:endParaRPr lang="en-US" u="none" baseline="0" dirty="0"/>
-          </a:p>
-          <a:p>
-            <a:pPr eaLnBrk="1" hangingPunct="1">
-              <a:spcBef>
-                <a:spcPct val="0"/>
-              </a:spcBef>
-            </a:pPr>
-            <a:r>
-              <a:rPr lang="en-US" u="sng" baseline="0" dirty="0"/>
-              <a:t>Answer</a:t>
-            </a:r>
-          </a:p>
-          <a:p>
-            <a:pPr eaLnBrk="1" hangingPunct="1">
-              <a:spcBef>
-                <a:spcPct val="0"/>
-              </a:spcBef>
-            </a:pPr>
-            <a:r>
-              <a:rPr lang="en-US" u="none" baseline="0" dirty="0"/>
-              <a:t>0 (zero) times.</a:t>
-            </a:r>
-          </a:p>
-          <a:p>
-            <a:pPr eaLnBrk="1" hangingPunct="1">
-              <a:spcBef>
-                <a:spcPct val="0"/>
-              </a:spcBef>
-            </a:pPr>
-            <a:r>
-              <a:rPr lang="en-US" u="none" baseline="0" dirty="0"/>
-              <a:t>This is because the while loop checks the condition </a:t>
-            </a:r>
-            <a:r>
-              <a:rPr lang="en-US" b="1" u="none" baseline="0" dirty="0"/>
-              <a:t>counter &lt;= size</a:t>
-            </a:r>
-            <a:r>
-              <a:rPr lang="en-US" u="none" baseline="0" dirty="0"/>
-              <a:t> even before its first iteration.</a:t>
-            </a:r>
-          </a:p>
-          <a:p>
-            <a:pPr eaLnBrk="1" hangingPunct="1">
-              <a:spcBef>
-                <a:spcPct val="0"/>
-              </a:spcBef>
-            </a:pPr>
-            <a:r>
-              <a:rPr lang="en-US" u="none" baseline="0" dirty="0"/>
-              <a:t>Since the condition evaluates to false, there will not be even a single iteration of the loop.</a:t>
+              <a:rPr lang="en-US" b="1" baseline="0" dirty="0"/>
+              <a:t>No change in the loop block is needed.</a:t>
             </a:r>
           </a:p>
         </p:txBody>
@@ -4223,7 +4306,7 @@
             <a:fld id="{C18343ED-3762-4D46-A439-B4D407E13EF8}" type="slidenum">
               <a:rPr lang="en-US" smtClean="0"/>
               <a:pPr/>
-              <a:t>12</a:t>
+              <a:t>11</a:t>
             </a:fld>
             <a:endParaRPr lang="en-US"/>
           </a:p>
@@ -4232,7 +4315,7 @@
     </p:spTree>
     <p:extLst>
       <p:ext uri="{BB962C8B-B14F-4D97-AF65-F5344CB8AC3E}">
-        <p14:creationId xmlns:p14="http://schemas.microsoft.com/office/powerpoint/2010/main" val="3307759862"/>
+        <p14:creationId xmlns:p14="http://schemas.microsoft.com/office/powerpoint/2010/main" val="3110746718"/>
       </p:ext>
     </p:extLst>
   </p:cSld>
@@ -4295,11 +4378,15 @@
             </a:pPr>
             <a:r>
               <a:rPr lang="en-US" dirty="0"/>
-              <a:t>In this example, a</a:t>
-            </a:r>
-            <a:r>
-              <a:rPr lang="en-US" baseline="0" dirty="0"/>
-              <a:t> while loop is used for input-range check.</a:t>
+              <a:t>In line 8, the loop condition involves </a:t>
+            </a:r>
+            <a:r>
+              <a:rPr lang="en-US" b="1" dirty="0"/>
+              <a:t>size</a:t>
+            </a:r>
+            <a:r>
+              <a:rPr lang="en-US" dirty="0"/>
+              <a:t> which is known only during run-time.</a:t>
             </a:r>
           </a:p>
           <a:p>
@@ -4309,24 +4396,12 @@
               </a:spcBef>
             </a:pPr>
             <a:r>
+              <a:rPr lang="en-US" dirty="0"/>
+              <a:t>Therefore, the</a:t>
+            </a:r>
+            <a:r>
               <a:rPr lang="en-US" baseline="0" dirty="0"/>
-              <a:t>The calculation that starts in line </a:t>
-            </a:r>
-            <a:r>
-              <a:rPr lang="en-US" dirty="0"/>
-              <a:t>3</a:t>
-            </a:r>
-            <a:r>
-              <a:rPr lang="en-US" baseline="0" dirty="0"/>
-              <a:t> assumes that the </a:t>
-            </a:r>
-            <a:r>
-              <a:rPr lang="en-US" b="1" baseline="0" dirty="0"/>
-              <a:t>score</a:t>
-            </a:r>
-            <a:r>
-              <a:rPr lang="en-US" baseline="0" dirty="0"/>
-              <a:t> is within a certain range (0..100).</a:t>
+              <a:t> programmer has no knowledge how many iterations will actually take place.</a:t>
             </a:r>
           </a:p>
           <a:p>
@@ -4335,26 +4410,7 @@
                 <a:spcPct val="0"/>
               </a:spcBef>
             </a:pPr>
-            <a:r>
-              <a:rPr lang="en-US" baseline="0" dirty="0"/>
-              <a:t>What if the input (line </a:t>
-            </a:r>
-            <a:r>
-              <a:rPr lang="en-US" dirty="0"/>
-              <a:t>2</a:t>
-            </a:r>
-            <a:r>
-              <a:rPr lang="en-US" baseline="0" dirty="0"/>
-              <a:t>) is outside that range, say </a:t>
-            </a:r>
-            <a:r>
-              <a:rPr lang="en-US" b="1" baseline="0" dirty="0"/>
-              <a:t>score = -5</a:t>
-            </a:r>
-            <a:r>
-              <a:rPr lang="en-US" baseline="0" dirty="0"/>
-              <a:t>?</a:t>
-            </a:r>
+            <a:endParaRPr lang="en-US" baseline="0" dirty="0"/>
           </a:p>
           <a:p>
             <a:pPr eaLnBrk="1" hangingPunct="1">
@@ -4363,20 +4419,9 @@
               </a:spcBef>
             </a:pPr>
             <a:r>
-              <a:rPr lang="en-US" baseline="0" dirty="0"/>
-              <a:t>What is the meaning of line </a:t>
-            </a:r>
-            <a:r>
-              <a:rPr lang="en-US" dirty="0"/>
-              <a:t>6</a:t>
-            </a:r>
-            <a:r>
-              <a:rPr lang="en-US" baseline="0" dirty="0"/>
-              <a:t> then?</a:t>
-            </a:r>
-            <a:endParaRPr lang="en-US" baseline="0" dirty="0">
-              <a:cs typeface="Calibri"/>
-            </a:endParaRPr>
+              <a:rPr lang="en-US" u="sng" baseline="0" dirty="0"/>
+              <a:t>Question</a:t>
+            </a:r>
           </a:p>
           <a:p>
             <a:pPr eaLnBrk="1" hangingPunct="1">
@@ -4385,29 +4430,88 @@
               </a:spcBef>
             </a:pPr>
             <a:r>
-              <a:rPr lang="en-US" baseline="0" dirty="0"/>
-              <a:t>In order to validate the intended processing which starts in line </a:t>
+              <a:rPr lang="en-US" u="none" baseline="0" dirty="0"/>
+              <a:t>How many iterations will the while repeat if 0 (zero) is entered as input for </a:t>
+            </a:r>
+            <a:r>
+              <a:rPr lang="en-US" b="1" u="none" baseline="0" dirty="0"/>
+              <a:t>size</a:t>
+            </a:r>
+            <a:r>
+              <a:rPr lang="en-US" u="none" baseline="0" dirty="0"/>
+              <a:t> (line </a:t>
             </a:r>
             <a:r>
               <a:rPr lang="en-US" dirty="0"/>
               <a:t>7</a:t>
             </a:r>
             <a:r>
-              <a:rPr lang="en-US" baseline="0" dirty="0"/>
-              <a:t>, we use the while loop (lines </a:t>
-            </a:r>
-            <a:r>
-              <a:rPr lang="en-US" dirty="0"/>
-              <a:t>4-6</a:t>
-            </a:r>
-            <a:r>
-              <a:rPr lang="en-US" baseline="0" dirty="0"/>
-              <a:t>) to repeatedly receive inputs as long as it is invalid.</a:t>
-            </a:r>
-            <a:endParaRPr lang="he-IL" dirty="0"/>
-          </a:p>
-          <a:p>
-            <a:endParaRPr lang="en-US" dirty="0"/>
+              <a:rPr lang="en-US" u="none" baseline="0" dirty="0"/>
+              <a:t>)?</a:t>
+            </a:r>
+            <a:endParaRPr lang="en-US" u="none" baseline="0" dirty="0">
+              <a:cs typeface="Calibri"/>
+            </a:endParaRPr>
+          </a:p>
+          <a:p>
+            <a:pPr eaLnBrk="1" hangingPunct="1">
+              <a:spcBef>
+                <a:spcPct val="0"/>
+              </a:spcBef>
+            </a:pPr>
+            <a:endParaRPr lang="en-US" u="none" baseline="0" dirty="0"/>
+          </a:p>
+          <a:p>
+            <a:pPr eaLnBrk="1" hangingPunct="1">
+              <a:spcBef>
+                <a:spcPct val="0"/>
+              </a:spcBef>
+            </a:pPr>
+            <a:r>
+              <a:rPr lang="en-US" u="sng" baseline="0" dirty="0"/>
+              <a:t>Answer</a:t>
+            </a:r>
+          </a:p>
+          <a:p>
+            <a:pPr eaLnBrk="1" hangingPunct="1">
+              <a:spcBef>
+                <a:spcPct val="0"/>
+              </a:spcBef>
+            </a:pPr>
+            <a:r>
+              <a:rPr lang="en-US" u="none" baseline="0" dirty="0"/>
+              <a:t>0 (zero) times.</a:t>
+            </a:r>
+          </a:p>
+          <a:p>
+            <a:pPr eaLnBrk="1" hangingPunct="1">
+              <a:spcBef>
+                <a:spcPct val="0"/>
+              </a:spcBef>
+            </a:pPr>
+            <a:r>
+              <a:rPr lang="en-US" u="none" baseline="0" dirty="0"/>
+              <a:t>This is because the while loop checks the condition </a:t>
+            </a:r>
+            <a:r>
+              <a:rPr lang="en-US" b="1" u="none" baseline="0" dirty="0"/>
+              <a:t>counter &lt;= size</a:t>
+            </a:r>
+            <a:r>
+              <a:rPr lang="en-US" u="none" baseline="0" dirty="0"/>
+              <a:t> even before its first iteration.</a:t>
+            </a:r>
+          </a:p>
+          <a:p>
+            <a:pPr eaLnBrk="1" hangingPunct="1">
+              <a:spcBef>
+                <a:spcPct val="0"/>
+              </a:spcBef>
+            </a:pPr>
+            <a:r>
+              <a:rPr lang="en-US" u="none" baseline="0" dirty="0"/>
+              <a:t>Since the condition evaluates to false, there will not be even a single iteration of the loop.</a:t>
+            </a:r>
           </a:p>
         </p:txBody>
       </p:sp>
@@ -4429,7 +4533,7 @@
             <a:fld id="{C18343ED-3762-4D46-A439-B4D407E13EF8}" type="slidenum">
               <a:rPr lang="en-US" smtClean="0"/>
               <a:pPr/>
-              <a:t>14</a:t>
+              <a:t>12</a:t>
             </a:fld>
             <a:endParaRPr lang="en-US"/>
           </a:p>
@@ -4438,7 +4542,7 @@
     </p:spTree>
     <p:extLst>
       <p:ext uri="{BB962C8B-B14F-4D97-AF65-F5344CB8AC3E}">
-        <p14:creationId xmlns:p14="http://schemas.microsoft.com/office/powerpoint/2010/main" val="2915812613"/>
+        <p14:creationId xmlns:p14="http://schemas.microsoft.com/office/powerpoint/2010/main" val="3307759862"/>
       </p:ext>
     </p:extLst>
   </p:cSld>
@@ -4597,7 +4701,7 @@
           <a:p>
             <a:fld id="{C33ED46B-FB1B-41EE-8223-593D733C943A}" type="datetimeFigureOut">
               <a:rPr lang="he-IL" smtClean="0"/>
-              <a:t>ט"ז/תמוז/תשפ"ג</a:t>
+              <a:t>כ'/תמוז/תשפ"ג</a:t>
             </a:fld>
             <a:endParaRPr lang="he-IL"/>
           </a:p>
@@ -4797,7 +4901,7 @@
           <a:p>
             <a:fld id="{C33ED46B-FB1B-41EE-8223-593D733C943A}" type="datetimeFigureOut">
               <a:rPr lang="he-IL" smtClean="0"/>
-              <a:t>ט"ז/תמוז/תשפ"ג</a:t>
+              <a:t>כ'/תמוז/תשפ"ג</a:t>
             </a:fld>
             <a:endParaRPr lang="he-IL"/>
           </a:p>
@@ -5007,7 +5111,7 @@
           <a:p>
             <a:fld id="{C33ED46B-FB1B-41EE-8223-593D733C943A}" type="datetimeFigureOut">
               <a:rPr lang="he-IL" smtClean="0"/>
-              <a:t>ט"ז/תמוז/תשפ"ג</a:t>
+              <a:t>כ'/תמוז/תשפ"ג</a:t>
             </a:fld>
             <a:endParaRPr lang="he-IL"/>
           </a:p>
@@ -5081,299 +5185,6 @@
 </file>
 
 <file path=ppt/slideLayouts/slideLayout12.xml><?xml version="1.0" encoding="utf-8"?>
-<p:sldLayout xmlns:a="http://schemas.openxmlformats.org/drawingml/2006/main" xmlns:r="http://schemas.openxmlformats.org/officeDocument/2006/relationships" xmlns:p="http://schemas.openxmlformats.org/presentationml/2006/main" userDrawn="1">
-  <p:cSld name="1_Title Slide">
-    <p:spTree>
-      <p:nvGrpSpPr>
-        <p:cNvPr id="1" name=""/>
-        <p:cNvGrpSpPr/>
-        <p:nvPr/>
-      </p:nvGrpSpPr>
-      <p:grpSpPr>
-        <a:xfrm>
-          <a:off x="0" y="0"/>
-          <a:ext cx="0" cy="0"/>
-          <a:chOff x="0" y="0"/>
-          <a:chExt cx="0" cy="0"/>
-        </a:xfrm>
-      </p:grpSpPr>
-      <p:sp>
-        <p:nvSpPr>
-          <p:cNvPr id="2" name="Title 1"/>
-          <p:cNvSpPr>
-            <a:spLocks noGrp="1"/>
-          </p:cNvSpPr>
-          <p:nvPr>
-            <p:ph type="ctrTitle"/>
-          </p:nvPr>
-        </p:nvSpPr>
-        <p:spPr>
-          <a:xfrm>
-            <a:off x="774049" y="1340768"/>
-            <a:ext cx="9850763" cy="1085850"/>
-          </a:xfrm>
-        </p:spPr>
-        <p:txBody>
-          <a:bodyPr vert="horz" lIns="0" tIns="45720" rIns="91440" bIns="45720" rtlCol="0" anchor="t" anchorCtr="0">
-            <a:normAutofit/>
-          </a:bodyPr>
-          <a:lstStyle>
-            <a:lvl1pPr>
-              <a:defRPr lang="en-US" sz="3200" dirty="0">
-                <a:ln w="3175">
-                  <a:noFill/>
-                </a:ln>
-              </a:defRPr>
-            </a:lvl1pPr>
-          </a:lstStyle>
-          <a:p>
-            <a:pPr lvl="0"/>
-            <a:r>
-              <a:rPr lang="en-US"/>
-              <a:t>Click to edit Master title style</a:t>
-            </a:r>
-            <a:endParaRPr lang="en-US" dirty="0"/>
-          </a:p>
-        </p:txBody>
-      </p:sp>
-      <p:sp>
-        <p:nvSpPr>
-          <p:cNvPr id="11" name="TextBox 10"/>
-          <p:cNvSpPr txBox="1"/>
-          <p:nvPr userDrawn="1"/>
-        </p:nvSpPr>
-        <p:spPr>
-          <a:xfrm>
-            <a:off x="774050" y="6362070"/>
-            <a:ext cx="10506527" cy="261610"/>
-          </a:xfrm>
-          <a:prstGeom prst="rect">
-            <a:avLst/>
-          </a:prstGeom>
-          <a:noFill/>
-        </p:spPr>
-        <p:txBody>
-          <a:bodyPr wrap="square" lIns="0" rtlCol="0">
-            <a:spAutoFit/>
-          </a:bodyPr>
-          <a:lstStyle/>
-          <a:p>
-            <a:pPr algn="l"/>
-            <a:r>
-              <a:rPr lang="en-US" sz="1100" kern="1200" dirty="0">
-                <a:solidFill>
-                  <a:schemeClr val="tx1">
-                    <a:lumMod val="85000"/>
-                    <a:lumOff val="15000"/>
-                  </a:schemeClr>
-                </a:solidFill>
-                <a:latin typeface="Segoe" panose="020B0502040504020203" pitchFamily="34" charset="0"/>
-                <a:ea typeface="+mn-ea"/>
-                <a:cs typeface="+mn-cs"/>
-              </a:rPr>
-              <a:t>Copyright © SELA Software &amp; Education Labs, Ltd. | 14-18 Baruch Hirsch St., </a:t>
-            </a:r>
-            <a:r>
-              <a:rPr lang="en-US" sz="1100" kern="1200" dirty="0" err="1">
-                <a:solidFill>
-                  <a:schemeClr val="tx1">
-                    <a:lumMod val="85000"/>
-                    <a:lumOff val="15000"/>
-                  </a:schemeClr>
-                </a:solidFill>
-                <a:latin typeface="Segoe" panose="020B0502040504020203" pitchFamily="34" charset="0"/>
-                <a:ea typeface="+mn-ea"/>
-                <a:cs typeface="+mn-cs"/>
-              </a:rPr>
-              <a:t>Bnei</a:t>
-            </a:r>
-            <a:r>
-              <a:rPr lang="en-US" sz="1100" kern="1200" dirty="0">
-                <a:solidFill>
-                  <a:schemeClr val="tx1">
-                    <a:lumMod val="85000"/>
-                    <a:lumOff val="15000"/>
-                  </a:schemeClr>
-                </a:solidFill>
-                <a:latin typeface="Segoe" panose="020B0502040504020203" pitchFamily="34" charset="0"/>
-                <a:ea typeface="+mn-ea"/>
-                <a:cs typeface="+mn-cs"/>
-              </a:rPr>
-              <a:t> </a:t>
-            </a:r>
-            <a:r>
-              <a:rPr lang="en-US" sz="1100" kern="1200" dirty="0" err="1">
-                <a:solidFill>
-                  <a:schemeClr val="tx1">
-                    <a:lumMod val="85000"/>
-                    <a:lumOff val="15000"/>
-                  </a:schemeClr>
-                </a:solidFill>
-                <a:latin typeface="Segoe" panose="020B0502040504020203" pitchFamily="34" charset="0"/>
-                <a:ea typeface="+mn-ea"/>
-                <a:cs typeface="+mn-cs"/>
-              </a:rPr>
-              <a:t>Brak</a:t>
-            </a:r>
-            <a:r>
-              <a:rPr lang="en-US" sz="1100" kern="1200">
-                <a:solidFill>
-                  <a:schemeClr val="tx1">
-                    <a:lumMod val="85000"/>
-                    <a:lumOff val="15000"/>
-                  </a:schemeClr>
-                </a:solidFill>
-                <a:latin typeface="Segoe" panose="020B0502040504020203" pitchFamily="34" charset="0"/>
-                <a:ea typeface="+mn-ea"/>
-                <a:cs typeface="+mn-cs"/>
-              </a:rPr>
-              <a:t> 51202, Israel | www.selagroup.com</a:t>
-            </a:r>
-            <a:endParaRPr lang="en-US" sz="800" dirty="0">
-              <a:solidFill>
-                <a:schemeClr val="tx1">
-                  <a:lumMod val="85000"/>
-                  <a:lumOff val="15000"/>
-                </a:schemeClr>
-              </a:solidFill>
-              <a:latin typeface="Segoe" panose="020B0502040504020203" pitchFamily="34" charset="0"/>
-            </a:endParaRPr>
-          </a:p>
-        </p:txBody>
-      </p:sp>
-      <p:pic>
-        <p:nvPicPr>
-          <p:cNvPr id="13" name="Picture 12"/>
-          <p:cNvPicPr>
-            <a:picLocks noChangeAspect="1"/>
-          </p:cNvPicPr>
-          <p:nvPr userDrawn="1"/>
-        </p:nvPicPr>
-        <p:blipFill>
-          <a:blip r:embed="rId2">
-            <a:extLst>
-              <a:ext uri="{28A0092B-C50C-407E-A947-70E740481C1C}">
-                <a14:useLocalDpi xmlns:a14="http://schemas.microsoft.com/office/drawing/2010/main" val="0"/>
-              </a:ext>
-            </a:extLst>
-          </a:blip>
-          <a:stretch>
-            <a:fillRect/>
-          </a:stretch>
-        </p:blipFill>
-        <p:spPr>
-          <a:xfrm>
-            <a:off x="774050" y="534798"/>
-            <a:ext cx="3509932" cy="483907"/>
-          </a:xfrm>
-          <a:prstGeom prst="rect">
-            <a:avLst/>
-          </a:prstGeom>
-        </p:spPr>
-      </p:pic>
-      <p:sp>
-        <p:nvSpPr>
-          <p:cNvPr id="7" name="Text Placeholder 6"/>
-          <p:cNvSpPr>
-            <a:spLocks noGrp="1"/>
-          </p:cNvSpPr>
-          <p:nvPr>
-            <p:ph type="body" sz="quarter" idx="10"/>
-          </p:nvPr>
-        </p:nvSpPr>
-        <p:spPr>
-          <a:xfrm>
-            <a:off x="774701" y="2427289"/>
-            <a:ext cx="9850967" cy="1362075"/>
-          </a:xfrm>
-          <a:prstGeom prst="rect">
-            <a:avLst/>
-          </a:prstGeom>
-        </p:spPr>
-        <p:txBody>
-          <a:bodyPr/>
-          <a:lstStyle>
-            <a:lvl1pPr marL="0" marR="0" indent="0" algn="l" defTabSz="914400" rtl="0" eaLnBrk="1" fontAlgn="auto" latinLnBrk="0" hangingPunct="1">
-              <a:lnSpc>
-                <a:spcPct val="100000"/>
-              </a:lnSpc>
-              <a:spcBef>
-                <a:spcPct val="20000"/>
-              </a:spcBef>
-              <a:spcAft>
-                <a:spcPts val="0"/>
-              </a:spcAft>
-              <a:buClrTx/>
-              <a:buSzTx/>
-              <a:buFontTx/>
-              <a:buNone/>
-              <a:tabLst/>
-              <a:defRPr>
-                <a:solidFill>
-                  <a:srgbClr val="E89636"/>
-                </a:solidFill>
-              </a:defRPr>
-            </a:lvl1pPr>
-            <a:lvl2pPr marL="457200" indent="0" algn="l" rtl="0">
-              <a:buFontTx/>
-              <a:buNone/>
-              <a:defRPr/>
-            </a:lvl2pPr>
-            <a:lvl3pPr marL="914400" indent="0" algn="l" rtl="0">
-              <a:buFontTx/>
-              <a:buNone/>
-              <a:defRPr/>
-            </a:lvl3pPr>
-            <a:lvl4pPr marL="1371600" indent="0" algn="l" rtl="0">
-              <a:buFontTx/>
-              <a:buNone/>
-              <a:defRPr/>
-            </a:lvl4pPr>
-            <a:lvl5pPr marL="1828800" indent="0" algn="l" rtl="0">
-              <a:buFontTx/>
-              <a:buNone/>
-              <a:defRPr/>
-            </a:lvl5pPr>
-          </a:lstStyle>
-          <a:p>
-            <a:pPr lvl="0"/>
-            <a:r>
-              <a:rPr lang="en-US"/>
-              <a:t>Click to edit Master text styles</a:t>
-            </a:r>
-          </a:p>
-        </p:txBody>
-      </p:sp>
-    </p:spTree>
-    <p:extLst>
-      <p:ext uri="{BB962C8B-B14F-4D97-AF65-F5344CB8AC3E}">
-        <p14:creationId xmlns:p14="http://schemas.microsoft.com/office/powerpoint/2010/main" val="1706352275"/>
-      </p:ext>
-    </p:extLst>
-  </p:cSld>
-  <p:clrMapOvr>
-    <a:masterClrMapping/>
-  </p:clrMapOvr>
-  <p:extLst>
-    <p:ext uri="{DCECCB84-F9BA-43D5-87BE-67443E8EF086}">
-      <p15:sldGuideLst xmlns:p15="http://schemas.microsoft.com/office/powerpoint/2012/main">
-        <p15:guide id="1" orient="horz" pos="789">
-          <p15:clr>
-            <a:srgbClr val="FBAE40"/>
-          </p15:clr>
-        </p15:guide>
-        <p15:guide id="2" pos="612">
-          <p15:clr>
-            <a:srgbClr val="FBAE40"/>
-          </p15:clr>
-        </p15:guide>
-      </p15:sldGuideLst>
-    </p:ext>
-  </p:extLst>
-</p:sldLayout>
-</file>
-
-<file path=ppt/slideLayouts/slideLayout13.xml><?xml version="1.0" encoding="utf-8"?>
 <p:sldLayout xmlns:a="http://schemas.openxmlformats.org/drawingml/2006/main" xmlns:r="http://schemas.openxmlformats.org/officeDocument/2006/relationships" xmlns:p="http://schemas.openxmlformats.org/presentationml/2006/main" userDrawn="1">
   <p:cSld name="ModuleAgenda">
     <p:spTree>
@@ -5501,7 +5312,7 @@
 </p:sldLayout>
 </file>
 
-<file path=ppt/slideLayouts/slideLayout14.xml><?xml version="1.0" encoding="utf-8"?>
+<file path=ppt/slideLayouts/slideLayout13.xml><?xml version="1.0" encoding="utf-8"?>
 <p:sldLayout xmlns:a="http://schemas.openxmlformats.org/drawingml/2006/main" xmlns:r="http://schemas.openxmlformats.org/officeDocument/2006/relationships" xmlns:p="http://schemas.openxmlformats.org/presentationml/2006/main" userDrawn="1">
   <p:cSld name="Demo Page">
     <p:spTree>
@@ -6019,7 +5830,7 @@
 </p:sldLayout>
 </file>
 
-<file path=ppt/slideLayouts/slideLayout15.xml><?xml version="1.0" encoding="utf-8"?>
+<file path=ppt/slideLayouts/slideLayout14.xml><?xml version="1.0" encoding="utf-8"?>
 <p:sldLayout xmlns:a="http://schemas.openxmlformats.org/drawingml/2006/main" xmlns:r="http://schemas.openxmlformats.org/officeDocument/2006/relationships" xmlns:p="http://schemas.openxmlformats.org/presentationml/2006/main" userDrawn="1">
   <p:cSld name="CodeSnippets">
     <p:spTree>
@@ -6269,7 +6080,7 @@
 </p:sldLayout>
 </file>
 
-<file path=ppt/slideLayouts/slideLayout16.xml><?xml version="1.0" encoding="utf-8"?>
+<file path=ppt/slideLayouts/slideLayout15.xml><?xml version="1.0" encoding="utf-8"?>
 <p:sldLayout xmlns:a="http://schemas.openxmlformats.org/drawingml/2006/main" xmlns:r="http://schemas.openxmlformats.org/officeDocument/2006/relationships" xmlns:p="http://schemas.openxmlformats.org/presentationml/2006/main" userDrawn="1">
   <p:cSld name="BulkCode">
     <p:spTree>
@@ -6435,7 +6246,7 @@
 </p:sldLayout>
 </file>
 
-<file path=ppt/slideLayouts/slideLayout17.xml><?xml version="1.0" encoding="utf-8"?>
+<file path=ppt/slideLayouts/slideLayout16.xml><?xml version="1.0" encoding="utf-8"?>
 <p:sldLayout xmlns:a="http://schemas.openxmlformats.org/drawingml/2006/main" xmlns:r="http://schemas.openxmlformats.org/officeDocument/2006/relationships" xmlns:p="http://schemas.openxmlformats.org/presentationml/2006/main" userDrawn="1">
   <p:cSld name="2CodeSnippets">
     <p:spTree>
@@ -6816,7 +6627,7 @@
 </p:sldLayout>
 </file>
 
-<file path=ppt/slideLayouts/slideLayout18.xml><?xml version="1.0" encoding="utf-8"?>
+<file path=ppt/slideLayouts/slideLayout17.xml><?xml version="1.0" encoding="utf-8"?>
 <p:sldLayout xmlns:a="http://schemas.openxmlformats.org/drawingml/2006/main" xmlns:r="http://schemas.openxmlformats.org/officeDocument/2006/relationships" xmlns:p="http://schemas.openxmlformats.org/presentationml/2006/main" userDrawn="1">
   <p:cSld name="Lab">
     <p:spTree>
@@ -7334,7 +7145,7 @@
 </p:sldLayout>
 </file>
 
-<file path=ppt/slideLayouts/slideLayout19.xml><?xml version="1.0" encoding="utf-8"?>
+<file path=ppt/slideLayouts/slideLayout18.xml><?xml version="1.0" encoding="utf-8"?>
 <p:sldLayout xmlns:a="http://schemas.openxmlformats.org/drawingml/2006/main" xmlns:r="http://schemas.openxmlformats.org/officeDocument/2006/relationships" xmlns:p="http://schemas.openxmlformats.org/presentationml/2006/main" userDrawn="1">
   <p:cSld name="Questions">
     <p:spTree>
@@ -7815,6 +7626,63 @@
 </p:sldLayout>
 </file>
 
+<file path=ppt/slideLayouts/slideLayout19.xml><?xml version="1.0" encoding="utf-8"?>
+<p:sldLayout xmlns:a="http://schemas.openxmlformats.org/drawingml/2006/main" xmlns:r="http://schemas.openxmlformats.org/officeDocument/2006/relationships" xmlns:p="http://schemas.openxmlformats.org/presentationml/2006/main" matchingName="6_Title Slide">
+  <p:cSld name="6_Title Slide">
+    <p:spTree>
+      <p:nvGrpSpPr>
+        <p:cNvPr id="1" name="Shape 16"/>
+        <p:cNvGrpSpPr/>
+        <p:nvPr/>
+      </p:nvGrpSpPr>
+      <p:grpSpPr>
+        <a:xfrm>
+          <a:off x="0" y="0"/>
+          <a:ext cx="0" cy="0"/>
+          <a:chOff x="0" y="0"/>
+          <a:chExt cx="0" cy="0"/>
+        </a:xfrm>
+      </p:grpSpPr>
+      <p:pic>
+        <p:nvPicPr>
+          <p:cNvPr id="17" name="Google Shape;17;p10"/>
+          <p:cNvPicPr preferRelativeResize="0"/>
+          <p:nvPr/>
+        </p:nvPicPr>
+        <p:blipFill rotWithShape="1">
+          <a:blip r:embed="rId2">
+            <a:alphaModFix/>
+          </a:blip>
+          <a:srcRect/>
+          <a:stretch/>
+        </p:blipFill>
+        <p:spPr>
+          <a:xfrm>
+            <a:off x="10668000" y="5981612"/>
+            <a:ext cx="1246029" cy="511263"/>
+          </a:xfrm>
+          <a:prstGeom prst="rect">
+            <a:avLst/>
+          </a:prstGeom>
+          <a:noFill/>
+          <a:ln>
+            <a:noFill/>
+          </a:ln>
+        </p:spPr>
+      </p:pic>
+    </p:spTree>
+    <p:extLst>
+      <p:ext uri="{BB962C8B-B14F-4D97-AF65-F5344CB8AC3E}">
+        <p14:creationId xmlns:p14="http://schemas.microsoft.com/office/powerpoint/2010/main" val="3691506058"/>
+      </p:ext>
+    </p:extLst>
+  </p:cSld>
+  <p:clrMapOvr>
+    <a:masterClrMapping/>
+  </p:clrMapOvr>
+</p:sldLayout>
+</file>
+
 <file path=ppt/slideLayouts/slideLayout2.xml><?xml version="1.0" encoding="utf-8"?>
 <p:sldLayout xmlns:a="http://schemas.openxmlformats.org/drawingml/2006/main" xmlns:r="http://schemas.openxmlformats.org/officeDocument/2006/relationships" xmlns:p="http://schemas.openxmlformats.org/presentationml/2006/main" type="obj" preserve="1">
   <p:cSld name="Title and Content">
@@ -7942,7 +7810,7 @@
           <a:p>
             <a:fld id="{C33ED46B-FB1B-41EE-8223-593D733C943A}" type="datetimeFigureOut">
               <a:rPr lang="he-IL" smtClean="0"/>
-              <a:t>ט"ז/תמוז/תשפ"ג</a:t>
+              <a:t>כ'/תמוז/תשפ"ג</a:t>
             </a:fld>
             <a:endParaRPr lang="he-IL"/>
           </a:p>
@@ -8218,7 +8086,7 @@
           <a:p>
             <a:fld id="{C33ED46B-FB1B-41EE-8223-593D733C943A}" type="datetimeFigureOut">
               <a:rPr lang="he-IL" smtClean="0"/>
-              <a:t>ט"ז/תמוז/תשפ"ג</a:t>
+              <a:t>כ'/תמוז/תשפ"ג</a:t>
             </a:fld>
             <a:endParaRPr lang="he-IL"/>
           </a:p>
@@ -8486,7 +8354,7 @@
           <a:p>
             <a:fld id="{C33ED46B-FB1B-41EE-8223-593D733C943A}" type="datetimeFigureOut">
               <a:rPr lang="he-IL" smtClean="0"/>
-              <a:t>ט"ז/תמוז/תשפ"ג</a:t>
+              <a:t>כ'/תמוז/תשפ"ג</a:t>
             </a:fld>
             <a:endParaRPr lang="he-IL"/>
           </a:p>
@@ -8901,7 +8769,7 @@
           <a:p>
             <a:fld id="{C33ED46B-FB1B-41EE-8223-593D733C943A}" type="datetimeFigureOut">
               <a:rPr lang="he-IL" smtClean="0"/>
-              <a:t>ט"ז/תמוז/תשפ"ג</a:t>
+              <a:t>כ'/תמוז/תשפ"ג</a:t>
             </a:fld>
             <a:endParaRPr lang="he-IL"/>
           </a:p>
@@ -9043,7 +8911,7 @@
           <a:p>
             <a:fld id="{C33ED46B-FB1B-41EE-8223-593D733C943A}" type="datetimeFigureOut">
               <a:rPr lang="he-IL" smtClean="0"/>
-              <a:t>ט"ז/תמוז/תשפ"ג</a:t>
+              <a:t>כ'/תמוז/תשפ"ג</a:t>
             </a:fld>
             <a:endParaRPr lang="he-IL"/>
           </a:p>
@@ -9156,7 +9024,7 @@
           <a:p>
             <a:fld id="{C33ED46B-FB1B-41EE-8223-593D733C943A}" type="datetimeFigureOut">
               <a:rPr lang="he-IL" smtClean="0"/>
-              <a:t>ט"ז/תמוז/תשפ"ג</a:t>
+              <a:t>כ'/תמוז/תשפ"ג</a:t>
             </a:fld>
             <a:endParaRPr lang="he-IL"/>
           </a:p>
@@ -9469,7 +9337,7 @@
           <a:p>
             <a:fld id="{C33ED46B-FB1B-41EE-8223-593D733C943A}" type="datetimeFigureOut">
               <a:rPr lang="he-IL" smtClean="0"/>
-              <a:t>ט"ז/תמוז/תשפ"ג</a:t>
+              <a:t>כ'/תמוז/תשפ"ג</a:t>
             </a:fld>
             <a:endParaRPr lang="he-IL"/>
           </a:p>
@@ -9758,7 +9626,7 @@
           <a:p>
             <a:fld id="{C33ED46B-FB1B-41EE-8223-593D733C943A}" type="datetimeFigureOut">
               <a:rPr lang="he-IL" smtClean="0"/>
-              <a:t>ט"ז/תמוז/תשפ"ג</a:t>
+              <a:t>כ'/תמוז/תשפ"ג</a:t>
             </a:fld>
             <a:endParaRPr lang="he-IL"/>
           </a:p>
@@ -9835,9 +9703,18 @@
 <p:sldMaster xmlns:a="http://schemas.openxmlformats.org/drawingml/2006/main" xmlns:r="http://schemas.openxmlformats.org/officeDocument/2006/relationships" xmlns:p="http://schemas.openxmlformats.org/presentationml/2006/main">
   <p:cSld>
     <p:bg>
-      <p:bgRef idx="1001">
-        <a:schemeClr val="bg1"/>
-      </p:bgRef>
+      <p:bgPr>
+        <a:blipFill dpi="0" rotWithShape="1">
+          <a:blip r:embed="rId21">
+            <a:lum/>
+          </a:blip>
+          <a:srcRect/>
+          <a:stretch>
+            <a:fillRect/>
+          </a:stretch>
+        </a:blipFill>
+        <a:effectLst/>
+      </p:bgPr>
     </p:bg>
     <p:spTree>
       <p:nvGrpSpPr>
@@ -10001,7 +9878,7 @@
           <a:p>
             <a:fld id="{C33ED46B-FB1B-41EE-8223-593D733C943A}" type="datetimeFigureOut">
               <a:rPr lang="he-IL" smtClean="0"/>
-              <a:t>ט"ז/תמוז/תשפ"ג</a:t>
+              <a:t>כ'/תמוז/תשפ"ג</a:t>
             </a:fld>
             <a:endParaRPr lang="he-IL"/>
           </a:p>
@@ -10117,14 +9994,14 @@
     <p:sldLayoutId id="2147483657" r:id="rId9"/>
     <p:sldLayoutId id="2147483658" r:id="rId10"/>
     <p:sldLayoutId id="2147483659" r:id="rId11"/>
-    <p:sldLayoutId id="2147483660" r:id="rId12"/>
-    <p:sldLayoutId id="2147483661" r:id="rId13"/>
-    <p:sldLayoutId id="2147483662" r:id="rId14"/>
-    <p:sldLayoutId id="2147483663" r:id="rId15"/>
-    <p:sldLayoutId id="2147483664" r:id="rId16"/>
-    <p:sldLayoutId id="2147483665" r:id="rId17"/>
-    <p:sldLayoutId id="2147483666" r:id="rId18"/>
-    <p:sldLayoutId id="2147483668" r:id="rId19"/>
+    <p:sldLayoutId id="2147483661" r:id="rId12"/>
+    <p:sldLayoutId id="2147483662" r:id="rId13"/>
+    <p:sldLayoutId id="2147483663" r:id="rId14"/>
+    <p:sldLayoutId id="2147483664" r:id="rId15"/>
+    <p:sldLayoutId id="2147483665" r:id="rId16"/>
+    <p:sldLayoutId id="2147483666" r:id="rId17"/>
+    <p:sldLayoutId id="2147483668" r:id="rId18"/>
+    <p:sldLayoutId id="2147483669" r:id="rId19"/>
   </p:sldLayoutIdLst>
   <p:txStyles>
     <p:titleStyle>
@@ -10414,7 +10291,7 @@
   <p:cSld>
     <p:spTree>
       <p:nvGrpSpPr>
-        <p:cNvPr id="1" name=""/>
+        <p:cNvPr id="1" name="Shape 161"/>
         <p:cNvGrpSpPr/>
         <p:nvPr/>
       </p:nvGrpSpPr>
@@ -10428,51 +10305,493 @@
       </p:grpSpPr>
       <p:sp>
         <p:nvSpPr>
-          <p:cNvPr id="2" name="Title 1"/>
-          <p:cNvSpPr>
-            <a:spLocks noGrp="1"/>
-          </p:cNvSpPr>
-          <p:nvPr>
-            <p:ph type="ctrTitle"/>
-          </p:nvPr>
+          <p:cNvPr id="162" name="Google Shape;162;p3"/>
+          <p:cNvSpPr/>
+          <p:nvPr/>
         </p:nvSpPr>
         <p:spPr>
           <a:xfrm>
-            <a:off x="2063552" y="1700808"/>
-            <a:ext cx="7388072" cy="1085850"/>
+            <a:off x="753215" y="731221"/>
+            <a:ext cx="1852408" cy="1804715"/>
           </a:xfrm>
+          <a:prstGeom prst="rect">
+            <a:avLst/>
+          </a:prstGeom>
+          <a:noFill/>
+          <a:ln w="114300" cap="flat" cmpd="sng">
+            <a:solidFill>
+              <a:srgbClr val="0071F6"/>
+            </a:solidFill>
+            <a:prstDash val="solid"/>
+            <a:miter lim="800000"/>
+            <a:headEnd type="none" w="sm" len="sm"/>
+            <a:tailEnd type="none" w="sm" len="sm"/>
+          </a:ln>
         </p:spPr>
         <p:txBody>
-          <a:bodyPr/>
+          <a:bodyPr spcFirstLastPara="1" wrap="square" lIns="91425" tIns="45700" rIns="91425" bIns="45700" anchor="ctr" anchorCtr="0">
+            <a:noAutofit/>
+          </a:bodyPr>
           <a:lstStyle/>
           <a:p>
-            <a:r>
-              <a:rPr lang="en-US" dirty="0">
-                <a:cs typeface="Times New Roman" pitchFamily="18" charset="0"/>
-              </a:rPr>
-              <a:t>Module 06: </a:t>
-            </a:r>
-            <a:r>
-              <a:rPr lang="en-US" dirty="0"/>
-              <a:t>Regular expressions</a:t>
-            </a:r>
-            <a:br>
-              <a:rPr lang="en-US" dirty="0"/>
-            </a:br>
-            <a:endParaRPr lang="he-IL" dirty="0"/>
+            <a:pPr marL="0" marR="0" lvl="0" indent="0" algn="ctr" rtl="0">
+              <a:spcBef>
+                <a:spcPts val="0"/>
+              </a:spcBef>
+              <a:spcAft>
+                <a:spcPts val="0"/>
+              </a:spcAft>
+              <a:buNone/>
+            </a:pPr>
+            <a:endParaRPr sz="10000" b="0" i="0" u="none" strike="noStrike" cap="none">
+              <a:solidFill>
+                <a:schemeClr val="lt1"/>
+              </a:solidFill>
+              <a:latin typeface="Calibri"/>
+              <a:ea typeface="Calibri"/>
+              <a:cs typeface="Calibri"/>
+              <a:sym typeface="Calibri"/>
+            </a:endParaRPr>
           </a:p>
         </p:txBody>
       </p:sp>
+      <p:sp>
+        <p:nvSpPr>
+          <p:cNvPr id="163" name="Google Shape;163;p3"/>
+          <p:cNvSpPr/>
+          <p:nvPr/>
+        </p:nvSpPr>
+        <p:spPr>
+          <a:xfrm>
+            <a:off x="1024128" y="974550"/>
+            <a:ext cx="1938528" cy="1220010"/>
+          </a:xfrm>
+          <a:prstGeom prst="rect">
+            <a:avLst/>
+          </a:prstGeom>
+          <a:solidFill>
+            <a:schemeClr val="lt1"/>
+          </a:solidFill>
+          <a:ln>
+            <a:noFill/>
+          </a:ln>
+        </p:spPr>
+        <p:txBody>
+          <a:bodyPr spcFirstLastPara="1" wrap="square" lIns="91425" tIns="45700" rIns="91425" bIns="45700" anchor="ctr" anchorCtr="0">
+            <a:noAutofit/>
+          </a:bodyPr>
+          <a:lstStyle/>
+          <a:p>
+            <a:pPr marL="0" marR="0" lvl="0" indent="0" algn="ctr" rtl="0">
+              <a:spcBef>
+                <a:spcPts val="0"/>
+              </a:spcBef>
+              <a:spcAft>
+                <a:spcPts val="0"/>
+              </a:spcAft>
+              <a:buNone/>
+            </a:pPr>
+            <a:endParaRPr sz="1800" b="0" i="0" u="none" strike="noStrike" cap="none">
+              <a:solidFill>
+                <a:schemeClr val="lt1"/>
+              </a:solidFill>
+              <a:latin typeface="Calibri"/>
+              <a:ea typeface="Calibri"/>
+              <a:cs typeface="Calibri"/>
+              <a:sym typeface="Calibri"/>
+            </a:endParaRPr>
+          </a:p>
+        </p:txBody>
+      </p:sp>
+      <p:sp>
+        <p:nvSpPr>
+          <p:cNvPr id="164" name="Google Shape;164;p3"/>
+          <p:cNvSpPr txBox="1"/>
+          <p:nvPr/>
+        </p:nvSpPr>
+        <p:spPr>
+          <a:xfrm>
+            <a:off x="1197504" y="1264978"/>
+            <a:ext cx="10139280" cy="696987"/>
+          </a:xfrm>
+          <a:prstGeom prst="rect">
+            <a:avLst/>
+          </a:prstGeom>
+          <a:noFill/>
+          <a:ln>
+            <a:noFill/>
+          </a:ln>
+        </p:spPr>
+        <p:txBody>
+          <a:bodyPr spcFirstLastPara="1" wrap="square" lIns="0" tIns="0" rIns="0" bIns="0" anchor="t" anchorCtr="0">
+            <a:noAutofit/>
+          </a:bodyPr>
+          <a:lstStyle/>
+          <a:p>
+            <a:pPr marL="0" marR="0" lvl="0" indent="0" algn="l" rtl="0">
+              <a:lnSpc>
+                <a:spcPct val="90000"/>
+              </a:lnSpc>
+              <a:spcBef>
+                <a:spcPts val="0"/>
+              </a:spcBef>
+              <a:spcAft>
+                <a:spcPts val="0"/>
+              </a:spcAft>
+              <a:buClr>
+                <a:schemeClr val="dk1"/>
+              </a:buClr>
+              <a:buSzPts val="5000"/>
+              <a:buFont typeface="Lexend"/>
+              <a:buNone/>
+            </a:pPr>
+            <a:r>
+              <a:rPr lang="en-US" sz="6000" b="1" dirty="0">
+                <a:latin typeface="Lexend" panose="020B0604020202020204"/>
+                <a:cs typeface="Times New Roman" pitchFamily="18" charset="0"/>
+              </a:rPr>
+              <a:t>Module 06- </a:t>
+            </a:r>
+            <a:r>
+              <a:rPr lang="en-US" sz="6000" b="1" dirty="0">
+                <a:latin typeface="Lexend" panose="020B0604020202020204"/>
+              </a:rPr>
+              <a:t>Regular expressions</a:t>
+            </a:r>
+            <a:br>
+              <a:rPr lang="en-US" sz="6000" b="1" dirty="0">
+                <a:latin typeface="Lexend" panose="020B0604020202020204"/>
+              </a:rPr>
+            </a:br>
+            <a:endParaRPr lang="en-US" sz="2400" b="1" i="0" u="none" strike="noStrike" cap="none" dirty="0">
+              <a:solidFill>
+                <a:schemeClr val="tx2">
+                  <a:lumMod val="25000"/>
+                </a:schemeClr>
+              </a:solidFill>
+              <a:latin typeface="Lexend" panose="020B0604020202020204"/>
+              <a:ea typeface="Lexend" panose="020B0604020202020204"/>
+              <a:cs typeface="Lexend" panose="020B0604020202020204"/>
+              <a:sym typeface="Lexend"/>
+            </a:endParaRPr>
+          </a:p>
+        </p:txBody>
+      </p:sp>
+      <p:grpSp>
+        <p:nvGrpSpPr>
+          <p:cNvPr id="26" name="Group 25">
+            <a:extLst>
+              <a:ext uri="{FF2B5EF4-FFF2-40B4-BE49-F238E27FC236}">
+                <a16:creationId xmlns:a16="http://schemas.microsoft.com/office/drawing/2014/main" id="{3707614E-B472-D72F-3362-F3D5800A79AE}"/>
+              </a:ext>
+            </a:extLst>
+          </p:cNvPr>
+          <p:cNvGrpSpPr/>
+          <p:nvPr/>
+        </p:nvGrpSpPr>
+        <p:grpSpPr>
+          <a:xfrm>
+            <a:off x="4768981" y="6314787"/>
+            <a:ext cx="2898939" cy="435065"/>
+            <a:chOff x="4346126" y="6301065"/>
+            <a:chExt cx="2898939" cy="435065"/>
+          </a:xfrm>
+        </p:grpSpPr>
+        <p:sp>
+          <p:nvSpPr>
+            <p:cNvPr id="27" name="Google Shape;157;p2">
+              <a:extLst>
+                <a:ext uri="{FF2B5EF4-FFF2-40B4-BE49-F238E27FC236}">
+                  <a16:creationId xmlns:a16="http://schemas.microsoft.com/office/drawing/2014/main" id="{4EA5EBB7-68D9-5C27-8971-C58931043AB0}"/>
+                </a:ext>
+              </a:extLst>
+            </p:cNvPr>
+            <p:cNvSpPr txBox="1"/>
+            <p:nvPr/>
+          </p:nvSpPr>
+          <p:spPr>
+            <a:xfrm>
+              <a:off x="4346126" y="6301065"/>
+              <a:ext cx="2898939" cy="260080"/>
+            </a:xfrm>
+            <a:prstGeom prst="rect">
+              <a:avLst/>
+            </a:prstGeom>
+            <a:noFill/>
+            <a:ln>
+              <a:noFill/>
+            </a:ln>
+          </p:spPr>
+          <p:txBody>
+            <a:bodyPr spcFirstLastPara="1" wrap="square" lIns="91425" tIns="45700" rIns="91425" bIns="45700" anchor="t" anchorCtr="0">
+              <a:noAutofit/>
+            </a:bodyPr>
+            <a:lstStyle/>
+            <a:p>
+              <a:pPr marL="0" marR="0" lvl="0" indent="0" algn="ctr" rtl="0">
+                <a:lnSpc>
+                  <a:spcPct val="90000"/>
+                </a:lnSpc>
+                <a:spcBef>
+                  <a:spcPts val="0"/>
+                </a:spcBef>
+                <a:spcAft>
+                  <a:spcPts val="0"/>
+                </a:spcAft>
+                <a:buClr>
+                  <a:schemeClr val="lt1"/>
+                </a:buClr>
+                <a:buSzPts val="4000"/>
+                <a:buFont typeface="Lexend"/>
+                <a:buNone/>
+              </a:pPr>
+              <a:r>
+                <a:rPr lang="en-US" sz="1100" b="1" i="0" u="none" strike="noStrike" cap="none" dirty="0">
+                  <a:solidFill>
+                    <a:srgbClr val="00DBE9"/>
+                  </a:solidFill>
+                  <a:latin typeface="+mn-lt"/>
+                  <a:ea typeface="Lexend"/>
+                  <a:cs typeface="+mn-cs"/>
+                  <a:sym typeface="Lexend"/>
+                  <a:hlinkClick r:id="rId3">
+                    <a:extLst>
+                      <a:ext uri="{A12FA001-AC4F-418D-AE19-62706E023703}">
+                        <ahyp:hlinkClr xmlns:ahyp="http://schemas.microsoft.com/office/drawing/2018/hyperlinkcolor" val="tx"/>
+                      </a:ext>
+                    </a:extLst>
+                  </a:hlinkClick>
+                </a:rPr>
+                <a:t>WWW.SELACLOUD.COM</a:t>
+              </a:r>
+              <a:endParaRPr sz="1100" dirty="0">
+                <a:solidFill>
+                  <a:srgbClr val="00DBE9"/>
+                </a:solidFill>
+                <a:latin typeface="+mn-lt"/>
+                <a:cs typeface="+mn-cs"/>
+              </a:endParaRPr>
+            </a:p>
+            <a:p>
+              <a:pPr marL="0" marR="0" lvl="0" indent="0" algn="ctr" rtl="0">
+                <a:lnSpc>
+                  <a:spcPct val="90000"/>
+                </a:lnSpc>
+                <a:spcBef>
+                  <a:spcPts val="0"/>
+                </a:spcBef>
+                <a:spcAft>
+                  <a:spcPts val="0"/>
+                </a:spcAft>
+                <a:buClr>
+                  <a:schemeClr val="lt1"/>
+                </a:buClr>
+                <a:buSzPts val="4000"/>
+                <a:buFont typeface="Noto Sans Hebrew"/>
+                <a:buNone/>
+              </a:pPr>
+              <a:endParaRPr sz="1100" b="1" i="0" u="none" strike="noStrike" cap="none" dirty="0">
+                <a:solidFill>
+                  <a:srgbClr val="00DBE9"/>
+                </a:solidFill>
+                <a:latin typeface="Lexend Light" pitchFamily="2" charset="0"/>
+                <a:ea typeface="Lexend"/>
+                <a:cs typeface="Lexend"/>
+                <a:sym typeface="Lexend"/>
+              </a:endParaRPr>
+            </a:p>
+          </p:txBody>
+        </p:sp>
+        <p:grpSp>
+          <p:nvGrpSpPr>
+            <p:cNvPr id="28" name="Group 27">
+              <a:extLst>
+                <a:ext uri="{FF2B5EF4-FFF2-40B4-BE49-F238E27FC236}">
+                  <a16:creationId xmlns:a16="http://schemas.microsoft.com/office/drawing/2014/main" id="{60FDA890-33F8-40FC-59E2-9BD7B4CF4B60}"/>
+                </a:ext>
+              </a:extLst>
+            </p:cNvPr>
+            <p:cNvGrpSpPr/>
+            <p:nvPr/>
+          </p:nvGrpSpPr>
+          <p:grpSpPr>
+            <a:xfrm>
+              <a:off x="5196988" y="6503312"/>
+              <a:ext cx="1188416" cy="232818"/>
+              <a:chOff x="5196988" y="6503312"/>
+              <a:chExt cx="1188416" cy="232818"/>
+            </a:xfrm>
+          </p:grpSpPr>
+          <p:pic>
+            <p:nvPicPr>
+              <p:cNvPr id="29" name="Picture 28" descr="Icon&#10;&#10;Description automatically generated">
+                <a:hlinkClick r:id="rId4"/>
+                <a:extLst>
+                  <a:ext uri="{FF2B5EF4-FFF2-40B4-BE49-F238E27FC236}">
+                    <a16:creationId xmlns:a16="http://schemas.microsoft.com/office/drawing/2014/main" id="{64501E28-0CD7-BEAB-240F-3FE7691367B8}"/>
+                  </a:ext>
+                </a:extLst>
+              </p:cNvPr>
+              <p:cNvPicPr>
+                <a:picLocks noChangeAspect="1"/>
+              </p:cNvPicPr>
+              <p:nvPr/>
+            </p:nvPicPr>
+            <p:blipFill>
+              <a:blip r:embed="rId5"/>
+              <a:stretch>
+                <a:fillRect/>
+              </a:stretch>
+            </p:blipFill>
+            <p:spPr>
+              <a:xfrm>
+                <a:off x="5407162" y="6503312"/>
+                <a:ext cx="338919" cy="232817"/>
+              </a:xfrm>
+              <a:prstGeom prst="rect">
+                <a:avLst/>
+              </a:prstGeom>
+            </p:spPr>
+          </p:pic>
+          <p:pic>
+            <p:nvPicPr>
+              <p:cNvPr id="30" name="Picture 29" descr="Logo, icon&#10;&#10;Description automatically generated">
+                <a:hlinkClick r:id="rId6"/>
+                <a:extLst>
+                  <a:ext uri="{FF2B5EF4-FFF2-40B4-BE49-F238E27FC236}">
+                    <a16:creationId xmlns:a16="http://schemas.microsoft.com/office/drawing/2014/main" id="{4D899894-16A2-81DC-1AC3-0E3C481677CD}"/>
+                  </a:ext>
+                </a:extLst>
+              </p:cNvPr>
+              <p:cNvPicPr>
+                <a:picLocks noChangeAspect="1"/>
+              </p:cNvPicPr>
+              <p:nvPr/>
+            </p:nvPicPr>
+            <p:blipFill>
+              <a:blip r:embed="rId7"/>
+              <a:stretch>
+                <a:fillRect/>
+              </a:stretch>
+            </p:blipFill>
+            <p:spPr>
+              <a:xfrm>
+                <a:off x="5837917" y="6503313"/>
+                <a:ext cx="338919" cy="232817"/>
+              </a:xfrm>
+              <a:prstGeom prst="rect">
+                <a:avLst/>
+              </a:prstGeom>
+            </p:spPr>
+          </p:pic>
+          <p:pic>
+            <p:nvPicPr>
+              <p:cNvPr id="31" name="Picture 30" descr="Logo&#10;&#10;Description automatically generated">
+                <a:hlinkClick r:id="rId8"/>
+                <a:extLst>
+                  <a:ext uri="{FF2B5EF4-FFF2-40B4-BE49-F238E27FC236}">
+                    <a16:creationId xmlns:a16="http://schemas.microsoft.com/office/drawing/2014/main" id="{6DECAAD2-14ED-D62E-83E5-01D62FD73E58}"/>
+                  </a:ext>
+                </a:extLst>
+              </p:cNvPr>
+              <p:cNvPicPr>
+                <a:picLocks noChangeAspect="1"/>
+              </p:cNvPicPr>
+              <p:nvPr/>
+            </p:nvPicPr>
+            <p:blipFill>
+              <a:blip r:embed="rId9"/>
+              <a:stretch>
+                <a:fillRect/>
+              </a:stretch>
+            </p:blipFill>
+            <p:spPr>
+              <a:xfrm>
+                <a:off x="6046485" y="6503313"/>
+                <a:ext cx="338919" cy="232817"/>
+              </a:xfrm>
+              <a:prstGeom prst="rect">
+                <a:avLst/>
+              </a:prstGeom>
+            </p:spPr>
+          </p:pic>
+          <p:pic>
+            <p:nvPicPr>
+              <p:cNvPr id="32" name="Picture 31" descr="Icon&#10;&#10;Description automatically generated">
+                <a:hlinkClick r:id="rId10"/>
+                <a:extLst>
+                  <a:ext uri="{FF2B5EF4-FFF2-40B4-BE49-F238E27FC236}">
+                    <a16:creationId xmlns:a16="http://schemas.microsoft.com/office/drawing/2014/main" id="{DC102836-817A-8573-C7AB-C2724E6E5F1C}"/>
+                  </a:ext>
+                </a:extLst>
+              </p:cNvPr>
+              <p:cNvPicPr>
+                <a:picLocks noChangeAspect="1"/>
+              </p:cNvPicPr>
+              <p:nvPr/>
+            </p:nvPicPr>
+            <p:blipFill>
+              <a:blip r:embed="rId11"/>
+              <a:stretch>
+                <a:fillRect/>
+              </a:stretch>
+            </p:blipFill>
+            <p:spPr>
+              <a:xfrm>
+                <a:off x="5196988" y="6503312"/>
+                <a:ext cx="338919" cy="232817"/>
+              </a:xfrm>
+              <a:prstGeom prst="rect">
+                <a:avLst/>
+              </a:prstGeom>
+            </p:spPr>
+          </p:pic>
+          <p:pic>
+            <p:nvPicPr>
+              <p:cNvPr id="33" name="Picture 32" descr="Icon&#10;&#10;Description automatically generated">
+                <a:hlinkClick r:id="rId12"/>
+                <a:extLst>
+                  <a:ext uri="{FF2B5EF4-FFF2-40B4-BE49-F238E27FC236}">
+                    <a16:creationId xmlns:a16="http://schemas.microsoft.com/office/drawing/2014/main" id="{F46B6109-4740-9E76-5C84-B96F79785CAF}"/>
+                  </a:ext>
+                </a:extLst>
+              </p:cNvPr>
+              <p:cNvPicPr>
+                <a:picLocks noChangeAspect="1"/>
+              </p:cNvPicPr>
+              <p:nvPr/>
+            </p:nvPicPr>
+            <p:blipFill>
+              <a:blip r:embed="rId13"/>
+              <a:stretch>
+                <a:fillRect/>
+              </a:stretch>
+            </p:blipFill>
+            <p:spPr>
+              <a:xfrm>
+                <a:off x="5626137" y="6503312"/>
+                <a:ext cx="338919" cy="232817"/>
+              </a:xfrm>
+              <a:prstGeom prst="rect">
+                <a:avLst/>
+              </a:prstGeom>
+            </p:spPr>
+          </p:pic>
+        </p:grpSp>
+      </p:grpSp>
     </p:spTree>
-    <p:extLst>
-      <p:ext uri="{BB962C8B-B14F-4D97-AF65-F5344CB8AC3E}">
-        <p14:creationId xmlns:p14="http://schemas.microsoft.com/office/powerpoint/2010/main" val="2309174585"/>
-      </p:ext>
-    </p:extLst>
   </p:cSld>
   <p:clrMapOvr>
     <a:masterClrMapping/>
   </p:clrMapOvr>
+  <mc:AlternateContent xmlns:mc="http://schemas.openxmlformats.org/markup-compatibility/2006" xmlns:p14="http://schemas.microsoft.com/office/powerpoint/2010/main">
+    <mc:Choice Requires="p14">
+      <p:transition spd="slow" p14:dur="2000" advTm="2283"/>
+    </mc:Choice>
+    <mc:Fallback xmlns="">
+      <p:transition spd="slow" advTm="2283"/>
+    </mc:Fallback>
+  </mc:AlternateContent>
 </p:sld>
 </file>
 
@@ -10511,10 +10830,14 @@
           <a:lstStyle/>
           <a:p>
             <a:r>
-              <a:rPr lang="en-US" dirty="0"/>
+              <a:rPr lang="en-US" b="1" dirty="0">
+                <a:latin typeface="Lexend Light"/>
+              </a:rPr>
               <a:t>RE search – cont'd</a:t>
             </a:r>
-            <a:endParaRPr lang="he-IL" dirty="0"/>
+            <a:endParaRPr lang="he-IL" b="1" dirty="0">
+              <a:latin typeface="Lexend Light"/>
+            </a:endParaRPr>
           </a:p>
         </p:txBody>
       </p:sp>
@@ -11258,10 +11581,14 @@
           <a:lstStyle/>
           <a:p>
             <a:r>
-              <a:rPr lang="en-US" dirty="0"/>
+              <a:rPr lang="en-US" b="1" dirty="0">
+                <a:latin typeface="Lexend Light"/>
+              </a:rPr>
               <a:t>RE search – cont'd</a:t>
             </a:r>
-            <a:endParaRPr lang="he-IL" dirty="0"/>
+            <a:endParaRPr lang="he-IL" b="1" dirty="0">
+              <a:latin typeface="Lexend Light"/>
+            </a:endParaRPr>
           </a:p>
         </p:txBody>
       </p:sp>
@@ -12573,10 +12900,20 @@
           <a:lstStyle/>
           <a:p>
             <a:r>
-              <a:rPr lang="en-US" dirty="0"/>
+              <a:rPr lang="en-US" b="1" dirty="0">
+                <a:solidFill>
+                  <a:srgbClr val="0071F6"/>
+                </a:solidFill>
+                <a:latin typeface="Lexend" panose="020B0604020202020204"/>
+              </a:rPr>
               <a:t>RE sub</a:t>
             </a:r>
-            <a:endParaRPr lang="he-IL" dirty="0"/>
+            <a:endParaRPr lang="he-IL" b="1" dirty="0">
+              <a:solidFill>
+                <a:srgbClr val="0071F6"/>
+              </a:solidFill>
+              <a:latin typeface="Lexend" panose="020B0604020202020204"/>
+            </a:endParaRPr>
           </a:p>
         </p:txBody>
       </p:sp>
@@ -12613,11 +12950,15 @@
               <a:buChar char="•"/>
             </a:pPr>
             <a:r>
-              <a:rPr lang="en-US" sz="3200" b="1" dirty="0" err="1"/>
+              <a:rPr lang="en-US" sz="3200" b="1" dirty="0" err="1">
+                <a:latin typeface="Lexend Light"/>
+              </a:rPr>
               <a:t>re.sub</a:t>
             </a:r>
             <a:r>
-              <a:rPr lang="en-US" sz="3200" dirty="0"/>
+              <a:rPr lang="en-US" sz="3200" dirty="0">
+                <a:latin typeface="Lexend Light"/>
+              </a:rPr>
               <a:t> – replaces all (or max) occurrences of the pattern in string. This method would return modified string</a:t>
             </a:r>
           </a:p>
@@ -12626,7 +12967,9 @@
               <a:buFont typeface="Arial" panose="020B0604020202020204" pitchFamily="34" charset="0"/>
               <a:buChar char="•"/>
             </a:pPr>
-            <a:endParaRPr lang="en-US" sz="3200" dirty="0"/>
+            <a:endParaRPr lang="en-US" sz="3200" dirty="0">
+              <a:latin typeface="Lexend Light"/>
+            </a:endParaRPr>
           </a:p>
           <a:p>
             <a:pPr marL="285750" indent="-285750">
@@ -12634,88 +12977,126 @@
               <a:buChar char="•"/>
             </a:pPr>
             <a:r>
-              <a:rPr lang="en-US" sz="3200" b="1" dirty="0" err="1"/>
+              <a:rPr lang="en-US" sz="3200" b="1" dirty="0" err="1">
+                <a:latin typeface="Lexend Light"/>
+              </a:rPr>
               <a:t>re.sub</a:t>
             </a:r>
             <a:r>
-              <a:rPr lang="en-US" sz="3200" b="1" dirty="0"/>
+              <a:rPr lang="en-US" sz="3200" b="1" dirty="0">
+                <a:latin typeface="Lexend Light"/>
+              </a:rPr>
               <a:t>(pattern, </a:t>
             </a:r>
             <a:r>
-              <a:rPr lang="en-US" sz="3200" b="1" dirty="0" err="1"/>
+              <a:rPr lang="en-US" sz="3200" b="1" dirty="0" err="1">
+                <a:latin typeface="Lexend Light"/>
+              </a:rPr>
               <a:t>repl</a:t>
             </a:r>
             <a:r>
-              <a:rPr lang="en-US" sz="3200" b="1" dirty="0"/>
+              <a:rPr lang="en-US" sz="3200" b="1" dirty="0">
+                <a:latin typeface="Lexend Light"/>
+              </a:rPr>
               <a:t>, string, max=0)</a:t>
             </a:r>
           </a:p>
           <a:p>
             <a:r>
-              <a:rPr lang="en-US" sz="3200" dirty="0"/>
+              <a:rPr lang="en-US" sz="3200" dirty="0">
+                <a:latin typeface="Lexend Light"/>
+              </a:rPr>
               <a:t>	</a:t>
             </a:r>
             <a:r>
-              <a:rPr lang="en-US" sz="3200" b="1" dirty="0"/>
+              <a:rPr lang="en-US" sz="3200" b="1" dirty="0">
+                <a:latin typeface="Lexend Light"/>
+              </a:rPr>
               <a:t>pattern</a:t>
             </a:r>
             <a:r>
-              <a:rPr lang="en-US" sz="3200" dirty="0"/>
+              <a:rPr lang="en-US" sz="3200" dirty="0">
+                <a:latin typeface="Lexend Light"/>
+              </a:rPr>
               <a:t> – regular expression</a:t>
             </a:r>
           </a:p>
           <a:p>
             <a:r>
-              <a:rPr lang="en-US" sz="3200" dirty="0"/>
+              <a:rPr lang="en-US" sz="3200" dirty="0">
+                <a:latin typeface="Lexend Light"/>
+              </a:rPr>
               <a:t>	</a:t>
             </a:r>
             <a:r>
-              <a:rPr lang="en-US" sz="3200" b="1" dirty="0" err="1"/>
+              <a:rPr lang="en-US" sz="3200" b="1" dirty="0" err="1">
+                <a:latin typeface="Lexend Light"/>
+              </a:rPr>
               <a:t>repl</a:t>
             </a:r>
             <a:r>
-              <a:rPr lang="en-US" sz="3200" dirty="0"/>
+              <a:rPr lang="en-US" sz="3200" dirty="0">
+                <a:latin typeface="Lexend Light"/>
+              </a:rPr>
               <a:t> – replacement string</a:t>
             </a:r>
           </a:p>
           <a:p>
             <a:r>
-              <a:rPr lang="en-US" sz="3200" dirty="0"/>
+              <a:rPr lang="en-US" sz="3200" dirty="0">
+                <a:latin typeface="Lexend Light"/>
+              </a:rPr>
               <a:t>	</a:t>
             </a:r>
             <a:r>
-              <a:rPr lang="en-US" sz="3200" b="1" dirty="0"/>
+              <a:rPr lang="en-US" sz="3200" b="1" dirty="0">
+                <a:latin typeface="Lexend Light"/>
+              </a:rPr>
               <a:t>string</a:t>
             </a:r>
             <a:r>
-              <a:rPr lang="en-US" sz="3200" dirty="0"/>
+              <a:rPr lang="en-US" sz="3200" dirty="0">
+                <a:latin typeface="Lexend Light"/>
+              </a:rPr>
               <a:t> – string to look </a:t>
             </a:r>
             <a:r>
-              <a:rPr lang="en-US" sz="3200" i="1" dirty="0"/>
+              <a:rPr lang="en-US" sz="3200" i="1" dirty="0">
+                <a:latin typeface="Lexend Light"/>
+              </a:rPr>
               <a:t>pattern</a:t>
             </a:r>
             <a:r>
-              <a:rPr lang="en-US" sz="3200" dirty="0"/>
+              <a:rPr lang="en-US" sz="3200" dirty="0">
+                <a:latin typeface="Lexend Light"/>
+              </a:rPr>
               <a:t> into</a:t>
             </a:r>
           </a:p>
           <a:p>
             <a:r>
-              <a:rPr lang="en-US" sz="3200" dirty="0"/>
+              <a:rPr lang="en-US" sz="3200" dirty="0">
+                <a:latin typeface="Lexend Light"/>
+              </a:rPr>
               <a:t>	</a:t>
             </a:r>
             <a:r>
-              <a:rPr lang="en-US" sz="3200" b="1" dirty="0"/>
+              <a:rPr lang="en-US" sz="3200" b="1" dirty="0">
+                <a:latin typeface="Lexend Light"/>
+              </a:rPr>
               <a:t>max</a:t>
             </a:r>
             <a:r>
-              <a:rPr lang="en-US" sz="3200" dirty="0"/>
+              <a:rPr lang="en-US" sz="3200" dirty="0">
+                <a:latin typeface="Lexend Light"/>
+              </a:rPr>
               <a:t> – maximum replacements</a:t>
             </a:r>
           </a:p>
           <a:p>
-            <a:endParaRPr lang="en-US" dirty="0"/>
+            <a:endParaRPr lang="en-US" dirty="0">
+              <a:latin typeface="Lexend Light"/>
+            </a:endParaRPr>
           </a:p>
         </p:txBody>
       </p:sp>
@@ -12767,10 +13148,14 @@
           <a:lstStyle/>
           <a:p>
             <a:r>
-              <a:rPr lang="en-US" dirty="0"/>
+              <a:rPr lang="en-US" b="1" dirty="0">
+                <a:latin typeface="Lexend Light"/>
+              </a:rPr>
               <a:t>RE sub</a:t>
             </a:r>
-            <a:endParaRPr lang="he-IL" dirty="0"/>
+            <a:endParaRPr lang="he-IL" b="1" dirty="0">
+              <a:latin typeface="Lexend Light"/>
+            </a:endParaRPr>
           </a:p>
         </p:txBody>
       </p:sp>
@@ -12822,10 +13207,20 @@
           <a:lstStyle/>
           <a:p>
             <a:r>
-              <a:rPr lang="en-US" dirty="0"/>
+              <a:rPr lang="en-US" b="1" dirty="0">
+                <a:solidFill>
+                  <a:srgbClr val="0071F6"/>
+                </a:solidFill>
+                <a:latin typeface="Lexend" panose="020B0604020202020204"/>
+              </a:rPr>
               <a:t>RE sub – cont’d</a:t>
             </a:r>
-            <a:endParaRPr lang="he-IL" dirty="0"/>
+            <a:endParaRPr lang="he-IL" b="1" dirty="0">
+              <a:solidFill>
+                <a:srgbClr val="0071F6"/>
+              </a:solidFill>
+              <a:latin typeface="Lexend" panose="020B0604020202020204"/>
+            </a:endParaRPr>
           </a:p>
         </p:txBody>
       </p:sp>
@@ -13605,10 +14000,20 @@
           <a:lstStyle/>
           <a:p>
             <a:r>
-              <a:rPr lang="en-US" dirty="0"/>
+              <a:rPr lang="en-US" b="1" dirty="0">
+                <a:solidFill>
+                  <a:srgbClr val="0071F6"/>
+                </a:solidFill>
+                <a:latin typeface="Lexend" panose="020B0604020202020204"/>
+              </a:rPr>
               <a:t>RE split</a:t>
             </a:r>
-            <a:endParaRPr lang="he-IL" dirty="0"/>
+            <a:endParaRPr lang="he-IL" b="1" dirty="0">
+              <a:solidFill>
+                <a:srgbClr val="0071F6"/>
+              </a:solidFill>
+              <a:latin typeface="Lexend" panose="020B0604020202020204"/>
+            </a:endParaRPr>
           </a:p>
         </p:txBody>
       </p:sp>
@@ -13645,15 +14050,21 @@
               <a:buChar char="•"/>
             </a:pPr>
             <a:r>
-              <a:rPr lang="en-US" sz="2400" b="1" dirty="0" err="1"/>
+              <a:rPr lang="en-US" sz="2400" b="1" dirty="0" err="1">
+                <a:latin typeface="Lexend Light"/>
+              </a:rPr>
               <a:t>re.split</a:t>
             </a:r>
             <a:r>
-              <a:rPr lang="en-US" sz="2400" b="1" dirty="0"/>
+              <a:rPr lang="en-US" sz="2400" b="1" dirty="0">
+                <a:latin typeface="Lexend Light"/>
+              </a:rPr>
               <a:t> </a:t>
             </a:r>
             <a:r>
-              <a:rPr lang="en-US" sz="2400" dirty="0"/>
+              <a:rPr lang="en-US" sz="2400" dirty="0">
+                <a:latin typeface="Lexend Light"/>
+              </a:rPr>
               <a:t>- Split string by the occurrences of pattern</a:t>
             </a:r>
           </a:p>
@@ -13662,7 +14073,9 @@
               <a:buFont typeface="Arial" panose="020B0604020202020204" pitchFamily="34" charset="0"/>
               <a:buChar char="•"/>
             </a:pPr>
-            <a:endParaRPr lang="en-US" sz="2400" dirty="0"/>
+            <a:endParaRPr lang="en-US" sz="2400" dirty="0">
+              <a:latin typeface="Lexend Light"/>
+            </a:endParaRPr>
           </a:p>
           <a:p>
             <a:pPr marL="285750" indent="-285750">
@@ -13670,88 +14083,126 @@
               <a:buChar char="•"/>
             </a:pPr>
             <a:r>
-              <a:rPr lang="en-US" sz="2400" b="1" dirty="0" err="1"/>
+              <a:rPr lang="en-US" sz="2400" b="1" dirty="0" err="1">
+                <a:latin typeface="Lexend Light"/>
+              </a:rPr>
               <a:t>re.split</a:t>
             </a:r>
             <a:r>
-              <a:rPr lang="en-US" sz="2400" b="1" dirty="0"/>
+              <a:rPr lang="en-US" sz="2400" b="1" dirty="0">
+                <a:latin typeface="Lexend Light"/>
+              </a:rPr>
               <a:t>(pattern, string, </a:t>
             </a:r>
             <a:r>
-              <a:rPr lang="en-US" sz="2400" b="1" dirty="0" err="1"/>
+              <a:rPr lang="en-US" sz="2400" b="1" dirty="0" err="1">
+                <a:latin typeface="Lexend Light"/>
+              </a:rPr>
               <a:t>maxsplit</a:t>
             </a:r>
             <a:r>
-              <a:rPr lang="en-US" sz="2400" b="1" dirty="0"/>
+              <a:rPr lang="en-US" sz="2400" b="1" dirty="0">
+                <a:latin typeface="Lexend Light"/>
+              </a:rPr>
               <a:t>=0, flags=0)</a:t>
             </a:r>
           </a:p>
           <a:p>
             <a:r>
-              <a:rPr lang="en-US" sz="2400" dirty="0"/>
+              <a:rPr lang="en-US" sz="2400" dirty="0">
+                <a:latin typeface="Lexend Light"/>
+              </a:rPr>
               <a:t>	</a:t>
             </a:r>
             <a:r>
-              <a:rPr lang="en-US" sz="2400" b="1" dirty="0"/>
+              <a:rPr lang="en-US" sz="2400" b="1" dirty="0">
+                <a:latin typeface="Lexend Light"/>
+              </a:rPr>
               <a:t>pattern</a:t>
             </a:r>
             <a:r>
-              <a:rPr lang="en-US" sz="2400" dirty="0"/>
+              <a:rPr lang="en-US" sz="2400" dirty="0">
+                <a:latin typeface="Lexend Light"/>
+              </a:rPr>
               <a:t> – regular expression</a:t>
             </a:r>
           </a:p>
           <a:p>
             <a:r>
-              <a:rPr lang="en-US" sz="2400" dirty="0"/>
+              <a:rPr lang="en-US" sz="2400" dirty="0">
+                <a:latin typeface="Lexend Light"/>
+              </a:rPr>
               <a:t>	</a:t>
             </a:r>
             <a:r>
-              <a:rPr lang="en-US" sz="2400" b="1" dirty="0"/>
+              <a:rPr lang="en-US" sz="2400" b="1" dirty="0">
+                <a:latin typeface="Lexend Light"/>
+              </a:rPr>
               <a:t>string</a:t>
             </a:r>
             <a:r>
-              <a:rPr lang="en-US" sz="2400" dirty="0"/>
+              <a:rPr lang="en-US" sz="2400" dirty="0">
+                <a:latin typeface="Lexend Light"/>
+              </a:rPr>
               <a:t> – string to look </a:t>
             </a:r>
             <a:r>
-              <a:rPr lang="en-US" sz="2400" i="1" dirty="0"/>
+              <a:rPr lang="en-US" sz="2400" i="1" dirty="0">
+                <a:latin typeface="Lexend Light"/>
+              </a:rPr>
               <a:t>pattern</a:t>
             </a:r>
             <a:r>
-              <a:rPr lang="en-US" sz="2400" dirty="0"/>
+              <a:rPr lang="en-US" sz="2400" dirty="0">
+                <a:latin typeface="Lexend Light"/>
+              </a:rPr>
               <a:t> into</a:t>
             </a:r>
           </a:p>
           <a:p>
             <a:r>
-              <a:rPr lang="en-US" sz="2400" dirty="0"/>
+              <a:rPr lang="en-US" sz="2400" dirty="0">
+                <a:latin typeface="Lexend Light"/>
+              </a:rPr>
               <a:t>	</a:t>
             </a:r>
             <a:r>
-              <a:rPr lang="en-US" sz="2400" b="1" dirty="0" err="1"/>
+              <a:rPr lang="en-US" sz="2400" b="1" dirty="0" err="1">
+                <a:latin typeface="Lexend Light"/>
+              </a:rPr>
               <a:t>maxsplit</a:t>
             </a:r>
             <a:r>
-              <a:rPr lang="en-US" sz="2400" dirty="0"/>
+              <a:rPr lang="en-US" sz="2400" dirty="0">
+                <a:latin typeface="Lexend Light"/>
+              </a:rPr>
               <a:t> – maximum splits</a:t>
             </a:r>
           </a:p>
           <a:p>
             <a:r>
-              <a:rPr lang="en-US" sz="2400" dirty="0"/>
+              <a:rPr lang="en-US" sz="2400" dirty="0">
+                <a:latin typeface="Lexend Light"/>
+              </a:rPr>
               <a:t>	</a:t>
             </a:r>
             <a:r>
-              <a:rPr lang="en-US" sz="2400" b="1" dirty="0"/>
+              <a:rPr lang="en-US" sz="2400" b="1" dirty="0">
+                <a:latin typeface="Lexend Light"/>
+              </a:rPr>
               <a:t>flags</a:t>
             </a:r>
             <a:r>
-              <a:rPr lang="en-US" sz="2400" dirty="0"/>
+              <a:rPr lang="en-US" sz="2400" dirty="0">
+                <a:latin typeface="Lexend Light"/>
+              </a:rPr>
               <a:t> – possible flags</a:t>
             </a:r>
           </a:p>
           <a:p>
-            <a:endParaRPr lang="en-US" dirty="0"/>
+            <a:endParaRPr lang="en-US" dirty="0">
+              <a:latin typeface="Lexend Light"/>
+            </a:endParaRPr>
           </a:p>
         </p:txBody>
       </p:sp>
@@ -13803,10 +14254,14 @@
           <a:lstStyle/>
           <a:p>
             <a:r>
-              <a:rPr lang="en-US" dirty="0"/>
+              <a:rPr lang="en-US" b="1" dirty="0">
+                <a:latin typeface="Lexend Light"/>
+              </a:rPr>
               <a:t>RE split</a:t>
             </a:r>
-            <a:endParaRPr lang="he-IL" dirty="0"/>
+            <a:endParaRPr lang="he-IL" b="1" dirty="0">
+              <a:latin typeface="Lexend Light"/>
+            </a:endParaRPr>
           </a:p>
         </p:txBody>
       </p:sp>
@@ -13858,10 +14313,20 @@
           <a:lstStyle/>
           <a:p>
             <a:r>
-              <a:rPr lang="en-US" dirty="0"/>
+              <a:rPr lang="en-US" b="1" dirty="0">
+                <a:solidFill>
+                  <a:srgbClr val="0071F6"/>
+                </a:solidFill>
+                <a:latin typeface="Lexend Light"/>
+              </a:rPr>
               <a:t>RE split – cont'd</a:t>
             </a:r>
-            <a:endParaRPr lang="he-IL" dirty="0"/>
+            <a:endParaRPr lang="he-IL" b="1" dirty="0">
+              <a:solidFill>
+                <a:srgbClr val="0071F6"/>
+              </a:solidFill>
+              <a:latin typeface="Lexend Light"/>
+            </a:endParaRPr>
           </a:p>
         </p:txBody>
       </p:sp>
@@ -13896,62 +14361,82 @@
             <a:pPr marL="457200" lvl="1" indent="0">
               <a:buNone/>
             </a:pPr>
-            <a:endParaRPr lang="en-US" dirty="0"/>
+            <a:endParaRPr lang="en-US" dirty="0">
+              <a:latin typeface="Lexend Light"/>
+            </a:endParaRPr>
           </a:p>
           <a:p>
             <a:pPr marL="457200" lvl="1" indent="0">
               <a:buNone/>
             </a:pPr>
-            <a:endParaRPr lang="en-US" dirty="0"/>
+            <a:endParaRPr lang="en-US" dirty="0">
+              <a:latin typeface="Lexend Light"/>
+            </a:endParaRPr>
           </a:p>
           <a:p>
             <a:pPr marL="457200" lvl="1" indent="0">
               <a:buNone/>
             </a:pPr>
-            <a:endParaRPr lang="en-US" dirty="0"/>
+            <a:endParaRPr lang="en-US" dirty="0">
+              <a:latin typeface="Lexend Light"/>
+            </a:endParaRPr>
           </a:p>
           <a:p>
             <a:pPr marL="457200" lvl="1" indent="0">
               <a:buNone/>
             </a:pPr>
-            <a:endParaRPr lang="en-US" dirty="0"/>
+            <a:endParaRPr lang="en-US" dirty="0">
+              <a:latin typeface="Lexend Light"/>
+            </a:endParaRPr>
           </a:p>
           <a:p>
             <a:pPr marL="457200" lvl="1" indent="0">
               <a:buNone/>
             </a:pPr>
-            <a:endParaRPr lang="en-US" dirty="0"/>
+            <a:endParaRPr lang="en-US" dirty="0">
+              <a:latin typeface="Lexend Light"/>
+            </a:endParaRPr>
           </a:p>
           <a:p>
             <a:pPr marL="457200" lvl="1" indent="0">
               <a:buNone/>
             </a:pPr>
-            <a:endParaRPr lang="en-US" dirty="0"/>
+            <a:endParaRPr lang="en-US" dirty="0">
+              <a:latin typeface="Lexend Light"/>
+            </a:endParaRPr>
           </a:p>
           <a:p>
             <a:pPr marL="457200" lvl="1" indent="0">
               <a:buNone/>
             </a:pPr>
-            <a:endParaRPr lang="en-US" dirty="0"/>
+            <a:endParaRPr lang="en-US" dirty="0">
+              <a:latin typeface="Lexend Light"/>
+            </a:endParaRPr>
           </a:p>
           <a:p>
             <a:pPr marL="457200" lvl="1" indent="0">
               <a:buNone/>
             </a:pPr>
-            <a:endParaRPr lang="en-US" dirty="0"/>
+            <a:endParaRPr lang="en-US" dirty="0">
+              <a:latin typeface="Lexend Light"/>
+            </a:endParaRPr>
           </a:p>
           <a:p>
             <a:pPr marL="457200" lvl="1" indent="0">
               <a:buNone/>
             </a:pPr>
-            <a:endParaRPr lang="en-US" dirty="0"/>
+            <a:endParaRPr lang="en-US" dirty="0">
+              <a:latin typeface="Lexend Light"/>
+            </a:endParaRPr>
           </a:p>
           <a:p>
             <a:pPr marL="0" indent="0">
               <a:buNone/>
             </a:pPr>
             <a:r>
-              <a:rPr lang="en-US" b="1" dirty="0"/>
+              <a:rPr lang="en-US" b="1" dirty="0">
+                <a:latin typeface="Lexend Light"/>
+              </a:rPr>
               <a:t>The Output:</a:t>
             </a:r>
           </a:p>
@@ -13960,7 +14445,9 @@
               <a:buNone/>
             </a:pPr>
             <a:r>
-              <a:rPr lang="en-US" dirty="0"/>
+              <a:rPr lang="en-US" dirty="0">
+                <a:latin typeface="Lexend Light"/>
+              </a:rPr>
               <a:t>one</a:t>
             </a:r>
           </a:p>
@@ -13969,7 +14456,9 @@
               <a:buNone/>
             </a:pPr>
             <a:r>
-              <a:rPr lang="en-US" dirty="0"/>
+              <a:rPr lang="en-US" dirty="0">
+                <a:latin typeface="Lexend Light"/>
+              </a:rPr>
               <a:t>is</a:t>
             </a:r>
           </a:p>
@@ -13978,7 +14467,9 @@
               <a:buNone/>
             </a:pPr>
             <a:r>
-              <a:rPr lang="en-US" dirty="0"/>
+              <a:rPr lang="en-US" dirty="0">
+                <a:latin typeface="Lexend Light"/>
+              </a:rPr>
               <a:t>1</a:t>
             </a:r>
           </a:p>
@@ -13987,7 +14478,9 @@
               <a:buNone/>
             </a:pPr>
             <a:r>
-              <a:rPr lang="en-US" dirty="0"/>
+              <a:rPr lang="en-US" dirty="0">
+                <a:latin typeface="Lexend Light"/>
+              </a:rPr>
               <a:t>two</a:t>
             </a:r>
           </a:p>
@@ -13996,7 +14489,9 @@
               <a:buNone/>
             </a:pPr>
             <a:r>
-              <a:rPr lang="en-US" dirty="0"/>
+              <a:rPr lang="en-US" dirty="0">
+                <a:latin typeface="Lexend Light"/>
+              </a:rPr>
               <a:t>is</a:t>
             </a:r>
           </a:p>
@@ -14005,10 +14500,14 @@
               <a:buNone/>
             </a:pPr>
             <a:r>
-              <a:rPr lang="en-US" dirty="0"/>
+              <a:rPr lang="en-US" dirty="0">
+                <a:latin typeface="Lexend Light"/>
+              </a:rPr>
               <a:t>2</a:t>
             </a:r>
-            <a:endParaRPr lang="he-IL" dirty="0"/>
+            <a:endParaRPr lang="he-IL" dirty="0">
+              <a:latin typeface="Lexend Light"/>
+            </a:endParaRPr>
           </a:p>
         </p:txBody>
       </p:sp>
@@ -14428,10 +14927,20 @@
           <a:lstStyle/>
           <a:p>
             <a:r>
-              <a:rPr lang="en-US" dirty="0"/>
+              <a:rPr lang="en-US" b="1" dirty="0">
+                <a:solidFill>
+                  <a:srgbClr val="0071F6"/>
+                </a:solidFill>
+                <a:latin typeface="Lexend" panose="020B0604020202020204"/>
+              </a:rPr>
               <a:t>RE split – cont'd</a:t>
             </a:r>
-            <a:endParaRPr lang="he-IL" dirty="0"/>
+            <a:endParaRPr lang="he-IL" b="1" dirty="0">
+              <a:solidFill>
+                <a:srgbClr val="0071F6"/>
+              </a:solidFill>
+              <a:latin typeface="Lexend" panose="020B0604020202020204"/>
+            </a:endParaRPr>
           </a:p>
         </p:txBody>
       </p:sp>
@@ -14466,50 +14975,66 @@
             <a:pPr marL="0" indent="0">
               <a:buNone/>
             </a:pPr>
-            <a:endParaRPr lang="en-US" sz="2400" dirty="0"/>
+            <a:endParaRPr lang="en-US" sz="2400" dirty="0">
+              <a:latin typeface="Lexend Light"/>
+            </a:endParaRPr>
           </a:p>
           <a:p>
             <a:pPr marL="457200" lvl="1" indent="0">
               <a:buNone/>
             </a:pPr>
-            <a:endParaRPr lang="en-US" sz="2400" dirty="0"/>
+            <a:endParaRPr lang="en-US" sz="2400" dirty="0">
+              <a:latin typeface="Lexend Light"/>
+            </a:endParaRPr>
           </a:p>
           <a:p>
             <a:pPr marL="457200" lvl="1" indent="0">
               <a:buNone/>
             </a:pPr>
-            <a:endParaRPr lang="en-US" sz="2400" dirty="0"/>
+            <a:endParaRPr lang="en-US" sz="2400" dirty="0">
+              <a:latin typeface="Lexend Light"/>
+            </a:endParaRPr>
           </a:p>
           <a:p>
             <a:pPr marL="457200" lvl="1" indent="0">
               <a:buNone/>
             </a:pPr>
-            <a:endParaRPr lang="en-US" sz="2400" dirty="0"/>
+            <a:endParaRPr lang="en-US" sz="2400" dirty="0">
+              <a:latin typeface="Lexend Light"/>
+            </a:endParaRPr>
           </a:p>
           <a:p>
             <a:pPr marL="457200" lvl="1" indent="0">
               <a:buNone/>
             </a:pPr>
-            <a:endParaRPr lang="en-US" sz="2400" dirty="0"/>
+            <a:endParaRPr lang="en-US" sz="2400" dirty="0">
+              <a:latin typeface="Lexend Light"/>
+            </a:endParaRPr>
           </a:p>
           <a:p>
             <a:pPr marL="457200" lvl="1" indent="0">
               <a:buNone/>
             </a:pPr>
-            <a:endParaRPr lang="en-US" sz="2400" dirty="0"/>
+            <a:endParaRPr lang="en-US" sz="2400" dirty="0">
+              <a:latin typeface="Lexend Light"/>
+            </a:endParaRPr>
           </a:p>
           <a:p>
             <a:pPr marL="457200" lvl="1" indent="0">
               <a:buNone/>
             </a:pPr>
-            <a:endParaRPr lang="en-US" sz="2400" dirty="0"/>
+            <a:endParaRPr lang="en-US" sz="2400" dirty="0">
+              <a:latin typeface="Lexend Light"/>
+            </a:endParaRPr>
           </a:p>
           <a:p>
             <a:pPr marL="0" indent="0">
               <a:buNone/>
             </a:pPr>
             <a:r>
-              <a:rPr lang="en-US" sz="2400" b="1" dirty="0"/>
+              <a:rPr lang="en-US" sz="2400" b="1" dirty="0">
+                <a:latin typeface="Lexend Light"/>
+              </a:rPr>
               <a:t>The Output:</a:t>
             </a:r>
           </a:p>
@@ -14518,7 +15043,9 @@
               <a:buNone/>
             </a:pPr>
             <a:r>
-              <a:rPr lang="en-US" sz="2400" dirty="0"/>
+              <a:rPr lang="en-US" sz="2400" dirty="0">
+                <a:latin typeface="Lexend Light"/>
+              </a:rPr>
               <a:t>1</a:t>
             </a:r>
           </a:p>
@@ -14527,7 +15054,9 @@
               <a:buNone/>
             </a:pPr>
             <a:r>
-              <a:rPr lang="en-US" sz="2400" dirty="0"/>
+              <a:rPr lang="en-US" sz="2400" dirty="0">
+                <a:latin typeface="Lexend Light"/>
+              </a:rPr>
               <a:t>22</a:t>
             </a:r>
           </a:p>
@@ -14536,7 +15065,9 @@
               <a:buNone/>
             </a:pPr>
             <a:r>
-              <a:rPr lang="en-US" sz="2400" dirty="0"/>
+              <a:rPr lang="en-US" sz="2400" dirty="0">
+                <a:latin typeface="Lexend Light"/>
+              </a:rPr>
               <a:t>3</a:t>
             </a:r>
           </a:p>
@@ -14920,14 +15451,29 @@
           <a:lstStyle/>
           <a:p>
             <a:r>
-              <a:rPr lang="en-US" dirty="0"/>
+              <a:rPr lang="en-US" b="1" dirty="0">
+                <a:solidFill>
+                  <a:srgbClr val="0071F6"/>
+                </a:solidFill>
+                <a:latin typeface="Lexend" panose="020B0604020202020204"/>
+              </a:rPr>
               <a:t>RE </a:t>
             </a:r>
             <a:r>
-              <a:rPr lang="en-US" dirty="0" err="1"/>
+              <a:rPr lang="en-US" b="1" dirty="0" err="1">
+                <a:solidFill>
+                  <a:srgbClr val="0071F6"/>
+                </a:solidFill>
+                <a:latin typeface="Lexend" panose="020B0604020202020204"/>
+              </a:rPr>
               <a:t>finditer</a:t>
             </a:r>
-            <a:endParaRPr lang="he-IL" dirty="0"/>
+            <a:endParaRPr lang="he-IL" b="1" dirty="0">
+              <a:solidFill>
+                <a:srgbClr val="0071F6"/>
+              </a:solidFill>
+              <a:latin typeface="Lexend" panose="020B0604020202020204"/>
+            </a:endParaRPr>
           </a:p>
         </p:txBody>
       </p:sp>
@@ -14964,28 +15510,40 @@
               <a:buChar char="•"/>
             </a:pPr>
             <a:r>
-              <a:rPr lang="en-US" sz="2400" b="1" dirty="0" err="1"/>
+              <a:rPr lang="en-US" sz="2400" b="1" dirty="0" err="1">
+                <a:latin typeface="Lexend Light"/>
+              </a:rPr>
               <a:t>re.finditer</a:t>
             </a:r>
             <a:r>
-              <a:rPr lang="en-US" sz="2400" dirty="0"/>
+              <a:rPr lang="en-US" sz="2400" dirty="0">
+                <a:latin typeface="Lexend Light"/>
+              </a:rPr>
               <a:t> - Return an </a:t>
             </a:r>
             <a:r>
-              <a:rPr lang="en-US" sz="2400" dirty="0" err="1"/>
+              <a:rPr lang="en-US" sz="2400" dirty="0" err="1">
+                <a:latin typeface="Lexend Light"/>
+              </a:rPr>
               <a:t>MatchObject</a:t>
             </a:r>
             <a:r>
-              <a:rPr lang="en-US" sz="2400" dirty="0"/>
+              <a:rPr lang="en-US" sz="2400" dirty="0">
+                <a:latin typeface="Lexend Light"/>
+              </a:rPr>
               <a:t> iterator for all matched patterns in string</a:t>
             </a:r>
-            <a:endParaRPr lang="he-IL" sz="2400" dirty="0"/>
+            <a:endParaRPr lang="he-IL" sz="2400" dirty="0">
+              <a:latin typeface="Lexend Light"/>
+            </a:endParaRPr>
           </a:p>
           <a:p>
             <a:pPr marL="0" indent="0">
               <a:buNone/>
             </a:pPr>
-            <a:endParaRPr lang="en-US" sz="2400" dirty="0"/>
+            <a:endParaRPr lang="en-US" sz="2400" dirty="0">
+              <a:latin typeface="Lexend Light"/>
+            </a:endParaRPr>
           </a:p>
           <a:p>
             <a:pPr marL="342900" indent="-342900">
@@ -14993,11 +15551,15 @@
               <a:buChar char="•"/>
             </a:pPr>
             <a:r>
-              <a:rPr lang="en-US" sz="2400" b="1" dirty="0" err="1"/>
+              <a:rPr lang="en-US" sz="2400" b="1" dirty="0" err="1">
+                <a:latin typeface="Lexend Light"/>
+              </a:rPr>
               <a:t>re.finditer</a:t>
             </a:r>
             <a:r>
-              <a:rPr lang="en-US" sz="2400" b="1" dirty="0"/>
+              <a:rPr lang="en-US" sz="2400" b="1" dirty="0">
+                <a:latin typeface="Lexend Light"/>
+              </a:rPr>
               <a:t>(pattern, string, flags=0)</a:t>
             </a:r>
           </a:p>
@@ -15006,15 +15568,21 @@
               <a:buNone/>
             </a:pPr>
             <a:r>
-              <a:rPr lang="en-US" sz="2400" dirty="0"/>
+              <a:rPr lang="en-US" sz="2400" dirty="0">
+                <a:latin typeface="Lexend Light"/>
+              </a:rPr>
               <a:t>	</a:t>
             </a:r>
             <a:r>
-              <a:rPr lang="en-US" sz="2400" b="1" dirty="0"/>
+              <a:rPr lang="en-US" sz="2400" b="1" dirty="0">
+                <a:latin typeface="Lexend Light"/>
+              </a:rPr>
               <a:t>pattern</a:t>
             </a:r>
             <a:r>
-              <a:rPr lang="en-US" sz="2400" dirty="0"/>
+              <a:rPr lang="en-US" sz="2400" dirty="0">
+                <a:latin typeface="Lexend Light"/>
+              </a:rPr>
               <a:t> – regular expression</a:t>
             </a:r>
           </a:p>
@@ -15023,23 +15591,33 @@
               <a:buNone/>
             </a:pPr>
             <a:r>
-              <a:rPr lang="en-US" sz="2400" dirty="0"/>
+              <a:rPr lang="en-US" sz="2400" dirty="0">
+                <a:latin typeface="Lexend Light"/>
+              </a:rPr>
               <a:t>	</a:t>
             </a:r>
             <a:r>
-              <a:rPr lang="en-US" sz="2400" b="1" dirty="0"/>
+              <a:rPr lang="en-US" sz="2400" b="1" dirty="0">
+                <a:latin typeface="Lexend Light"/>
+              </a:rPr>
               <a:t>string</a:t>
             </a:r>
             <a:r>
-              <a:rPr lang="en-US" sz="2400" dirty="0"/>
+              <a:rPr lang="en-US" sz="2400" dirty="0">
+                <a:latin typeface="Lexend Light"/>
+              </a:rPr>
               <a:t> – string to look </a:t>
             </a:r>
             <a:r>
-              <a:rPr lang="en-US" sz="2400" i="1" dirty="0"/>
+              <a:rPr lang="en-US" sz="2400" i="1" dirty="0">
+                <a:latin typeface="Lexend Light"/>
+              </a:rPr>
               <a:t>pattern</a:t>
             </a:r>
             <a:r>
-              <a:rPr lang="en-US" sz="2400" dirty="0"/>
+              <a:rPr lang="en-US" sz="2400" dirty="0">
+                <a:latin typeface="Lexend Light"/>
+              </a:rPr>
               <a:t> into</a:t>
             </a:r>
           </a:p>
@@ -15048,15 +15626,21 @@
               <a:buNone/>
             </a:pPr>
             <a:r>
-              <a:rPr lang="en-US" sz="2400" dirty="0"/>
+              <a:rPr lang="en-US" sz="2400" dirty="0">
+                <a:latin typeface="Lexend Light"/>
+              </a:rPr>
               <a:t>	</a:t>
             </a:r>
             <a:r>
-              <a:rPr lang="en-US" sz="2400" b="1" dirty="0"/>
+              <a:rPr lang="en-US" sz="2400" b="1" dirty="0">
+                <a:latin typeface="Lexend Light"/>
+              </a:rPr>
               <a:t>flags</a:t>
             </a:r>
             <a:r>
-              <a:rPr lang="en-US" sz="2400" dirty="0"/>
+              <a:rPr lang="en-US" sz="2400" dirty="0">
+                <a:latin typeface="Lexend Light"/>
+              </a:rPr>
               <a:t> – possible flags</a:t>
             </a:r>
           </a:p>
@@ -15115,7 +15699,9 @@
               </a:lnSpc>
             </a:pPr>
             <a:r>
-              <a:rPr lang="en-US" sz="2800" dirty="0"/>
+              <a:rPr lang="en-US" sz="2800" dirty="0">
+                <a:latin typeface="Lexend Light"/>
+              </a:rPr>
               <a:t>Concepts</a:t>
             </a:r>
           </a:p>
@@ -15126,7 +15712,9 @@
               </a:lnSpc>
             </a:pPr>
             <a:r>
-              <a:rPr lang="en-US" dirty="0"/>
+              <a:rPr lang="en-US" dirty="0">
+                <a:latin typeface="Lexend Light"/>
+              </a:rPr>
               <a:t>RE characters</a:t>
             </a:r>
           </a:p>
@@ -15137,7 +15725,9 @@
               </a:lnSpc>
             </a:pPr>
             <a:r>
-              <a:rPr lang="en-US" dirty="0"/>
+              <a:rPr lang="en-US" dirty="0">
+                <a:latin typeface="Lexend Light"/>
+              </a:rPr>
               <a:t>Search</a:t>
             </a:r>
           </a:p>
@@ -15148,7 +15738,9 @@
               </a:lnSpc>
             </a:pPr>
             <a:r>
-              <a:rPr lang="en-US" dirty="0"/>
+              <a:rPr lang="en-US" dirty="0">
+                <a:latin typeface="Lexend Light"/>
+              </a:rPr>
               <a:t>Matching Object</a:t>
             </a:r>
           </a:p>
@@ -15159,7 +15751,9 @@
               </a:lnSpc>
             </a:pPr>
             <a:r>
-              <a:rPr lang="en-US" dirty="0"/>
+              <a:rPr lang="en-US" dirty="0">
+                <a:latin typeface="Lexend Light"/>
+              </a:rPr>
               <a:t>Sub</a:t>
             </a:r>
           </a:p>
@@ -15170,7 +15764,9 @@
               </a:lnSpc>
             </a:pPr>
             <a:r>
-              <a:rPr lang="en-US" dirty="0"/>
+              <a:rPr lang="en-US" dirty="0">
+                <a:latin typeface="Lexend Light"/>
+              </a:rPr>
               <a:t>Split</a:t>
             </a:r>
           </a:p>
@@ -15181,10 +15777,14 @@
               </a:lnSpc>
             </a:pPr>
             <a:r>
-              <a:rPr lang="en-US" dirty="0" err="1"/>
+              <a:rPr lang="en-US" dirty="0" err="1">
+                <a:latin typeface="Lexend Light"/>
+              </a:rPr>
               <a:t>Finditer</a:t>
             </a:r>
-            <a:endParaRPr lang="en-US" dirty="0"/>
+            <a:endParaRPr lang="en-US" dirty="0">
+              <a:latin typeface="Lexend Light"/>
+            </a:endParaRPr>
           </a:p>
           <a:p>
             <a:pPr>
@@ -15193,7 +15793,9 @@
               </a:lnSpc>
             </a:pPr>
             <a:r>
-              <a:rPr lang="en-US" dirty="0"/>
+              <a:rPr lang="en-US" dirty="0">
+                <a:latin typeface="Lexend Light"/>
+              </a:rPr>
               <a:t>Flags</a:t>
             </a:r>
           </a:p>
@@ -15203,7 +15805,9 @@
                 <a:spcPct val="90000"/>
               </a:lnSpc>
             </a:pPr>
-            <a:endParaRPr lang="en-US" dirty="0"/>
+            <a:endParaRPr lang="en-US" dirty="0">
+              <a:latin typeface="Lexend Light"/>
+            </a:endParaRPr>
           </a:p>
         </p:txBody>
       </p:sp>
@@ -15223,10 +15827,20 @@
           <a:lstStyle/>
           <a:p>
             <a:r>
-              <a:rPr lang="en-US" dirty="0"/>
+              <a:rPr lang="en-US" b="1" dirty="0">
+                <a:solidFill>
+                  <a:srgbClr val="0071F6"/>
+                </a:solidFill>
+                <a:latin typeface="Lexend" panose="020B0604020202020204"/>
+              </a:rPr>
               <a:t>Agenda</a:t>
             </a:r>
-            <a:endParaRPr lang="he-IL" dirty="0"/>
+            <a:endParaRPr lang="he-IL" b="1" dirty="0">
+              <a:solidFill>
+                <a:srgbClr val="0071F6"/>
+              </a:solidFill>
+              <a:latin typeface="Lexend" panose="020B0604020202020204"/>
+            </a:endParaRPr>
           </a:p>
         </p:txBody>
       </p:sp>
@@ -15278,14 +15892,20 @@
           <a:lstStyle/>
           <a:p>
             <a:r>
-              <a:rPr lang="en-US" dirty="0"/>
+              <a:rPr lang="en-US" b="1" dirty="0">
+                <a:latin typeface="Lexend Light"/>
+              </a:rPr>
               <a:t>RE </a:t>
             </a:r>
             <a:r>
-              <a:rPr lang="en-US" dirty="0" err="1"/>
+              <a:rPr lang="en-US" b="1" dirty="0" err="1">
+                <a:latin typeface="Lexend Light"/>
+              </a:rPr>
               <a:t>finditer</a:t>
             </a:r>
-            <a:endParaRPr lang="he-IL" dirty="0"/>
+            <a:endParaRPr lang="he-IL" b="1" dirty="0">
+              <a:latin typeface="Lexend Light"/>
+            </a:endParaRPr>
           </a:p>
         </p:txBody>
       </p:sp>
@@ -15340,18 +15960,38 @@
           <a:lstStyle/>
           <a:p>
             <a:r>
-              <a:rPr lang="en-US" dirty="0"/>
+              <a:rPr lang="en-US" b="1" dirty="0">
+                <a:solidFill>
+                  <a:srgbClr val="0071F6"/>
+                </a:solidFill>
+                <a:latin typeface="Lexend" panose="020B0604020202020204"/>
+              </a:rPr>
               <a:t>RE </a:t>
             </a:r>
             <a:r>
-              <a:rPr lang="en-US" dirty="0" err="1"/>
+              <a:rPr lang="en-US" b="1" dirty="0" err="1">
+                <a:solidFill>
+                  <a:srgbClr val="0071F6"/>
+                </a:solidFill>
+                <a:latin typeface="Lexend" panose="020B0604020202020204"/>
+              </a:rPr>
               <a:t>finditer</a:t>
             </a:r>
             <a:r>
-              <a:rPr lang="en-US" dirty="0"/>
+              <a:rPr lang="en-US" b="1" dirty="0">
+                <a:solidFill>
+                  <a:srgbClr val="0071F6"/>
+                </a:solidFill>
+                <a:latin typeface="Lexend" panose="020B0604020202020204"/>
+              </a:rPr>
               <a:t> – cont’d</a:t>
             </a:r>
-            <a:endParaRPr lang="he-IL" dirty="0"/>
+            <a:endParaRPr lang="he-IL" b="1" dirty="0">
+              <a:solidFill>
+                <a:srgbClr val="0071F6"/>
+              </a:solidFill>
+              <a:latin typeface="Lexend" panose="020B0604020202020204"/>
+            </a:endParaRPr>
           </a:p>
         </p:txBody>
       </p:sp>
@@ -15386,44 +16026,58 @@
             <a:pPr marL="0" indent="0">
               <a:buNone/>
             </a:pPr>
-            <a:endParaRPr lang="en-US" dirty="0"/>
+            <a:endParaRPr lang="en-US" dirty="0">
+              <a:latin typeface="Lexend Light"/>
+            </a:endParaRPr>
           </a:p>
           <a:p>
             <a:pPr marL="0" indent="0">
               <a:buNone/>
             </a:pPr>
-            <a:endParaRPr lang="en-US" dirty="0"/>
+            <a:endParaRPr lang="en-US" dirty="0">
+              <a:latin typeface="Lexend Light"/>
+            </a:endParaRPr>
           </a:p>
           <a:p>
             <a:pPr marL="0" indent="0">
               <a:buNone/>
             </a:pPr>
-            <a:endParaRPr lang="en-US" dirty="0"/>
+            <a:endParaRPr lang="en-US" dirty="0">
+              <a:latin typeface="Lexend Light"/>
+            </a:endParaRPr>
           </a:p>
           <a:p>
             <a:pPr marL="0" indent="0">
               <a:buNone/>
             </a:pPr>
-            <a:endParaRPr lang="en-US" dirty="0"/>
+            <a:endParaRPr lang="en-US" dirty="0">
+              <a:latin typeface="Lexend Light"/>
+            </a:endParaRPr>
           </a:p>
           <a:p>
             <a:pPr marL="0" indent="0">
               <a:buNone/>
             </a:pPr>
-            <a:endParaRPr lang="en-US" dirty="0"/>
+            <a:endParaRPr lang="en-US" dirty="0">
+              <a:latin typeface="Lexend Light"/>
+            </a:endParaRPr>
           </a:p>
           <a:p>
             <a:pPr marL="0" indent="0">
               <a:buNone/>
             </a:pPr>
-            <a:endParaRPr lang="en-US" dirty="0"/>
+            <a:endParaRPr lang="en-US" dirty="0">
+              <a:latin typeface="Lexend Light"/>
+            </a:endParaRPr>
           </a:p>
           <a:p>
             <a:pPr marL="0" indent="0">
               <a:buNone/>
             </a:pPr>
             <a:r>
-              <a:rPr lang="en-US" dirty="0"/>
+              <a:rPr lang="en-US" dirty="0">
+                <a:latin typeface="Lexend Light"/>
+              </a:rPr>
               <a:t> 0- 4: this</a:t>
             </a:r>
           </a:p>
@@ -15432,7 +16086,9 @@
               <a:buNone/>
             </a:pPr>
             <a:r>
-              <a:rPr lang="en-US" dirty="0"/>
+              <a:rPr lang="en-US" dirty="0">
+                <a:latin typeface="Lexend Light"/>
+              </a:rPr>
               <a:t> 5- 7: is</a:t>
             </a:r>
           </a:p>
@@ -15441,7 +16097,9 @@
               <a:buNone/>
             </a:pPr>
             <a:r>
-              <a:rPr lang="en-US" dirty="0"/>
+              <a:rPr lang="en-US" dirty="0">
+                <a:latin typeface="Lexend Light"/>
+              </a:rPr>
               <a:t> 8- 9: a</a:t>
             </a:r>
           </a:p>
@@ -15450,7 +16108,9 @@
               <a:buNone/>
             </a:pPr>
             <a:r>
-              <a:rPr lang="en-US" dirty="0"/>
+              <a:rPr lang="en-US" dirty="0">
+                <a:latin typeface="Lexend Light"/>
+              </a:rPr>
               <a:t>….</a:t>
             </a:r>
           </a:p>
@@ -15459,7 +16119,9 @@
               <a:buNone/>
             </a:pPr>
             <a:r>
-              <a:rPr lang="en-US" dirty="0"/>
+              <a:rPr lang="en-US" dirty="0">
+                <a:latin typeface="Lexend Light"/>
+              </a:rPr>
               <a:t>35-37: of</a:t>
             </a:r>
           </a:p>
@@ -15468,7 +16130,9 @@
               <a:buNone/>
             </a:pPr>
             <a:r>
-              <a:rPr lang="en-US" dirty="0"/>
+              <a:rPr lang="en-US" dirty="0">
+                <a:latin typeface="Lexend Light"/>
+              </a:rPr>
               <a:t>38-43: words</a:t>
             </a:r>
           </a:p>
@@ -16054,7 +16718,12 @@
             <p:ph type="title"/>
           </p:nvPr>
         </p:nvSpPr>
-        <p:spPr/>
+        <p:spPr>
+          <a:xfrm>
+            <a:off x="762148" y="486536"/>
+            <a:ext cx="10561173" cy="720000"/>
+          </a:xfrm>
+        </p:spPr>
         <p:txBody>
           <a:bodyPr>
             <a:normAutofit/>
@@ -16062,10 +16731,20 @@
           <a:lstStyle/>
           <a:p>
             <a:r>
-              <a:rPr lang="en-US" dirty="0"/>
+              <a:rPr lang="en-US" b="1" dirty="0">
+                <a:solidFill>
+                  <a:srgbClr val="0071F6"/>
+                </a:solidFill>
+                <a:latin typeface="Lexend" panose="020B0604020202020204"/>
+              </a:rPr>
               <a:t>RE flags</a:t>
             </a:r>
-            <a:endParaRPr lang="he-IL" dirty="0"/>
+            <a:endParaRPr lang="he-IL" b="1" dirty="0">
+              <a:solidFill>
+                <a:srgbClr val="0071F6"/>
+              </a:solidFill>
+              <a:latin typeface="Lexend" panose="020B0604020202020204"/>
+            </a:endParaRPr>
           </a:p>
         </p:txBody>
       </p:sp>
@@ -16091,7 +16770,7 @@
         </p:blipFill>
         <p:spPr>
           <a:xfrm>
-            <a:off x="815414" y="1608176"/>
+            <a:off x="762148" y="1546032"/>
             <a:ext cx="7845986" cy="4454449"/>
           </a:xfrm>
           <a:prstGeom prst="rect">
@@ -16145,10 +16824,14 @@
           <a:lstStyle/>
           <a:p>
             <a:r>
-              <a:rPr lang="en-US" dirty="0"/>
+              <a:rPr lang="en-US" b="1" dirty="0">
+                <a:latin typeface="Lexend Light"/>
+              </a:rPr>
               <a:t>Labs 1-3</a:t>
             </a:r>
-            <a:endParaRPr lang="he-IL" dirty="0"/>
+            <a:endParaRPr lang="he-IL" b="1" dirty="0">
+              <a:latin typeface="Lexend Light"/>
+            </a:endParaRPr>
           </a:p>
         </p:txBody>
       </p:sp>
@@ -16230,10 +16913,20 @@
           <a:lstStyle/>
           <a:p>
             <a:r>
-              <a:rPr lang="en-US" sz="4400" dirty="0"/>
+              <a:rPr lang="en-US" sz="4400" b="1" dirty="0">
+                <a:solidFill>
+                  <a:srgbClr val="0071F6"/>
+                </a:solidFill>
+                <a:latin typeface="Lexend" panose="020B0604020202020204"/>
+              </a:rPr>
               <a:t>Concepts About Regular Expressions</a:t>
             </a:r>
-            <a:endParaRPr lang="he-IL" dirty="0"/>
+            <a:endParaRPr lang="he-IL" b="1" dirty="0">
+              <a:solidFill>
+                <a:srgbClr val="0071F6"/>
+              </a:solidFill>
+              <a:latin typeface="Lexend" panose="020B0604020202020204"/>
+            </a:endParaRPr>
           </a:p>
         </p:txBody>
       </p:sp>
@@ -16270,36 +16963,22 @@
               <a:buChar char="•"/>
             </a:pPr>
             <a:r>
-              <a:rPr lang="en-US" dirty="0"/>
+              <a:rPr lang="en-US" dirty="0">
+                <a:latin typeface="Lexend Light"/>
+              </a:rPr>
               <a:t>A </a:t>
             </a:r>
             <a:r>
-              <a:rPr lang="en-US" i="1" dirty="0"/>
+              <a:rPr lang="en-US" i="1" dirty="0">
+                <a:latin typeface="Lexend Light"/>
+              </a:rPr>
               <a:t>regular expression</a:t>
             </a:r>
             <a:r>
-              <a:rPr lang="en-US" dirty="0"/>
-              <a:t> is a pattern</a:t>
-            </a:r>
-            <a:r>
               <a:rPr lang="en-US" dirty="0">
-                <a:latin typeface="Times New Roman"/>
-              </a:rPr>
-              <a:t> </a:t>
-            </a:r>
-            <a:r>
-              <a:rPr lang="en-US" dirty="0"/>
-              <a:t>- a template</a:t>
-            </a:r>
-            <a:r>
-              <a:rPr lang="en-US" dirty="0">
-                <a:latin typeface="Times New Roman"/>
-              </a:rPr>
-              <a:t> </a:t>
-            </a:r>
-            <a:r>
-              <a:rPr lang="en-US" dirty="0"/>
-              <a:t>- to be matched against a string. </a:t>
+                <a:latin typeface="Lexend Light"/>
+              </a:rPr>
+              <a:t> is a pattern - a template - to be matched against a string. </a:t>
             </a:r>
           </a:p>
           <a:p>
@@ -16308,7 +16987,9 @@
               <a:buChar char="•"/>
             </a:pPr>
             <a:r>
-              <a:rPr lang="en-US" dirty="0"/>
+              <a:rPr lang="en-US" dirty="0">
+                <a:latin typeface="Lexend Light"/>
+              </a:rPr>
               <a:t>Matching a regular expression against a string either succeeds or fails. </a:t>
             </a:r>
           </a:p>
@@ -16318,7 +16999,9 @@
               <a:buChar char="•"/>
             </a:pPr>
             <a:r>
-              <a:rPr lang="en-US" dirty="0"/>
+              <a:rPr lang="en-US" dirty="0">
+                <a:latin typeface="Lexend Light"/>
+              </a:rPr>
               <a:t>Sometimes, the success or failure may be all you are concerned about and sometimes we to process or to replace  the matched pattern.</a:t>
             </a:r>
           </a:p>
@@ -16328,7 +17011,9 @@
               <a:buChar char="•"/>
             </a:pPr>
             <a:r>
-              <a:rPr lang="en-US" dirty="0"/>
+              <a:rPr lang="en-US" dirty="0">
+                <a:latin typeface="Lexend Light"/>
+              </a:rPr>
               <a:t>Regular expressions are widely used by many programs and languages</a:t>
             </a:r>
           </a:p>
@@ -16338,15 +17023,21 @@
               <a:buChar char="•"/>
             </a:pPr>
             <a:r>
-              <a:rPr lang="en-US" dirty="0"/>
+              <a:rPr lang="en-US" dirty="0">
+                <a:latin typeface="Lexend Light"/>
+              </a:rPr>
               <a:t>The module </a:t>
             </a:r>
             <a:r>
-              <a:rPr lang="en-US" b="1" dirty="0"/>
+              <a:rPr lang="en-US" b="1" dirty="0">
+                <a:latin typeface="Lexend Light"/>
+              </a:rPr>
               <a:t>re</a:t>
             </a:r>
             <a:r>
-              <a:rPr lang="en-US" dirty="0"/>
+              <a:rPr lang="en-US" dirty="0">
+                <a:latin typeface="Lexend Light"/>
+              </a:rPr>
               <a:t> provides full support for regular expressions in Python</a:t>
             </a:r>
           </a:p>
@@ -16354,7 +17045,9 @@
             <a:pPr marL="0" indent="0">
               <a:buNone/>
             </a:pPr>
-            <a:endParaRPr lang="en-US" dirty="0"/>
+            <a:endParaRPr lang="en-US" dirty="0">
+              <a:latin typeface="Lexend Light"/>
+            </a:endParaRPr>
           </a:p>
         </p:txBody>
       </p:sp>
@@ -16492,7 +17185,9 @@
               <a:buChar char="•"/>
             </a:pPr>
             <a:r>
-              <a:rPr lang="en-US" sz="2400" dirty="0"/>
+              <a:rPr lang="en-US" sz="2400" dirty="0">
+                <a:latin typeface="Lexend Light"/>
+              </a:rPr>
               <a:t>There is the basic set of regular-expression meaningful characters in Perl.</a:t>
             </a:r>
           </a:p>
@@ -16516,10 +17211,20 @@
           <a:lstStyle/>
           <a:p>
             <a:r>
-              <a:rPr lang="en-US" dirty="0"/>
+              <a:rPr lang="en-US" b="1" dirty="0">
+                <a:solidFill>
+                  <a:srgbClr val="0071F6"/>
+                </a:solidFill>
+                <a:latin typeface="Lexend" panose="020B0604020202020204"/>
+              </a:rPr>
               <a:t>Regular- expression characters</a:t>
             </a:r>
-            <a:endParaRPr lang="he-IL" dirty="0"/>
+            <a:endParaRPr lang="he-IL" b="1" dirty="0">
+              <a:solidFill>
+                <a:srgbClr val="0071F6"/>
+              </a:solidFill>
+              <a:latin typeface="Lexend" panose="020B0604020202020204"/>
+            </a:endParaRPr>
           </a:p>
         </p:txBody>
       </p:sp>
@@ -16612,10 +17317,20 @@
           <a:lstStyle/>
           <a:p>
             <a:r>
-              <a:rPr lang="en-US" sz="4400" dirty="0"/>
+              <a:rPr lang="en-US" sz="4400" b="1" dirty="0">
+                <a:solidFill>
+                  <a:srgbClr val="0071F6"/>
+                </a:solidFill>
+                <a:latin typeface="Lexend" panose="020B0604020202020204"/>
+              </a:rPr>
               <a:t>Regular- expression characters - Cont'd </a:t>
             </a:r>
-            <a:endParaRPr lang="he-IL" dirty="0"/>
+            <a:endParaRPr lang="he-IL" b="1" dirty="0">
+              <a:solidFill>
+                <a:srgbClr val="0071F6"/>
+              </a:solidFill>
+              <a:latin typeface="Lexend" panose="020B0604020202020204"/>
+            </a:endParaRPr>
           </a:p>
         </p:txBody>
       </p:sp>
@@ -16634,7 +17349,7 @@
         <p:spPr>
           <a:xfrm>
             <a:off x="897467" y="1693333"/>
-            <a:ext cx="10479120" cy="646331"/>
+            <a:ext cx="10479120" cy="523220"/>
           </a:xfrm>
           <a:prstGeom prst="rect">
             <a:avLst/>
@@ -16652,12 +17367,11 @@
               <a:buChar char="•"/>
             </a:pPr>
             <a:r>
-              <a:rPr lang="en-US" sz="1800" dirty="0"/>
+              <a:rPr lang="en-US" sz="2800" dirty="0">
+                <a:latin typeface="Lexend Light"/>
+              </a:rPr>
               <a:t>There is the basic set of quantifiers characters:</a:t>
             </a:r>
-          </a:p>
-          <a:p>
-            <a:endParaRPr lang="en-US" dirty="0"/>
           </a:p>
         </p:txBody>
       </p:sp>
@@ -16737,10 +17451,20 @@
           <a:lstStyle/>
           <a:p>
             <a:r>
-              <a:rPr lang="en-US" sz="4400" dirty="0"/>
+              <a:rPr lang="en-US" sz="4400" b="1" dirty="0">
+                <a:solidFill>
+                  <a:srgbClr val="0071F6"/>
+                </a:solidFill>
+                <a:latin typeface="Lexend" panose="020B0604020202020204"/>
+              </a:rPr>
               <a:t>Regular- expression characters - Cont'd</a:t>
             </a:r>
-            <a:endParaRPr lang="he-IL" dirty="0"/>
+            <a:endParaRPr lang="he-IL" b="1" dirty="0">
+              <a:solidFill>
+                <a:srgbClr val="0071F6"/>
+              </a:solidFill>
+              <a:latin typeface="Lexend" panose="020B0604020202020204"/>
+            </a:endParaRPr>
           </a:p>
         </p:txBody>
       </p:sp>
@@ -16754,14 +17478,21 @@
             <p:ph idx="1"/>
           </p:nvPr>
         </p:nvSpPr>
-        <p:spPr/>
+        <p:spPr>
+          <a:xfrm>
+            <a:off x="838200" y="1825625"/>
+            <a:ext cx="10515600" cy="633490"/>
+          </a:xfrm>
+        </p:spPr>
         <p:txBody>
           <a:bodyPr/>
           <a:lstStyle/>
           <a:p>
             <a:pPr algn="l" rtl="0"/>
             <a:r>
-              <a:rPr lang="en-US" sz="2800" dirty="0"/>
+              <a:rPr lang="en-US" sz="2800" dirty="0">
+                <a:latin typeface="Lexend Light"/>
+              </a:rPr>
               <a:t>There is the extended set of Python characters:</a:t>
             </a:r>
           </a:p>
@@ -16845,10 +17576,20 @@
           <a:lstStyle/>
           <a:p>
             <a:r>
-              <a:rPr lang="en-US" dirty="0"/>
+              <a:rPr lang="en-US" b="1" dirty="0">
+                <a:solidFill>
+                  <a:srgbClr val="0071F6"/>
+                </a:solidFill>
+                <a:latin typeface="Lexend" panose="020B0604020202020204"/>
+              </a:rPr>
               <a:t>RE search</a:t>
             </a:r>
-            <a:endParaRPr lang="he-IL" dirty="0"/>
+            <a:endParaRPr lang="he-IL" b="1" dirty="0">
+              <a:solidFill>
+                <a:srgbClr val="0071F6"/>
+              </a:solidFill>
+              <a:latin typeface="Lexend" panose="020B0604020202020204"/>
+            </a:endParaRPr>
           </a:p>
         </p:txBody>
       </p:sp>
@@ -16885,19 +17626,27 @@
               <a:buChar char="•"/>
             </a:pPr>
             <a:r>
-              <a:rPr lang="en-US" sz="2400" b="1" dirty="0" err="1"/>
+              <a:rPr lang="en-US" sz="2400" b="1" dirty="0" err="1">
+                <a:latin typeface="Lexend Light"/>
+              </a:rPr>
               <a:t>re.search</a:t>
             </a:r>
             <a:r>
-              <a:rPr lang="en-US" sz="2400" dirty="0"/>
+              <a:rPr lang="en-US" sz="2400" dirty="0">
+                <a:latin typeface="Lexend Light"/>
+              </a:rPr>
               <a:t> - Scan through string looking for the first location where the regular expression pattern produces a match, and return a corresponding </a:t>
             </a:r>
             <a:r>
-              <a:rPr lang="en-US" sz="2400" dirty="0" err="1"/>
+              <a:rPr lang="en-US" sz="2400" dirty="0" err="1">
+                <a:latin typeface="Lexend Light"/>
+              </a:rPr>
               <a:t>MatchObject</a:t>
             </a:r>
             <a:r>
-              <a:rPr lang="en-US" sz="2400" dirty="0"/>
+              <a:rPr lang="en-US" sz="2400" dirty="0">
+                <a:latin typeface="Lexend Light"/>
+              </a:rPr>
               <a:t> instance</a:t>
             </a:r>
           </a:p>
@@ -16906,7 +17655,9 @@
               <a:buFont typeface="Arial" panose="020B0604020202020204" pitchFamily="34" charset="0"/>
               <a:buChar char="•"/>
             </a:pPr>
-            <a:endParaRPr lang="en-US" sz="2400" dirty="0"/>
+            <a:endParaRPr lang="en-US" sz="2400" dirty="0">
+              <a:latin typeface="Lexend Light"/>
+            </a:endParaRPr>
           </a:p>
           <a:p>
             <a:pPr marL="285750" indent="-285750">
@@ -16914,45 +17665,63 @@
               <a:buChar char="•"/>
             </a:pPr>
             <a:r>
-              <a:rPr lang="en-US" sz="2400" dirty="0" err="1"/>
+              <a:rPr lang="en-US" sz="2400" dirty="0" err="1">
+                <a:latin typeface="Lexend Light"/>
+              </a:rPr>
               <a:t>match_obj</a:t>
             </a:r>
             <a:r>
-              <a:rPr lang="en-US" sz="2400" dirty="0"/>
+              <a:rPr lang="en-US" sz="2400" dirty="0">
+                <a:latin typeface="Lexend Light"/>
+              </a:rPr>
               <a:t> = </a:t>
             </a:r>
             <a:r>
-              <a:rPr lang="en-US" sz="2400" dirty="0" err="1"/>
+              <a:rPr lang="en-US" sz="2400" dirty="0" err="1">
+                <a:latin typeface="Lexend Light"/>
+              </a:rPr>
               <a:t>re.search</a:t>
             </a:r>
             <a:r>
-              <a:rPr lang="en-US" sz="2400" dirty="0"/>
+              <a:rPr lang="en-US" sz="2400" dirty="0">
+                <a:latin typeface="Lexend Light"/>
+              </a:rPr>
               <a:t>(pattern, string, flags=0)</a:t>
             </a:r>
           </a:p>
           <a:p>
             <a:r>
-              <a:rPr lang="en-US" sz="2400" dirty="0"/>
+              <a:rPr lang="en-US" sz="2400" dirty="0">
+                <a:latin typeface="Lexend Light"/>
+              </a:rPr>
               <a:t>	pattern – regular expression</a:t>
             </a:r>
           </a:p>
           <a:p>
             <a:r>
-              <a:rPr lang="en-US" sz="2400" dirty="0"/>
+              <a:rPr lang="en-US" sz="2400" dirty="0">
+                <a:latin typeface="Lexend Light"/>
+              </a:rPr>
               <a:t>	string – string to look </a:t>
             </a:r>
             <a:r>
-              <a:rPr lang="en-US" sz="2400" i="1" dirty="0"/>
+              <a:rPr lang="en-US" sz="2400" i="1" dirty="0">
+                <a:latin typeface="Lexend Light"/>
+              </a:rPr>
               <a:t>pattern</a:t>
             </a:r>
             <a:r>
-              <a:rPr lang="en-US" sz="2400" dirty="0"/>
+              <a:rPr lang="en-US" sz="2400" dirty="0">
+                <a:latin typeface="Lexend Light"/>
+              </a:rPr>
               <a:t> into</a:t>
             </a:r>
           </a:p>
           <a:p>
             <a:r>
-              <a:rPr lang="en-US" sz="2400" dirty="0"/>
+              <a:rPr lang="en-US" sz="2400" dirty="0">
+                <a:latin typeface="Lexend Light"/>
+              </a:rPr>
               <a:t>	flags – possible flags</a:t>
             </a:r>
           </a:p>
@@ -16961,7 +17730,9 @@
               <a:buFont typeface="Arial" panose="020B0604020202020204" pitchFamily="34" charset="0"/>
               <a:buChar char="•"/>
             </a:pPr>
-            <a:endParaRPr lang="en-US" sz="2400" dirty="0"/>
+            <a:endParaRPr lang="en-US" sz="2400" dirty="0">
+              <a:latin typeface="Lexend Light"/>
+            </a:endParaRPr>
           </a:p>
           <a:p>
             <a:pPr marL="285750" indent="-285750">
@@ -16969,16 +17740,22 @@
               <a:buChar char="•"/>
             </a:pPr>
             <a:r>
-              <a:rPr lang="en-US" sz="2400" dirty="0" err="1"/>
+              <a:rPr lang="en-US" sz="2400" dirty="0" err="1">
+                <a:latin typeface="Lexend Light"/>
+              </a:rPr>
               <a:t>match_obj</a:t>
             </a:r>
             <a:r>
-              <a:rPr lang="en-US" sz="2400" dirty="0"/>
+              <a:rPr lang="en-US" sz="2400" dirty="0">
+                <a:latin typeface="Lexend Light"/>
+              </a:rPr>
               <a:t> will be None if pattern didn't match</a:t>
             </a:r>
           </a:p>
           <a:p>
-            <a:endParaRPr lang="en-US" sz="2400" dirty="0"/>
+            <a:endParaRPr lang="en-US" sz="2400" dirty="0">
+              <a:latin typeface="Lexend Light"/>
+            </a:endParaRPr>
           </a:p>
         </p:txBody>
       </p:sp>
@@ -17030,10 +17807,14 @@
           <a:lstStyle/>
           <a:p>
             <a:r>
-              <a:rPr lang="en-US" dirty="0"/>
+              <a:rPr lang="en-US" b="1" dirty="0">
+                <a:latin typeface="Lexend Light"/>
+              </a:rPr>
               <a:t>RE search</a:t>
             </a:r>
-            <a:endParaRPr lang="he-IL" dirty="0"/>
+            <a:endParaRPr lang="he-IL" b="1" dirty="0">
+              <a:latin typeface="Lexend Light"/>
+            </a:endParaRPr>
           </a:p>
         </p:txBody>
       </p:sp>
